--- a/Assets/NavMesh Agent/PPT Data/NavMesh Agent Example.pptx
+++ b/Assets/NavMesh Agent/PPT Data/NavMesh Agent Example.pptx
@@ -2,30 +2,29 @@
 <file path=ppt/presentation.xml><?xml version="1.0" encoding="utf-8"?>
 <p:presentation xmlns:a="http://schemas.openxmlformats.org/drawingml/2006/main" xmlns:r="http://schemas.openxmlformats.org/officeDocument/2006/relationships" xmlns:p="http://schemas.openxmlformats.org/presentationml/2006/main" xmlns:p14="http://schemas.microsoft.com/office/powerpoint/2010/main" saveSubsetFonts="1" firstSlideNum="0">
   <p:sldMasterIdLst>
-    <p:sldMasterId id="2147486318" r:id="rId12"/>
+    <p:sldMasterId id="2147486322" r:id="rId12"/>
   </p:sldMasterIdLst>
   <p:notesMasterIdLst>
     <p:notesMasterId r:id="rId14"/>
   </p:notesMasterIdLst>
   <p:sldIdLst>
     <p:sldId id="287" r:id="rId16"/>
-    <p:sldId id="309" r:id="rId18"/>
-    <p:sldId id="310" r:id="rId20"/>
-    <p:sldId id="300" r:id="rId22"/>
-    <p:sldId id="299" r:id="rId24"/>
-    <p:sldId id="301" r:id="rId26"/>
-    <p:sldId id="303" r:id="rId28"/>
-    <p:sldId id="302" r:id="rId30"/>
-    <p:sldId id="298" r:id="rId32"/>
-    <p:sldId id="304" r:id="rId34"/>
-    <p:sldId id="305" r:id="rId36"/>
-    <p:sldId id="306" r:id="rId38"/>
-    <p:sldId id="312" r:id="rId40"/>
-    <p:sldId id="307" r:id="rId42"/>
-    <p:sldId id="313" r:id="rId44"/>
-    <p:sldId id="314" r:id="rId46"/>
-    <p:sldId id="315" r:id="rId48"/>
-    <p:sldId id="311" r:id="rId49"/>
+    <p:sldId id="309" r:id="rId17"/>
+    <p:sldId id="310" r:id="rId18"/>
+    <p:sldId id="300" r:id="rId20"/>
+    <p:sldId id="299" r:id="rId22"/>
+    <p:sldId id="301" r:id="rId24"/>
+    <p:sldId id="302" r:id="rId26"/>
+    <p:sldId id="298" r:id="rId28"/>
+    <p:sldId id="304" r:id="rId30"/>
+    <p:sldId id="305" r:id="rId32"/>
+    <p:sldId id="306" r:id="rId34"/>
+    <p:sldId id="312" r:id="rId36"/>
+    <p:sldId id="307" r:id="rId38"/>
+    <p:sldId id="313" r:id="rId40"/>
+    <p:sldId id="314" r:id="rId42"/>
+    <p:sldId id="315" r:id="rId44"/>
+    <p:sldId id="311" r:id="rId46"/>
   </p:sldIdLst>
   <p:sldSz cx="12192000" cy="6858000"/>
   <p:notesSz cx="6858000" cy="9144000"/>
@@ -940,7 +939,7 @@
         <p:spPr>
           <a:xfrm rot="0">
             <a:off x="685800" y="1143000"/>
-            <a:ext cx="5490210" cy="3089910"/>
+            <a:ext cx="5490845" cy="3090545"/>
           </a:xfrm>
           <a:prstGeom prst="rect"/>
           <a:noFill/>
@@ -979,7 +978,7 @@
         <p:spPr>
           <a:xfrm rot="0">
             <a:off x="685800" y="4400550"/>
-            <a:ext cx="5490210" cy="3604260"/>
+            <a:ext cx="5490845" cy="3604895"/>
           </a:xfrm>
           <a:prstGeom prst="rect"/>
         </p:spPr>
@@ -1009,7 +1008,7 @@
         <p:spPr>
           <a:xfrm rot="0">
             <a:off x="3884930" y="8685530"/>
-            <a:ext cx="2975610" cy="462280"/>
+            <a:ext cx="2976245" cy="462915"/>
           </a:xfrm>
           <a:prstGeom prst="rect"/>
         </p:spPr>
@@ -1082,7 +1081,7 @@
         <p:spPr>
           <a:xfrm rot="0">
             <a:off x="685800" y="1143000"/>
-            <a:ext cx="5490845" cy="3090545"/>
+            <a:ext cx="5490210" cy="3089910"/>
           </a:xfrm>
           <a:prstGeom prst="rect"/>
           <a:noFill/>
@@ -1121,7 +1120,7 @@
         <p:spPr>
           <a:xfrm rot="0">
             <a:off x="685800" y="4400550"/>
-            <a:ext cx="5490845" cy="3604895"/>
+            <a:ext cx="5490210" cy="3604260"/>
           </a:xfrm>
           <a:prstGeom prst="rect"/>
         </p:spPr>
@@ -1151,7 +1150,7 @@
         <p:spPr>
           <a:xfrm rot="0">
             <a:off x="3884930" y="8685530"/>
-            <a:ext cx="2976245" cy="462915"/>
+            <a:ext cx="2975610" cy="462280"/>
           </a:xfrm>
           <a:prstGeom prst="rect"/>
         </p:spPr>
@@ -1224,7 +1223,7 @@
         <p:spPr>
           <a:xfrm rot="0">
             <a:off x="685800" y="1143000"/>
-            <a:ext cx="5490210" cy="3089910"/>
+            <a:ext cx="5490845" cy="3090545"/>
           </a:xfrm>
           <a:prstGeom prst="rect"/>
           <a:noFill/>
@@ -1263,7 +1262,7 @@
         <p:spPr>
           <a:xfrm rot="0">
             <a:off x="685800" y="4400550"/>
-            <a:ext cx="5490210" cy="3604260"/>
+            <a:ext cx="5490845" cy="3604895"/>
           </a:xfrm>
           <a:prstGeom prst="rect"/>
         </p:spPr>
@@ -1293,7 +1292,7 @@
         <p:spPr>
           <a:xfrm rot="0">
             <a:off x="3884930" y="8685530"/>
-            <a:ext cx="2975610" cy="462280"/>
+            <a:ext cx="2976245" cy="462915"/>
           </a:xfrm>
           <a:prstGeom prst="rect"/>
         </p:spPr>
@@ -1762,148 +1761,6 @@
 </p:notes>
 </file>
 
-<file path=ppt/notesSlides/notesSlide18.xml><?xml version="1.0" encoding="utf-8"?>
-<p:notes xmlns:a="http://schemas.openxmlformats.org/drawingml/2006/main" xmlns:r="http://schemas.openxmlformats.org/officeDocument/2006/relationships" xmlns:p="http://schemas.openxmlformats.org/presentationml/2006/main">
-  <p:cSld>
-    <p:spTree>
-      <p:nvGrpSpPr>
-        <p:cNvPr id="1" name=""/>
-        <p:cNvGrpSpPr/>
-        <p:nvPr/>
-      </p:nvGrpSpPr>
-      <p:grpSpPr>
-        <a:xfrm>
-          <a:off x="0" y="0"/>
-          <a:ext cx="0" cy="0"/>
-          <a:chOff x="0" y="0"/>
-          <a:chExt cx="0" cy="0"/>
-        </a:xfrm>
-      </p:grpSpPr>
-      <p:sp>
-        <p:nvSpPr>
-          <p:cNvPr id="2" name="슬라이드 이미지 개체 틀 3"/>
-          <p:cNvSpPr>
-            <a:spLocks noChangeAspect="1"/>
-          </p:cNvSpPr>
-          <p:nvPr>
-            <p:ph type="sldImg" idx="2"/>
-          </p:nvPr>
-        </p:nvSpPr>
-        <p:spPr>
-          <a:xfrm rot="0">
-            <a:off x="685800" y="1143000"/>
-            <a:ext cx="5490845" cy="3090545"/>
-          </a:xfrm>
-          <a:prstGeom prst="rect"/>
-          <a:noFill/>
-          <a:ln w="12700" cap="flat" cmpd="sng">
-            <a:solidFill>
-              <a:srgbClr val="000000">
-                <a:alpha val="100000"/>
-              </a:srgbClr>
-            </a:solidFill>
-            <a:prstDash val="solid"/>
-          </a:ln>
-        </p:spPr>
-        <p:txBody>
-          <a:bodyPr wrap="square" lIns="91440" tIns="45720" rIns="91440" bIns="45720" numCol="1" vert="horz" anchor="ctr">
-            <a:noAutofit/>
-          </a:bodyPr>
-          <a:lstStyle/>
-          <a:p>
-            <a:pPr marL="0" indent="0" latinLnBrk="0">
-              <a:buFontTx/>
-              <a:buNone/>
-            </a:pPr>
-          </a:p>
-        </p:txBody>
-      </p:sp>
-      <p:sp>
-        <p:nvSpPr>
-          <p:cNvPr id="3" name="슬라이드 노트 개체 틀 4"/>
-          <p:cNvSpPr txBox="1">
-            <a:spLocks/>
-          </p:cNvSpPr>
-          <p:nvPr>
-            <p:ph type="body" idx="3"/>
-          </p:nvPr>
-        </p:nvSpPr>
-        <p:spPr>
-          <a:xfrm rot="0">
-            <a:off x="685800" y="4400550"/>
-            <a:ext cx="5490845" cy="3604895"/>
-          </a:xfrm>
-          <a:prstGeom prst="rect"/>
-        </p:spPr>
-        <p:txBody>
-          <a:bodyPr wrap="square" lIns="91440" tIns="45720" rIns="91440" bIns="45720" numCol="1" vert="horz" anchor="t">
-            <a:noAutofit/>
-          </a:bodyPr>
-          <a:lstStyle/>
-          <a:p>
-            <a:pPr marL="0" indent="0" latinLnBrk="0">
-              <a:buFontTx/>
-              <a:buNone/>
-            </a:pPr>
-          </a:p>
-        </p:txBody>
-      </p:sp>
-      <p:sp>
-        <p:nvSpPr>
-          <p:cNvPr id="4" name="슬라이드 번호 개체 틀 6"/>
-          <p:cNvSpPr txBox="1">
-            <a:spLocks/>
-          </p:cNvSpPr>
-          <p:nvPr>
-            <p:ph type="sldNum" idx="5"/>
-          </p:nvPr>
-        </p:nvSpPr>
-        <p:spPr>
-          <a:xfrm rot="0">
-            <a:off x="3884930" y="8685530"/>
-            <a:ext cx="2976245" cy="462915"/>
-          </a:xfrm>
-          <a:prstGeom prst="rect"/>
-        </p:spPr>
-        <p:txBody>
-          <a:bodyPr wrap="square" lIns="91440" tIns="45720" rIns="91440" bIns="45720" numCol="1" vert="horz" anchor="b">
-            <a:noAutofit/>
-          </a:bodyPr>
-          <a:lstStyle>
-            <a:lvl1pPr marL="0" indent="0" algn="r" latinLnBrk="0">
-              <a:buFontTx/>
-              <a:buNone/>
-              <a:defRPr lang="en-GB" altLang="en-US" sz="1200"/>
-            </a:lvl1pPr>
-          </a:lstStyle>
-          <a:p>
-            <a:pPr marL="0" indent="0" latinLnBrk="0">
-              <a:buFontTx/>
-              <a:buNone/>
-            </a:pPr>
-            <a:fld id="{B9320F77-B9A0-41C5-862A-B4B631284C64}" type="slidenum">
-              <a:rPr lang="ko-KR" altLang="en-US"/>
-              <a:t>‹#›</a:t>
-            </a:fld>
-          </a:p>
-        </p:txBody>
-      </p:sp>
-    </p:spTree>
-  </p:cSld>
-  <p:clrMapOvr>
-    <a:masterClrMapping/>
-  </p:clrMapOvr>
-  <mc:AlternateContent xmlns:mc="http://schemas.openxmlformats.org/markup-compatibility/2006">
-    <mc:Choice xmlns:p14="http://schemas.microsoft.com/office/powerpoint/2010/main" Requires="p14">
-      <p:transition spd="slow" p14:dur="0"/>
-    </mc:Choice>
-    <mc:Fallback>
-      <p:transition spd="slow"/>
-    </mc:Fallback>
-  </mc:AlternateContent>
-</p:notes>
-</file>
-
 <file path=ppt/notesSlides/notesSlide2.xml><?xml version="1.0" encoding="utf-8"?>
 <p:notes xmlns:a="http://schemas.openxmlformats.org/drawingml/2006/main" xmlns:r="http://schemas.openxmlformats.org/officeDocument/2006/relationships" xmlns:p="http://schemas.openxmlformats.org/presentationml/2006/main">
   <p:cSld>
@@ -2644,7 +2501,7 @@
         <p:spPr>
           <a:xfrm rot="0">
             <a:off x="685800" y="1143000"/>
-            <a:ext cx="5489575" cy="3089275"/>
+            <a:ext cx="5490210" cy="3089910"/>
           </a:xfrm>
           <a:prstGeom prst="rect"/>
           <a:noFill/>
@@ -2683,7 +2540,7 @@
         <p:spPr>
           <a:xfrm rot="0">
             <a:off x="685800" y="4400550"/>
-            <a:ext cx="5489575" cy="3603625"/>
+            <a:ext cx="5490210" cy="3604260"/>
           </a:xfrm>
           <a:prstGeom prst="rect"/>
         </p:spPr>
@@ -2713,7 +2570,7 @@
         <p:spPr>
           <a:xfrm rot="0">
             <a:off x="3884930" y="8685530"/>
-            <a:ext cx="2974975" cy="461645"/>
+            <a:ext cx="2975610" cy="462280"/>
           </a:xfrm>
           <a:prstGeom prst="rect"/>
         </p:spPr>
@@ -2786,7 +2643,7 @@
         <p:spPr>
           <a:xfrm rot="0">
             <a:off x="685800" y="1143000"/>
-            <a:ext cx="5490210" cy="3089910"/>
+            <a:ext cx="5489575" cy="3089275"/>
           </a:xfrm>
           <a:prstGeom prst="rect"/>
           <a:noFill/>
@@ -2825,7 +2682,7 @@
         <p:spPr>
           <a:xfrm rot="0">
             <a:off x="685800" y="4400550"/>
-            <a:ext cx="5490210" cy="3604260"/>
+            <a:ext cx="5489575" cy="3603625"/>
           </a:xfrm>
           <a:prstGeom prst="rect"/>
         </p:spPr>
@@ -2855,7 +2712,7 @@
         <p:spPr>
           <a:xfrm rot="0">
             <a:off x="3884930" y="8685530"/>
-            <a:ext cx="2975610" cy="462280"/>
+            <a:ext cx="2974975" cy="461645"/>
           </a:xfrm>
           <a:prstGeom prst="rect"/>
         </p:spPr>
@@ -2928,7 +2785,7 @@
         <p:spPr>
           <a:xfrm rot="0">
             <a:off x="685800" y="1143000"/>
-            <a:ext cx="5489575" cy="3089275"/>
+            <a:ext cx="5490210" cy="3089910"/>
           </a:xfrm>
           <a:prstGeom prst="rect"/>
           <a:noFill/>
@@ -2967,7 +2824,7 @@
         <p:spPr>
           <a:xfrm rot="0">
             <a:off x="685800" y="4400550"/>
-            <a:ext cx="5489575" cy="3603625"/>
+            <a:ext cx="5490210" cy="3604260"/>
           </a:xfrm>
           <a:prstGeom prst="rect"/>
         </p:spPr>
@@ -2997,7 +2854,7 @@
         <p:spPr>
           <a:xfrm rot="0">
             <a:off x="3884930" y="8685530"/>
-            <a:ext cx="2974975" cy="461645"/>
+            <a:ext cx="2975610" cy="462280"/>
           </a:xfrm>
           <a:prstGeom prst="rect"/>
         </p:spPr>
@@ -8002,8 +7859,8 @@
         </p:nvSpPr>
         <p:spPr>
           <a:xfrm rot="0">
-            <a:off x="1221740" y="4519295"/>
-            <a:ext cx="4148455" cy="1754505"/>
+            <a:off x="1221740" y="2556510"/>
+            <a:ext cx="4153535" cy="923925"/>
           </a:xfrm>
           <a:prstGeom prst="rect"/>
           <a:noFill/>
@@ -8044,13 +7901,62 @@
                 <a:latin typeface="맑은 고딕" charset="0"/>
                 <a:ea typeface="맑은 고딕" charset="0"/>
               </a:rPr>
-              <a:t>첫</a:t>
+              <a:t>첫 번째로</a:t>
+            </a:r>
+            <a:r>
+              <a:rPr sz="1800">
+                <a:latin typeface="맑은 고딕" charset="0"/>
+                <a:ea typeface="맑은 고딕" charset="0"/>
+              </a:rPr>
+              <a:t> </a:t>
             </a:r>
             <a:r>
               <a:rPr lang="ko-KR" sz="1800">
                 <a:latin typeface="맑은 고딕" charset="0"/>
                 <a:ea typeface="맑은 고딕" charset="0"/>
               </a:rPr>
+              <a:t>P</a:t>
+            </a:r>
+            <a:r>
+              <a:rPr lang="ko-KR" sz="1800">
+                <a:latin typeface="맑은 고딕" charset="0"/>
+                <a:ea typeface="맑은 고딕" charset="0"/>
+              </a:rPr>
+              <a:t>roject 폴더에 있는 Model 폴더에 </a:t>
+            </a:r>
+            <a:r>
+              <a:rPr lang="ko-KR" sz="1800">
+                <a:latin typeface="맑은 고딕" charset="0"/>
+                <a:ea typeface="맑은 고딕" charset="0"/>
+              </a:rPr>
+              <a:t>M</a:t>
+            </a:r>
+            <a:r>
+              <a:rPr lang="ko-KR" sz="1800">
+                <a:latin typeface="맑은 고딕" charset="0"/>
+                <a:ea typeface="맑은 고딕" charset="0"/>
+              </a:rPr>
+              <a:t>o</a:t>
+            </a:r>
+            <a:r>
+              <a:rPr lang="ko-KR" sz="1800">
+                <a:latin typeface="맑은 고딕" charset="0"/>
+                <a:ea typeface="맑은 고딕" charset="0"/>
+              </a:rPr>
+              <a:t>u</a:t>
+            </a:r>
+            <a:r>
+              <a:rPr lang="ko-KR" sz="1800">
+                <a:latin typeface="맑은 고딕" charset="0"/>
+                <a:ea typeface="맑은 고딕" charset="0"/>
+              </a:rPr>
+              <a:t>th</a:t>
+            </a:r>
+            <a:r>
+              <a:rPr lang="ko-KR" sz="1800">
+                <a:latin typeface="맑은 고딕" charset="0"/>
+                <a:ea typeface="맑은 고딕" charset="0"/>
+              </a:rPr>
               <a:t> </a:t>
             </a:r>
             <a:r>
@@ -8058,61 +7964,13 @@
                 <a:latin typeface="맑은 고딕" charset="0"/>
                 <a:ea typeface="맑은 고딕" charset="0"/>
               </a:rPr>
-              <a:t>번째로</a:t>
-            </a:r>
-            <a:r>
-              <a:rPr sz="1800">
-                <a:latin typeface="맑은 고딕" charset="0"/>
-                <a:ea typeface="맑은 고딕" charset="0"/>
-              </a:rPr>
-              <a:t> 3D Object에서 Capsule 오브젝트를 생성</a:t>
-            </a:r>
-            <a:r>
-              <a:rPr lang="ko-KR" sz="1800">
-                <a:latin typeface="맑은 고딕" charset="0"/>
-                <a:ea typeface="맑은 고딕" charset="0"/>
-              </a:rPr>
-              <a:t>하고 Character라는 이름으로 정의합니다.</a:t>
+              <a:t>Monster를 월드 공간에 배치합니다.</a:t>
             </a:r>
             <a:endParaRPr lang="ko-KR" altLang="en-US" sz="1800">
               <a:latin typeface="맑은 고딕" charset="0"/>
               <a:ea typeface="맑은 고딕" charset="0"/>
             </a:endParaRPr>
           </a:p>
-          <a:p>
-            <a:pPr marL="0" indent="0" rtl="0" algn="l" defTabSz="914400" eaLnBrk="1" latinLnBrk="0" hangingPunct="1">
-              <a:buFontTx/>
-              <a:buNone/>
-            </a:pPr>
-            <a:endParaRPr lang="ko-KR" altLang="en-US" sz="1800">
-              <a:latin typeface="맑은 고딕" charset="0"/>
-              <a:ea typeface="맑은 고딕" charset="0"/>
-            </a:endParaRPr>
-          </a:p>
-          <a:p>
-            <a:pPr marL="0" indent="0" rtl="0" algn="l" defTabSz="914400" eaLnBrk="1" latinLnBrk="0" hangingPunct="1">
-              <a:buFontTx/>
-              <a:buNone/>
-            </a:pPr>
-            <a:r>
-              <a:rPr lang="ko-KR" sz="1800">
-                <a:latin typeface="맑은 고딕" charset="0"/>
-                <a:ea typeface="맑은 고딕" charset="0"/>
-              </a:rPr>
-              <a:t>이제</a:t>
-            </a:r>
-            <a:r>
-              <a:rPr lang="ko-KR" sz="1800">
-                <a:latin typeface="맑은 고딕" charset="0"/>
-                <a:ea typeface="맑은 고딕" charset="0"/>
-              </a:rPr>
-              <a:t> Controller 스크립트를 생성하고 Character 오브젝트에 넣어줍니다.</a:t>
-            </a:r>
-            <a:endParaRPr lang="ko-KR" altLang="en-US" sz="1800">
-              <a:latin typeface="맑은 고딕" charset="0"/>
-              <a:ea typeface="맑은 고딕" charset="0"/>
-            </a:endParaRPr>
-          </a:p>
         </p:txBody>
       </p:sp>
       <p:sp>
@@ -8125,8 +7983,8 @@
         </p:nvSpPr>
         <p:spPr>
           <a:xfrm rot="0">
-            <a:off x="6842760" y="3353435"/>
-            <a:ext cx="4155440" cy="923925"/>
+            <a:off x="6830060" y="3029585"/>
+            <a:ext cx="4156075" cy="923925"/>
           </a:xfrm>
           <a:prstGeom prst="rect"/>
           <a:noFill/>
@@ -8153,7 +8011,17 @@
                 <a:latin typeface="맑은 고딕" charset="0"/>
                 <a:ea typeface="맑은 고딕" charset="0"/>
               </a:rPr>
-              <a:t>2.</a:t>
+              <a:t>3</a:t>
+            </a:r>
+            <a:r>
+              <a:rPr sz="1800" b="1">
+                <a:solidFill>
+                  <a:srgbClr val="0611F2"/>
+                </a:solidFill>
+                <a:latin typeface="맑은 고딕" charset="0"/>
+                <a:ea typeface="맑은 고딕" charset="0"/>
+              </a:rPr>
+              <a:t>.</a:t>
             </a:r>
             <a:r>
               <a:rPr sz="1800">
@@ -8174,7 +8042,14 @@
                 <a:latin typeface="맑은 고딕" charset="0"/>
                 <a:ea typeface="맑은 고딕" charset="0"/>
               </a:rPr>
-              <a:t>리고</a:t>
+              <a:t>런 </a:t>
+            </a:r>
+            <a:r>
+              <a:rPr lang="ko-KR" sz="1800">
+                <a:latin typeface="맑은 고딕" charset="0"/>
+                <a:ea typeface="맑은 고딕" charset="0"/>
+              </a:rPr>
+              <a:t>다음</a:t>
             </a:r>
             <a:r>
               <a:rPr lang="ko-KR" sz="1800">
@@ -8192,135 +8067,7 @@
       </p:sp>
       <p:pic>
         <p:nvPicPr>
-          <p:cNvPr id="1186" name="그림 48"/>
-          <p:cNvPicPr>
-            <a:picLocks noChangeAspect="1"/>
-          </p:cNvPicPr>
-          <p:nvPr/>
-        </p:nvPicPr>
-        <p:blipFill rotWithShape="1">
-          <a:blip r:embed="rId46" cstate="hqprint">
-            <a:extLst>
-              <a:ext uri="{28A0092B-C50C-407E-A947-70E740481C1C}">
-                <a14:useLocalDpi xmlns:a14="http://schemas.microsoft.com/office/drawing/2010/main"/>
-              </a:ext>
-            </a:extLst>
-          </a:blip>
-          <a:stretch>
-            <a:fillRect/>
-          </a:stretch>
-        </p:blipFill>
-        <p:spPr>
-          <a:xfrm rot="0">
-            <a:off x="4380865" y="3525520"/>
-            <a:ext cx="702945" cy="774065"/>
-          </a:xfrm>
-          <a:prstGeom prst="roundRect"/>
-          <a:solidFill>
-            <a:srgbClr val="EDEDED"/>
-          </a:solidFill>
-        </p:spPr>
-      </p:pic>
-      <p:pic>
-        <p:nvPicPr>
-          <p:cNvPr id="1187" name="그림 2"/>
-          <p:cNvPicPr>
-            <a:picLocks noChangeAspect="1"/>
-          </p:cNvPicPr>
-          <p:nvPr/>
-        </p:nvPicPr>
-        <p:blipFill rotWithShape="1">
-          <a:blip r:embed="rId47" cstate="hqprint">
-            <a:extLst>
-              <a:ext uri="{28A0092B-C50C-407E-A947-70E740481C1C}">
-                <a14:useLocalDpi xmlns:a14="http://schemas.microsoft.com/office/drawing/2010/main"/>
-              </a:ext>
-            </a:extLst>
-          </a:blip>
-          <a:stretch>
-            <a:fillRect/>
-          </a:stretch>
-        </p:blipFill>
-        <p:spPr>
-          <a:xfrm rot="0">
-            <a:off x="1222375" y="1446530"/>
-            <a:ext cx="2687320" cy="2849880"/>
-          </a:xfrm>
-          <a:prstGeom prst="roundRect"/>
-          <a:solidFill>
-            <a:srgbClr val="EDEDED"/>
-          </a:solidFill>
-        </p:spPr>
-      </p:pic>
-      <p:pic>
-        <p:nvPicPr>
-          <p:cNvPr id="1188" name="그림 3"/>
-          <p:cNvPicPr>
-            <a:picLocks noChangeAspect="1"/>
-          </p:cNvPicPr>
-          <p:nvPr/>
-        </p:nvPicPr>
-        <p:blipFill rotWithShape="1">
-          <a:blip r:embed="rId48" cstate="hqprint">
-            <a:extLst>
-              <a:ext uri="{28A0092B-C50C-407E-A947-70E740481C1C}">
-                <a14:useLocalDpi xmlns:a14="http://schemas.microsoft.com/office/drawing/2010/main"/>
-              </a:ext>
-            </a:extLst>
-          </a:blip>
-          <a:stretch>
-            <a:fillRect/>
-          </a:stretch>
-        </p:blipFill>
-        <p:spPr>
-          <a:xfrm rot="0">
-            <a:off x="4095750" y="1438275"/>
-            <a:ext cx="1283970" cy="1610360"/>
-          </a:xfrm>
-          <a:prstGeom prst="roundRect"/>
-          <a:solidFill>
-            <a:srgbClr val="EDEDED"/>
-          </a:solidFill>
-        </p:spPr>
-      </p:pic>
-      <p:cxnSp>
-        <p:nvCxnSpPr>
-          <p:cNvPr id="1189" name="도형 6"/>
-          <p:cNvCxnSpPr>
-            <a:stCxn id="1186" idx="0"/>
-            <a:endCxn id="1188" idx="2"/>
-          </p:cNvCxnSpPr>
-          <p:nvPr/>
-        </p:nvCxnSpPr>
-        <p:spPr>
-          <a:xfrm rot="0" flipV="1">
-            <a:off x="4732020" y="3048000"/>
-            <a:ext cx="5715" cy="478155"/>
-          </a:xfrm>
-          <a:prstGeom prst="straightConnector1"/>
-          <a:ln w="6350" cap="flat" cmpd="sng">
-            <a:prstDash/>
-            <a:tailEnd type="triangle" w="med" len="med"/>
-          </a:ln>
-        </p:spPr>
-        <p:style>
-          <a:lnRef idx="1">
-            <a:schemeClr val="accent1"/>
-          </a:lnRef>
-          <a:fillRef idx="0">
-            <a:schemeClr val="accent1"/>
-          </a:fillRef>
-          <a:effectRef idx="0">
-            <a:schemeClr val="accent1"/>
-          </a:effectRef>
-          <a:fontRef idx="minor">
-            <a:schemeClr val="tx1"/>
-          </a:fontRef>
-        </p:style>
-      </p:cxnSp>
-      <p:pic>
-        <p:nvPicPr>
-          <p:cNvPr id="1190" name="그림 7"/>
+          <p:cNvPr id="1190" name="그림 7" descr="C:/Users/nwond/AppData/Roaming/PolarisOffice/ETemp/17856_19605744/fImage48472616500.png"/>
           <p:cNvPicPr>
             <a:picLocks noChangeAspect="1"/>
           </p:cNvPicPr>
@@ -8340,8 +8087,8 @@
         </p:blipFill>
         <p:spPr>
           <a:xfrm rot="0">
-            <a:off x="6840855" y="2459990"/>
-            <a:ext cx="4141470" cy="763270"/>
+            <a:off x="6834505" y="2256155"/>
+            <a:ext cx="4142105" cy="687705"/>
           </a:xfrm>
           <a:prstGeom prst="roundRect"/>
           <a:solidFill>
@@ -8351,7 +8098,7 @@
       </p:pic>
       <p:pic>
         <p:nvPicPr>
-          <p:cNvPr id="1192" name="그림 9"/>
+          <p:cNvPr id="1192" name="그림 9" descr="C:/Users/nwond/AppData/Roaming/PolarisOffice/ETemp/17856_19605744/fImage48852649169.png"/>
           <p:cNvPicPr>
             <a:picLocks noChangeAspect="1"/>
           </p:cNvPicPr>
@@ -8372,7 +8119,7 @@
         <p:spPr>
           <a:xfrm rot="0">
             <a:off x="6840855" y="1438275"/>
-            <a:ext cx="4140200" cy="765175"/>
+            <a:ext cx="4140835" cy="691515"/>
           </a:xfrm>
           <a:prstGeom prst="roundRect"/>
           <a:solidFill>
@@ -8382,17 +8129,17 @@
       </p:pic>
       <p:pic>
         <p:nvPicPr>
-          <p:cNvPr id="1193" name="그림 12"/>
+          <p:cNvPr id="1193" name="그림 12" descr="C:/Users/nwond/AppData/Roaming/PolarisOffice/ETemp/17856_19605744/fImage2098552876334.png"/>
           <p:cNvPicPr>
             <a:picLocks noChangeAspect="1"/>
           </p:cNvPicPr>
           <p:nvPr/>
         </p:nvPicPr>
         <p:blipFill rotWithShape="1">
-          <a:blip r:embed="rId49" cstate="print">
+          <a:blip r:embed="rId49" cstate="hqprint">
             <a:extLst>
               <a:ext uri="{28A0092B-C50C-407E-A947-70E740481C1C}">
-                <a14:useLocalDpi xmlns:a14="http://schemas.microsoft.com/office/drawing/2010/main" val="0"/>
+                <a14:useLocalDpi xmlns:a14="http://schemas.microsoft.com/office/drawing/2010/main"/>
               </a:ext>
             </a:extLst>
           </a:blip>
@@ -8402,8 +8149,8 @@
         </p:blipFill>
         <p:spPr>
           <a:xfrm rot="0">
-            <a:off x="7669530" y="1973580"/>
-            <a:ext cx="557530" cy="814705"/>
+            <a:off x="8960485" y="1781175"/>
+            <a:ext cx="558165" cy="815340"/>
           </a:xfrm>
           <a:prstGeom prst="rect"/>
           <a:noFill/>
@@ -8419,8 +8166,8 @@
         </p:nvSpPr>
         <p:spPr>
           <a:xfrm rot="0">
-            <a:off x="6831965" y="5616575"/>
-            <a:ext cx="4164965" cy="647065"/>
+            <a:off x="6831965" y="5349875"/>
+            <a:ext cx="4153535" cy="923925"/>
           </a:xfrm>
           <a:prstGeom prst="rect"/>
           <a:noFill/>
@@ -8447,7 +8194,7 @@
                 <a:latin typeface="맑은 고딕" charset="0"/>
                 <a:ea typeface="맑은 고딕" charset="0"/>
               </a:rPr>
-              <a:t>3</a:t>
+              <a:t>4</a:t>
             </a:r>
             <a:r>
               <a:rPr sz="1800" b="1">
@@ -8471,21 +8218,35 @@
                 <a:latin typeface="맑은 고딕" charset="0"/>
                 <a:ea typeface="맑은 고딕" charset="0"/>
               </a:rPr>
-              <a:t>다음</a:t>
+              <a:t>다음 </a:t>
             </a:r>
             <a:r>
               <a:rPr lang="ko-KR" sz="1800">
                 <a:latin typeface="맑은 고딕" charset="0"/>
                 <a:ea typeface="맑은 고딕" charset="0"/>
               </a:rPr>
-              <a:t> Character</a:t>
-            </a:r>
-            <a:r>
-              <a:rPr sz="1800">
-                <a:latin typeface="맑은 고딕" charset="0"/>
-                <a:ea typeface="맑은 고딕" charset="0"/>
-              </a:rPr>
-              <a:t> </a:t>
+              <a:t>M</a:t>
+            </a:r>
+            <a:r>
+              <a:rPr lang="ko-KR" sz="1800">
+                <a:latin typeface="맑은 고딕" charset="0"/>
+                <a:ea typeface="맑은 고딕" charset="0"/>
+              </a:rPr>
+              <a:t>o</a:t>
+            </a:r>
+            <a:r>
+              <a:rPr lang="ko-KR" sz="1800">
+                <a:latin typeface="맑은 고딕" charset="0"/>
+                <a:ea typeface="맑은 고딕" charset="0"/>
+              </a:rPr>
+              <a:t>u</a:t>
+            </a:r>
+            <a:r>
+              <a:rPr lang="ko-KR" sz="1800">
+                <a:latin typeface="맑은 고딕" charset="0"/>
+                <a:ea typeface="맑은 고딕" charset="0"/>
+              </a:rPr>
+              <a:t>th Monster</a:t>
             </a:r>
             <a:r>
               <a:rPr lang="ko-KR" sz="1800">
@@ -8503,7 +8264,7 @@
       </p:sp>
       <p:pic>
         <p:nvPicPr>
-          <p:cNvPr id="1195" name="그림 59"/>
+          <p:cNvPr id="1195" name="그림 59" descr="C:/Users/nwond/AppData/Roaming/PolarisOffice/ETemp/17856_19605744/fImage53352906962.png"/>
           <p:cNvPicPr>
             <a:picLocks noChangeAspect="1"/>
           </p:cNvPicPr>
@@ -8523,8 +8284,8 @@
         </p:blipFill>
         <p:spPr>
           <a:xfrm rot="0">
-            <a:off x="6841490" y="4424045"/>
-            <a:ext cx="4149090" cy="1076325"/>
+            <a:off x="6838950" y="4040505"/>
+            <a:ext cx="4146550" cy="1235710"/>
           </a:xfrm>
           <a:prstGeom prst="roundRect"/>
           <a:solidFill>
@@ -8532,6 +8293,262 @@
           </a:solidFill>
         </p:spPr>
       </p:pic>
+      <p:pic>
+        <p:nvPicPr>
+          <p:cNvPr id="1196" name="그림 1" descr="C:/Users/nwond/AppData/Roaming/PolarisOffice/ETemp/17856_19605744/fImage573128041.png"/>
+          <p:cNvPicPr>
+            <a:picLocks noChangeAspect="1"/>
+          </p:cNvPicPr>
+          <p:nvPr/>
+        </p:nvPicPr>
+        <p:blipFill rotWithShape="1">
+          <a:blip r:embed="rId51" cstate="print">
+            <a:extLst>
+              <a:ext uri="{28A0092B-C50C-407E-A947-70E740481C1C}">
+                <a14:useLocalDpi xmlns:a14="http://schemas.microsoft.com/office/drawing/2010/main" val="0"/>
+              </a:ext>
+            </a:extLst>
+          </a:blip>
+          <a:stretch>
+            <a:fillRect/>
+          </a:stretch>
+        </p:blipFill>
+        <p:spPr>
+          <a:xfrm rot="0">
+            <a:off x="1221105" y="1431290"/>
+            <a:ext cx="1628140" cy="1021715"/>
+          </a:xfrm>
+          <a:prstGeom prst="roundRect"/>
+          <a:solidFill>
+            <a:srgbClr val="EDEDED"/>
+          </a:solidFill>
+        </p:spPr>
+      </p:pic>
+      <p:pic>
+        <p:nvPicPr>
+          <p:cNvPr id="1197" name="그림 4" descr="C:/Users/nwond/AppData/Roaming/PolarisOffice/ETemp/17856_19605744/fImage98772818467.png"/>
+          <p:cNvPicPr>
+            <a:picLocks noChangeAspect="1"/>
+          </p:cNvPicPr>
+          <p:nvPr/>
+        </p:nvPicPr>
+        <p:blipFill rotWithShape="1">
+          <a:blip r:embed="rId52" cstate="print">
+            <a:extLst>
+              <a:ext uri="{28A0092B-C50C-407E-A947-70E740481C1C}">
+                <a14:useLocalDpi xmlns:a14="http://schemas.microsoft.com/office/drawing/2010/main" val="0"/>
+              </a:ext>
+            </a:extLst>
+          </a:blip>
+          <a:stretch>
+            <a:fillRect/>
+          </a:stretch>
+        </p:blipFill>
+        <p:spPr>
+          <a:xfrm rot="0">
+            <a:off x="3047365" y="1440180"/>
+            <a:ext cx="2327910" cy="1012190"/>
+          </a:xfrm>
+          <a:prstGeom prst="roundRect"/>
+          <a:solidFill>
+            <a:srgbClr val="EDEDED"/>
+          </a:solidFill>
+        </p:spPr>
+      </p:pic>
+      <p:pic>
+        <p:nvPicPr>
+          <p:cNvPr id="1198" name="그림 7" descr="C:/Users/nwond/AppData/Roaming/PolarisOffice/ETemp/17856_19605744/fImage2242172534827.png"/>
+          <p:cNvPicPr>
+            <a:picLocks noChangeAspect="1"/>
+          </p:cNvPicPr>
+          <p:nvPr/>
+        </p:nvPicPr>
+        <p:blipFill rotWithShape="1">
+          <a:blip r:embed="rId53" cstate="hqprint">
+            <a:extLst>
+              <a:ext uri="{28A0092B-C50C-407E-A947-70E740481C1C}">
+                <a14:useLocalDpi xmlns:a14="http://schemas.microsoft.com/office/drawing/2010/main"/>
+              </a:ext>
+            </a:extLst>
+          </a:blip>
+          <a:stretch>
+            <a:fillRect/>
+          </a:stretch>
+        </p:blipFill>
+        <p:spPr>
+          <a:xfrm rot="10800000">
+            <a:off x="2583815" y="1747520"/>
+            <a:ext cx="709295" cy="396240"/>
+          </a:xfrm>
+          <a:prstGeom prst="rect"/>
+          <a:noFill/>
+        </p:spPr>
+      </p:pic>
+      <p:pic>
+        <p:nvPicPr>
+          <p:cNvPr id="1199" name="그림 13" descr="C:/Users/nwond/AppData/Roaming/PolarisOffice/ETemp/17856_19605744/fImage169532866334.png"/>
+          <p:cNvPicPr>
+            <a:picLocks noChangeAspect="1"/>
+          </p:cNvPicPr>
+          <p:nvPr/>
+        </p:nvPicPr>
+        <p:blipFill rotWithShape="1">
+          <a:blip r:embed="rId54" cstate="print">
+            <a:extLst>
+              <a:ext uri="{28A0092B-C50C-407E-A947-70E740481C1C}">
+                <a14:useLocalDpi xmlns:a14="http://schemas.microsoft.com/office/drawing/2010/main" val="0"/>
+              </a:ext>
+            </a:extLst>
+          </a:blip>
+          <a:stretch>
+            <a:fillRect/>
+          </a:stretch>
+        </p:blipFill>
+        <p:spPr>
+          <a:xfrm rot="0">
+            <a:off x="1224915" y="3599815"/>
+            <a:ext cx="4144010" cy="1644650"/>
+          </a:xfrm>
+          <a:prstGeom prst="roundRect"/>
+          <a:solidFill>
+            <a:srgbClr val="EDEDED"/>
+          </a:solidFill>
+        </p:spPr>
+      </p:pic>
+      <p:sp>
+        <p:nvSpPr>
+          <p:cNvPr id="1200" name="텍스트 상자 16"/>
+          <p:cNvSpPr txBox="1">
+            <a:spLocks/>
+          </p:cNvSpPr>
+          <p:nvPr/>
+        </p:nvSpPr>
+        <p:spPr>
+          <a:xfrm rot="0">
+            <a:off x="1219200" y="5347335"/>
+            <a:ext cx="4153535" cy="923925"/>
+          </a:xfrm>
+          <a:prstGeom prst="rect"/>
+          <a:noFill/>
+          <a:ln w="0">
+            <a:noFill/>
+            <a:prstDash/>
+          </a:ln>
+        </p:spPr>
+        <p:txBody>
+          <a:bodyPr wrap="square" lIns="89535" tIns="46355" rIns="89535" bIns="46355" numCol="1" vert="horz" anchor="t">
+            <a:spAutoFit/>
+          </a:bodyPr>
+          <a:lstStyle/>
+          <a:p>
+            <a:pPr marL="0" indent="0" rtl="0" algn="l" defTabSz="914400" eaLnBrk="1" latinLnBrk="0" hangingPunct="1">
+              <a:buFontTx/>
+              <a:buNone/>
+            </a:pPr>
+            <a:r>
+              <a:rPr sz="1800" b="1">
+                <a:solidFill>
+                  <a:srgbClr val="0611F2"/>
+                </a:solidFill>
+                <a:latin typeface="맑은 고딕" charset="0"/>
+                <a:ea typeface="맑은 고딕" charset="0"/>
+              </a:rPr>
+              <a:t>2</a:t>
+            </a:r>
+            <a:r>
+              <a:rPr sz="1800" b="1">
+                <a:solidFill>
+                  <a:srgbClr val="0611F2"/>
+                </a:solidFill>
+                <a:latin typeface="맑은 고딕" charset="0"/>
+                <a:ea typeface="맑은 고딕" charset="0"/>
+              </a:rPr>
+              <a:t>.</a:t>
+            </a:r>
+            <a:r>
+              <a:rPr sz="1800">
+                <a:latin typeface="맑은 고딕" charset="0"/>
+                <a:ea typeface="맑은 고딕" charset="0"/>
+              </a:rPr>
+              <a:t> </a:t>
+            </a:r>
+            <a:r>
+              <a:rPr lang="ko-KR" sz="1800">
+                <a:latin typeface="맑은 고딕" charset="0"/>
+                <a:ea typeface="맑은 고딕" charset="0"/>
+              </a:rPr>
+              <a:t>이제</a:t>
+            </a:r>
+            <a:r>
+              <a:rPr sz="1800">
+                <a:latin typeface="맑은 고딕" charset="0"/>
+                <a:ea typeface="맑은 고딕" charset="0"/>
+              </a:rPr>
+              <a:t> </a:t>
+            </a:r>
+            <a:r>
+              <a:rPr lang="ko-KR" sz="1800">
+                <a:latin typeface="맑은 고딕" charset="0"/>
+                <a:ea typeface="맑은 고딕" charset="0"/>
+              </a:rPr>
+              <a:t>M</a:t>
+            </a:r>
+            <a:r>
+              <a:rPr lang="ko-KR" sz="1800">
+                <a:latin typeface="맑은 고딕" charset="0"/>
+                <a:ea typeface="맑은 고딕" charset="0"/>
+              </a:rPr>
+              <a:t>o</a:t>
+            </a:r>
+            <a:r>
+              <a:rPr lang="ko-KR" sz="1800">
+                <a:latin typeface="맑은 고딕" charset="0"/>
+                <a:ea typeface="맑은 고딕" charset="0"/>
+              </a:rPr>
+              <a:t>u</a:t>
+            </a:r>
+            <a:r>
+              <a:rPr lang="ko-KR" sz="1800">
+                <a:latin typeface="맑은 고딕" charset="0"/>
+                <a:ea typeface="맑은 고딕" charset="0"/>
+              </a:rPr>
+              <a:t>th Monster </a:t>
+            </a:r>
+            <a:r>
+              <a:rPr lang="ko-KR" sz="1800">
+                <a:latin typeface="맑은 고딕" charset="0"/>
+                <a:ea typeface="맑은 고딕" charset="0"/>
+              </a:rPr>
+              <a:t>오브젝트의 </a:t>
+            </a:r>
+            <a:r>
+              <a:rPr lang="ko-KR" sz="1800">
+                <a:latin typeface="맑은 고딕" charset="0"/>
+                <a:ea typeface="맑은 고딕" charset="0"/>
+              </a:rPr>
+              <a:t>위치와 크기 </a:t>
+            </a:r>
+            <a:r>
+              <a:rPr lang="ko-KR" sz="1800">
+                <a:latin typeface="맑은 고딕" charset="0"/>
+                <a:ea typeface="맑은 고딕" charset="0"/>
+              </a:rPr>
+              <a:t>그리고 </a:t>
+            </a:r>
+            <a:r>
+              <a:rPr lang="ko-KR" sz="1800">
+                <a:latin typeface="맑은 고딕" charset="0"/>
+                <a:ea typeface="맑은 고딕" charset="0"/>
+              </a:rPr>
+              <a:t>회전 값을 설정합니다.</a:t>
+            </a:r>
+            <a:endParaRPr lang="ko-KR" altLang="en-US" sz="1800">
+              <a:latin typeface="맑은 고딕" charset="0"/>
+              <a:ea typeface="맑은 고딕" charset="0"/>
+            </a:endParaRPr>
+          </a:p>
+        </p:txBody>
+      </p:sp>
     </p:spTree>
   </p:cSld>
   <p:clrMapOvr>
@@ -8574,16 +8591,16 @@
       </p:grpSpPr>
       <p:sp>
         <p:nvSpPr>
-          <p:cNvPr id="1032" name="텍스트 상자 98"/>
+          <p:cNvPr id="1031" name="Rect 0"/>
           <p:cNvSpPr txBox="1">
             <a:spLocks/>
           </p:cNvSpPr>
           <p:nvPr/>
         </p:nvSpPr>
         <p:spPr>
-          <a:xfrm>
-            <a:off x="4260850" y="383540"/>
-            <a:ext cx="3676015" cy="478155"/>
+          <a:xfrm rot="0">
+            <a:off x="4522470" y="346075"/>
+            <a:ext cx="3148965" cy="478155"/>
           </a:xfrm>
           <a:prstGeom prst="rect"/>
           <a:noFill/>
@@ -8598,19 +8615,19 @@
           </a:bodyPr>
           <a:lstStyle/>
           <a:p>
-            <a:pPr marL="0" indent="0" rtl="0" algn="ctr" defTabSz="914400" eaLnBrk="1" latinLnBrk="0" hangingPunct="1">
-              <a:buFontTx/>
-              <a:buNone/>
-            </a:pPr>
-            <a:r>
-              <a:rPr sz="2500" b="1">
+            <a:pPr marL="0" indent="0" algn="ctr" latinLnBrk="0">
+              <a:buFontTx/>
+              <a:buNone/>
+            </a:pPr>
+            <a:r>
+              <a:rPr lang="ko-KR" altLang="en-US" sz="2500" b="1">
                 <a:solidFill>
                   <a:schemeClr val="tx1"/>
                 </a:solidFill>
                 <a:latin typeface="나눔바른고딕" charset="0"/>
                 <a:ea typeface="나눔바른고딕" charset="0"/>
               </a:rPr>
-              <a:t>Navigation Areas</a:t>
+              <a:t>여덟 번째 튜토리얼</a:t>
             </a:r>
             <a:endParaRPr lang="ko-KR" altLang="en-US" sz="2500" b="1">
               <a:solidFill>
@@ -8624,7 +8641,7 @@
       </p:sp>
       <p:sp>
         <p:nvSpPr>
-          <p:cNvPr id="1033" name="텍스트 상자 99"/>
+          <p:cNvPr id="1192" name="Rect 0"/>
           <p:cNvSpPr txBox="1">
             <a:spLocks/>
           </p:cNvSpPr>
@@ -8632,8 +8649,8 @@
         </p:nvSpPr>
         <p:spPr>
           <a:xfrm rot="0">
-            <a:off x="1247140" y="1431290"/>
-            <a:ext cx="4141470" cy="925195"/>
+            <a:off x="1247775" y="4675505"/>
+            <a:ext cx="4131310" cy="1478280"/>
           </a:xfrm>
           <a:prstGeom prst="rect"/>
           <a:noFill/>
@@ -8653,29 +8670,86 @@
               <a:buNone/>
             </a:pPr>
             <a:r>
+              <a:rPr sz="1800" b="1">
+                <a:solidFill>
+                  <a:srgbClr val="0611F2"/>
+                </a:solidFill>
+                <a:latin typeface="맑은 고딕" charset="0"/>
+                <a:ea typeface="맑은 고딕" charset="0"/>
+              </a:rPr>
+              <a:t>2</a:t>
+            </a:r>
+            <a:r>
+              <a:rPr lang="ko-KR" sz="1800" b="1">
+                <a:solidFill>
+                  <a:srgbClr val="0611F2"/>
+                </a:solidFill>
+                <a:latin typeface="맑은 고딕" charset="0"/>
+                <a:ea typeface="맑은 고딕" charset="0"/>
+              </a:rPr>
+              <a:t>2</a:t>
+            </a:r>
+            <a:r>
+              <a:rPr sz="1800" b="1">
+                <a:solidFill>
+                  <a:srgbClr val="0611F2"/>
+                </a:solidFill>
+                <a:latin typeface="맑은 고딕" charset="0"/>
+                <a:ea typeface="맑은 고딕" charset="0"/>
+              </a:rPr>
+              <a:t>.</a:t>
+            </a:r>
+            <a:r>
+              <a:rPr sz="1800">
+                <a:latin typeface="맑은 고딕" charset="0"/>
+                <a:ea typeface="맑은 고딕" charset="0"/>
+              </a:rPr>
+              <a:t> </a:t>
+            </a:r>
+            <a:r>
               <a:rPr lang="ko-KR" sz="1800">
                 <a:latin typeface="맑은 고딕" charset="0"/>
                 <a:ea typeface="맑은 고딕" charset="0"/>
               </a:rPr>
-              <a:t>내비게이션 영역은</a:t>
-            </a:r>
-            <a:r>
-              <a:rPr sz="1800">
-                <a:latin typeface="맑은 고딕" charset="0"/>
-                <a:ea typeface="맑은 고딕" charset="0"/>
-              </a:rPr>
-              <a:t> 특정영역에 비용을 설정하여 경로의 순서를 설정하는 기능입니다.</a:t>
+              <a:t>그다음으로 Navigation에서 Area를 선택합니다.</a:t>
             </a:r>
             <a:endParaRPr lang="ko-KR" altLang="en-US" sz="1800">
               <a:latin typeface="맑은 고딕" charset="0"/>
               <a:ea typeface="맑은 고딕" charset="0"/>
             </a:endParaRPr>
           </a:p>
-        </p:txBody>
-      </p:sp>
-      <p:sp>
-        <p:nvSpPr>
-          <p:cNvPr id="1034" name="텍스트 상자 100"/>
+          <a:p>
+            <a:pPr marL="0" indent="0" rtl="0" algn="l" defTabSz="914400" eaLnBrk="1" latinLnBrk="0" hangingPunct="1">
+              <a:buFontTx/>
+              <a:buNone/>
+            </a:pPr>
+            <a:endParaRPr lang="ko-KR" altLang="en-US" sz="1800">
+              <a:latin typeface="맑은 고딕" charset="0"/>
+              <a:ea typeface="맑은 고딕" charset="0"/>
+            </a:endParaRPr>
+          </a:p>
+          <a:p>
+            <a:pPr marL="0" indent="0" rtl="0" algn="l" defTabSz="914400" eaLnBrk="1" latinLnBrk="0" hangingPunct="1">
+              <a:buFontTx/>
+              <a:buNone/>
+            </a:pPr>
+            <a:r>
+              <a:rPr lang="ko-KR" sz="1800">
+                <a:latin typeface="맑은 고딕" charset="0"/>
+                <a:ea typeface="맑은 고딕" charset="0"/>
+              </a:rPr>
+              <a:t>그런 다음 User 3에 Danger를 추가하고 Cost를 5로 설정합니다.</a:t>
+            </a:r>
+            <a:endParaRPr lang="ko-KR" altLang="en-US" sz="1800">
+              <a:latin typeface="맑은 고딕" charset="0"/>
+              <a:ea typeface="맑은 고딕" charset="0"/>
+            </a:endParaRPr>
+          </a:p>
+        </p:txBody>
+      </p:sp>
+      <p:sp>
+        <p:nvSpPr>
+          <p:cNvPr id="1200" name="Rect 0"/>
           <p:cNvSpPr txBox="1">
             <a:spLocks/>
           </p:cNvSpPr>
@@ -8683,8 +8757,8 @@
         </p:nvSpPr>
         <p:spPr>
           <a:xfrm rot="0">
-            <a:off x="1247140" y="5320030"/>
-            <a:ext cx="4131310" cy="923925"/>
+            <a:off x="6819900" y="4398645"/>
+            <a:ext cx="4144010" cy="1755140"/>
           </a:xfrm>
           <a:prstGeom prst="rect"/>
           <a:noFill/>
@@ -8704,94 +8778,93 @@
               <a:buNone/>
             </a:pPr>
             <a:r>
+              <a:rPr sz="1800" b="1">
+                <a:solidFill>
+                  <a:srgbClr val="0611F2"/>
+                </a:solidFill>
+                <a:latin typeface="맑은 고딕" charset="0"/>
+                <a:ea typeface="맑은 고딕" charset="0"/>
+              </a:rPr>
+              <a:t>2</a:t>
+            </a:r>
+            <a:r>
+              <a:rPr lang="ko-KR" sz="1800" b="1">
+                <a:solidFill>
+                  <a:srgbClr val="0611F2"/>
+                </a:solidFill>
+                <a:latin typeface="맑은 고딕" charset="0"/>
+                <a:ea typeface="맑은 고딕" charset="0"/>
+              </a:rPr>
+              <a:t>3</a:t>
+            </a:r>
+            <a:r>
+              <a:rPr sz="1800" b="1">
+                <a:solidFill>
+                  <a:srgbClr val="0611F2"/>
+                </a:solidFill>
+                <a:latin typeface="맑은 고딕" charset="0"/>
+                <a:ea typeface="맑은 고딕" charset="0"/>
+              </a:rPr>
+              <a:t>.</a:t>
+            </a:r>
+            <a:r>
+              <a:rPr sz="1800">
+                <a:latin typeface="맑은 고딕" charset="0"/>
+                <a:ea typeface="맑은 고딕" charset="0"/>
+              </a:rPr>
+              <a:t> 그</a:t>
+            </a:r>
+            <a:r>
               <a:rPr lang="ko-KR" sz="1800">
                 <a:latin typeface="맑은 고딕" charset="0"/>
                 <a:ea typeface="맑은 고딕" charset="0"/>
               </a:rPr>
-              <a:t>내비게이션 영역의 경우</a:t>
-            </a:r>
-            <a:r>
-              <a:rPr sz="1800">
-                <a:latin typeface="맑은 고딕" charset="0"/>
-                <a:ea typeface="맑은 고딕" charset="0"/>
-              </a:rPr>
-              <a:t> 경로를 탐색할 때 낮은 비용의 영역으로 선택됩니다.</a:t>
+              <a:t>러고 나서 Right Bridge 오브젝트를 선택한 다음 Navigation에 있는 Object를 선택합니다.</a:t>
             </a:r>
             <a:endParaRPr lang="ko-KR" altLang="en-US" sz="1800">
               <a:latin typeface="맑은 고딕" charset="0"/>
               <a:ea typeface="맑은 고딕" charset="0"/>
             </a:endParaRPr>
           </a:p>
-        </p:txBody>
-      </p:sp>
-      <p:sp>
-        <p:nvSpPr>
-          <p:cNvPr id="1040" name="텍스트 상자 106"/>
-          <p:cNvSpPr txBox="1">
-            <a:spLocks/>
-          </p:cNvSpPr>
-          <p:nvPr/>
-        </p:nvSpPr>
-        <p:spPr>
-          <a:xfrm rot="0">
-            <a:off x="6814820" y="5041265"/>
-            <a:ext cx="4148455" cy="1200785"/>
-          </a:xfrm>
-          <a:prstGeom prst="rect"/>
-          <a:noFill/>
-          <a:ln w="0">
-            <a:noFill/>
-            <a:prstDash/>
-          </a:ln>
-        </p:spPr>
-        <p:txBody>
-          <a:bodyPr wrap="square" lIns="89535" tIns="46355" rIns="89535" bIns="46355" numCol="1" vert="horz" anchor="t">
-            <a:spAutoFit/>
-          </a:bodyPr>
-          <a:lstStyle/>
           <a:p>
             <a:pPr marL="0" indent="0" rtl="0" algn="l" defTabSz="914400" eaLnBrk="1" latinLnBrk="0" hangingPunct="1">
               <a:buFontTx/>
               <a:buNone/>
             </a:pPr>
-            <a:r>
-              <a:rPr lang="ko-KR" sz="1800">
-                <a:latin typeface="맑은 고딕" charset="0"/>
-                <a:ea typeface="맑은 고딕" charset="0"/>
-              </a:rPr>
-              <a:t>이때 연결된 노드 그래프가 동작하고 경로 시작점에서 가장 가까운 노드에서부터 여러 </a:t>
-            </a:r>
-            <a:r>
-              <a:rPr lang="ko-KR" sz="1800">
-                <a:latin typeface="맑은 고딕" charset="0"/>
-                <a:ea typeface="맑은 고딕" charset="0"/>
-              </a:rPr>
-              <a:t>개의</a:t>
-            </a:r>
-            <a:r>
-              <a:rPr lang="ko-KR" sz="1800">
-                <a:latin typeface="맑은 고딕" charset="0"/>
-                <a:ea typeface="맑은 고딕" charset="0"/>
-              </a:rPr>
-              <a:t> 노드를 거쳐 목적지에 도달합니다.</a:t>
-            </a:r>
             <a:endParaRPr lang="ko-KR" altLang="en-US" sz="1800">
               <a:latin typeface="맑은 고딕" charset="0"/>
               <a:ea typeface="맑은 고딕" charset="0"/>
             </a:endParaRPr>
           </a:p>
+          <a:p>
+            <a:pPr marL="0" indent="0" rtl="0" algn="l" defTabSz="914400" eaLnBrk="1" latinLnBrk="0" hangingPunct="1">
+              <a:buFontTx/>
+              <a:buNone/>
+            </a:pPr>
+            <a:r>
+              <a:rPr lang="ko-KR" sz="1800">
+                <a:latin typeface="맑은 고딕" charset="0"/>
+                <a:ea typeface="맑은 고딕" charset="0"/>
+              </a:rPr>
+              <a:t>이제 Navigation Area를 Danger로 설정합니다.</a:t>
+            </a:r>
+            <a:endParaRPr lang="ko-KR" altLang="en-US" sz="1800">
+              <a:latin typeface="맑은 고딕" charset="0"/>
+              <a:ea typeface="맑은 고딕" charset="0"/>
+            </a:endParaRPr>
+          </a:p>
         </p:txBody>
       </p:sp>
       <p:pic>
         <p:nvPicPr>
-          <p:cNvPr id="1041" name="그림 126"/>
+          <p:cNvPr id="1205" name="그림 135"/>
           <p:cNvPicPr>
             <a:picLocks noChangeAspect="1"/>
           </p:cNvPicPr>
           <p:nvPr/>
         </p:nvPicPr>
         <p:blipFill rotWithShape="1">
-          <a:blip r:embed="rId2" cstate="hqprint">
+          <a:blip r:embed="rId4" cstate="hqprint">
             <a:extLst>
               <a:ext uri="{28A0092B-C50C-407E-A947-70E740481C1C}">
                 <a14:useLocalDpi xmlns:a14="http://schemas.microsoft.com/office/drawing/2010/main"/>
@@ -8804,8 +8877,8 @@
         </p:blipFill>
         <p:spPr>
           <a:xfrm rot="0">
-            <a:off x="1247140" y="2609215"/>
-            <a:ext cx="4141470" cy="2503170"/>
+            <a:off x="6824980" y="1457325"/>
+            <a:ext cx="4140200" cy="2766060"/>
           </a:xfrm>
           <a:prstGeom prst="roundRect"/>
           <a:solidFill>
@@ -8815,14 +8888,14 @@
       </p:pic>
       <p:pic>
         <p:nvPicPr>
-          <p:cNvPr id="1042" name="그림 144"/>
+          <p:cNvPr id="1206" name="그림 38"/>
           <p:cNvPicPr>
             <a:picLocks noChangeAspect="1"/>
           </p:cNvPicPr>
           <p:nvPr/>
         </p:nvPicPr>
         <p:blipFill rotWithShape="1">
-          <a:blip r:embed="rId3" cstate="hqprint">
+          <a:blip r:embed="rId7" cstate="hqprint">
             <a:extLst>
               <a:ext uri="{28A0092B-C50C-407E-A947-70E740481C1C}">
                 <a14:useLocalDpi xmlns:a14="http://schemas.microsoft.com/office/drawing/2010/main"/>
@@ -8835,59 +8908,13 @@
         </p:blipFill>
         <p:spPr>
           <a:xfrm rot="0">
-            <a:off x="6823710" y="2578735"/>
-            <a:ext cx="4140200" cy="2268220"/>
-          </a:xfrm>
-          <a:prstGeom prst="roundRect"/>
-          <a:solidFill>
-            <a:srgbClr val="EDEDED"/>
-          </a:solidFill>
+            <a:off x="1247775" y="1446530"/>
+            <a:ext cx="4131310" cy="3068320"/>
+          </a:xfrm>
+          <a:prstGeom prst="rect"/>
+          <a:noFill/>
         </p:spPr>
       </p:pic>
-      <p:sp>
-        <p:nvSpPr>
-          <p:cNvPr id="1043" name="텍스트 상자 57"/>
-          <p:cNvSpPr txBox="1">
-            <a:spLocks/>
-          </p:cNvSpPr>
-          <p:nvPr/>
-        </p:nvSpPr>
-        <p:spPr>
-          <a:xfrm rot="0">
-            <a:off x="6818630" y="1426210"/>
-            <a:ext cx="4131945" cy="924560"/>
-          </a:xfrm>
-          <a:prstGeom prst="rect"/>
-          <a:noFill/>
-          <a:ln w="0">
-            <a:noFill/>
-            <a:prstDash/>
-          </a:ln>
-        </p:spPr>
-        <p:txBody>
-          <a:bodyPr wrap="square" lIns="89535" tIns="46355" rIns="89535" bIns="46355" numCol="1" vert="horz" anchor="t">
-            <a:spAutoFit/>
-          </a:bodyPr>
-          <a:lstStyle/>
-          <a:p>
-            <a:pPr marL="0" indent="0" rtl="0" algn="l" defTabSz="914400" eaLnBrk="1" latinLnBrk="0" hangingPunct="1">
-              <a:buFontTx/>
-              <a:buNone/>
-            </a:pPr>
-            <a:r>
-              <a:rPr lang="ko-KR" sz="1800">
-                <a:latin typeface="맑은 고딕" charset="0"/>
-                <a:ea typeface="맑은 고딕" charset="0"/>
-              </a:rPr>
-              <a:t>내비게이션이 설정된 게임 오브젝트를 도착 지점으로 이동할 때 A star 알고리즘을 기반으로 계산합니다.</a:t>
-            </a:r>
-            <a:endParaRPr lang="ko-KR" altLang="en-US" sz="1800">
-              <a:latin typeface="맑은 고딕" charset="0"/>
-              <a:ea typeface="맑은 고딕" charset="0"/>
-            </a:endParaRPr>
-          </a:p>
-        </p:txBody>
-      </p:sp>
     </p:spTree>
   </p:cSld>
   <p:clrMapOvr>
@@ -8938,8 +8965,8 @@
         </p:nvSpPr>
         <p:spPr>
           <a:xfrm rot="0">
-            <a:off x="4522470" y="346075"/>
-            <a:ext cx="3148965" cy="478155"/>
+            <a:off x="4509770" y="354965"/>
+            <a:ext cx="3180080" cy="478155"/>
           </a:xfrm>
           <a:prstGeom prst="rect"/>
           <a:noFill/>
@@ -8966,7 +8993,17 @@
                 <a:latin typeface="나눔바른고딕" charset="0"/>
                 <a:ea typeface="나눔바른고딕" charset="0"/>
               </a:rPr>
-              <a:t>여덟 번째 튜토리얼</a:t>
+              <a:t>아홉</a:t>
+            </a:r>
+            <a:r>
+              <a:rPr lang="ko-KR" altLang="en-US" sz="2500" b="1">
+                <a:solidFill>
+                  <a:schemeClr val="tx1"/>
+                </a:solidFill>
+                <a:latin typeface="나눔바른고딕" charset="0"/>
+                <a:ea typeface="나눔바른고딕" charset="0"/>
+              </a:rPr>
+              <a:t> 번째 튜토리얼</a:t>
             </a:r>
             <a:endParaRPr lang="ko-KR" altLang="en-US" sz="2500" b="1">
               <a:solidFill>
@@ -8980,7 +9017,7 @@
       </p:sp>
       <p:sp>
         <p:nvSpPr>
-          <p:cNvPr id="1192" name="Rect 0"/>
+          <p:cNvPr id="1215" name="텍스트 상자 53"/>
           <p:cNvSpPr txBox="1">
             <a:spLocks/>
           </p:cNvSpPr>
@@ -8988,8 +9025,8 @@
         </p:nvSpPr>
         <p:spPr>
           <a:xfrm rot="0">
-            <a:off x="1247775" y="4675505"/>
-            <a:ext cx="4131310" cy="1478280"/>
+            <a:off x="1247775" y="3088640"/>
+            <a:ext cx="4133850" cy="647700"/>
           </a:xfrm>
           <a:prstGeom prst="rect"/>
           <a:noFill/>
@@ -9009,6 +9046,16 @@
               <a:buNone/>
             </a:pPr>
             <a:r>
+              <a:rPr lang="ko-KR" sz="1800" b="1">
+                <a:solidFill>
+                  <a:srgbClr val="0611F2"/>
+                </a:solidFill>
+                <a:latin typeface="맑은 고딕" charset="0"/>
+                <a:ea typeface="맑은 고딕" charset="0"/>
+              </a:rPr>
+              <a:t>24</a:t>
+            </a:r>
+            <a:r>
               <a:rPr sz="1800" b="1">
                 <a:solidFill>
                   <a:srgbClr val="0611F2"/>
@@ -9016,194 +9063,32 @@
                 <a:latin typeface="맑은 고딕" charset="0"/>
                 <a:ea typeface="맑은 고딕" charset="0"/>
               </a:rPr>
-              <a:t>2</a:t>
-            </a:r>
-            <a:r>
-              <a:rPr lang="ko-KR" sz="1800" b="1">
-                <a:solidFill>
-                  <a:srgbClr val="0611F2"/>
-                </a:solidFill>
-                <a:latin typeface="맑은 고딕" charset="0"/>
-                <a:ea typeface="맑은 고딕" charset="0"/>
-              </a:rPr>
-              <a:t>2</a:t>
-            </a:r>
-            <a:r>
-              <a:rPr sz="1800" b="1">
-                <a:solidFill>
-                  <a:srgbClr val="0611F2"/>
-                </a:solidFill>
-                <a:latin typeface="맑은 고딕" charset="0"/>
-                <a:ea typeface="맑은 고딕" charset="0"/>
-              </a:rPr>
               <a:t>.</a:t>
             </a:r>
             <a:r>
-              <a:rPr sz="1800">
-                <a:latin typeface="맑은 고딕" charset="0"/>
-                <a:ea typeface="맑은 고딕" charset="0"/>
-              </a:rPr>
-              <a:t> </a:t>
-            </a:r>
-            <a:r>
               <a:rPr lang="ko-KR" sz="1800">
                 <a:latin typeface="맑은 고딕" charset="0"/>
                 <a:ea typeface="맑은 고딕" charset="0"/>
               </a:rPr>
-              <a:t>그다음으로 Navigation에서 Area를 선택합니다.</a:t>
+              <a:t> 그런 다음 Character 오브젝트의 위치 값을 설정합니다.</a:t>
             </a:r>
             <a:endParaRPr lang="ko-KR" altLang="en-US" sz="1800">
               <a:latin typeface="맑은 고딕" charset="0"/>
               <a:ea typeface="맑은 고딕" charset="0"/>
             </a:endParaRPr>
           </a:p>
-          <a:p>
-            <a:pPr marL="0" indent="0" rtl="0" algn="l" defTabSz="914400" eaLnBrk="1" latinLnBrk="0" hangingPunct="1">
-              <a:buFontTx/>
-              <a:buNone/>
-            </a:pPr>
-            <a:endParaRPr lang="ko-KR" altLang="en-US" sz="1800">
-              <a:latin typeface="맑은 고딕" charset="0"/>
-              <a:ea typeface="맑은 고딕" charset="0"/>
-            </a:endParaRPr>
-          </a:p>
-          <a:p>
-            <a:pPr marL="0" indent="0" rtl="0" algn="l" defTabSz="914400" eaLnBrk="1" latinLnBrk="0" hangingPunct="1">
-              <a:buFontTx/>
-              <a:buNone/>
-            </a:pPr>
-            <a:r>
-              <a:rPr lang="ko-KR" sz="1800">
-                <a:latin typeface="맑은 고딕" charset="0"/>
-                <a:ea typeface="맑은 고딕" charset="0"/>
-              </a:rPr>
-              <a:t>그런 다음 User 3에 Danger를 추가하고 Cost를 5로 설정합니다.</a:t>
-            </a:r>
-            <a:endParaRPr lang="ko-KR" altLang="en-US" sz="1800">
-              <a:latin typeface="맑은 고딕" charset="0"/>
-              <a:ea typeface="맑은 고딕" charset="0"/>
-            </a:endParaRPr>
-          </a:p>
-        </p:txBody>
-      </p:sp>
-      <p:sp>
-        <p:nvSpPr>
-          <p:cNvPr id="1200" name="Rect 0"/>
-          <p:cNvSpPr txBox="1">
-            <a:spLocks/>
-          </p:cNvSpPr>
-          <p:nvPr/>
-        </p:nvSpPr>
-        <p:spPr>
-          <a:xfrm rot="0">
-            <a:off x="6819900" y="4398645"/>
-            <a:ext cx="4144010" cy="1755140"/>
-          </a:xfrm>
-          <a:prstGeom prst="rect"/>
-          <a:noFill/>
-          <a:ln w="0">
-            <a:noFill/>
-            <a:prstDash/>
-          </a:ln>
-        </p:spPr>
-        <p:txBody>
-          <a:bodyPr wrap="square" lIns="89535" tIns="46355" rIns="89535" bIns="46355" numCol="1" vert="horz" anchor="t">
-            <a:spAutoFit/>
-          </a:bodyPr>
-          <a:lstStyle/>
-          <a:p>
-            <a:pPr marL="0" indent="0" rtl="0" algn="l" defTabSz="914400" eaLnBrk="1" latinLnBrk="0" hangingPunct="1">
-              <a:buFontTx/>
-              <a:buNone/>
-            </a:pPr>
-            <a:r>
-              <a:rPr sz="1800" b="1">
-                <a:solidFill>
-                  <a:srgbClr val="0611F2"/>
-                </a:solidFill>
-                <a:latin typeface="맑은 고딕" charset="0"/>
-                <a:ea typeface="맑은 고딕" charset="0"/>
-              </a:rPr>
-              <a:t>2</a:t>
-            </a:r>
-            <a:r>
-              <a:rPr lang="ko-KR" sz="1800" b="1">
-                <a:solidFill>
-                  <a:srgbClr val="0611F2"/>
-                </a:solidFill>
-                <a:latin typeface="맑은 고딕" charset="0"/>
-                <a:ea typeface="맑은 고딕" charset="0"/>
-              </a:rPr>
-              <a:t>3</a:t>
-            </a:r>
-            <a:r>
-              <a:rPr sz="1800" b="1">
-                <a:solidFill>
-                  <a:srgbClr val="0611F2"/>
-                </a:solidFill>
-                <a:latin typeface="맑은 고딕" charset="0"/>
-                <a:ea typeface="맑은 고딕" charset="0"/>
-              </a:rPr>
-              <a:t>.</a:t>
-            </a:r>
-            <a:r>
-              <a:rPr sz="1800">
-                <a:latin typeface="맑은 고딕" charset="0"/>
-                <a:ea typeface="맑은 고딕" charset="0"/>
-              </a:rPr>
-              <a:t> 그</a:t>
-            </a:r>
-            <a:r>
-              <a:rPr lang="ko-KR" sz="1800">
-                <a:latin typeface="맑은 고딕" charset="0"/>
-                <a:ea typeface="맑은 고딕" charset="0"/>
-              </a:rPr>
-              <a:t>러고 나서 Right Bridge 오브젝트를 선택한 다음 Navigation에 있는 Object를 선택합니다.</a:t>
-            </a:r>
-            <a:endParaRPr lang="ko-KR" altLang="en-US" sz="1800">
-              <a:latin typeface="맑은 고딕" charset="0"/>
-              <a:ea typeface="맑은 고딕" charset="0"/>
-            </a:endParaRPr>
-          </a:p>
-          <a:p>
-            <a:pPr marL="0" indent="0" rtl="0" algn="l" defTabSz="914400" eaLnBrk="1" latinLnBrk="0" hangingPunct="1">
-              <a:buFontTx/>
-              <a:buNone/>
-            </a:pPr>
-            <a:endParaRPr lang="ko-KR" altLang="en-US" sz="1800">
-              <a:latin typeface="맑은 고딕" charset="0"/>
-              <a:ea typeface="맑은 고딕" charset="0"/>
-            </a:endParaRPr>
-          </a:p>
-          <a:p>
-            <a:pPr marL="0" indent="0" rtl="0" algn="l" defTabSz="914400" eaLnBrk="1" latinLnBrk="0" hangingPunct="1">
-              <a:buFontTx/>
-              <a:buNone/>
-            </a:pPr>
-            <a:r>
-              <a:rPr lang="ko-KR" sz="1800">
-                <a:latin typeface="맑은 고딕" charset="0"/>
-                <a:ea typeface="맑은 고딕" charset="0"/>
-              </a:rPr>
-              <a:t>이제 Navigation Area를 Danger로 설정합니다.</a:t>
-            </a:r>
-            <a:endParaRPr lang="ko-KR" altLang="en-US" sz="1800">
-              <a:latin typeface="맑은 고딕" charset="0"/>
-              <a:ea typeface="맑은 고딕" charset="0"/>
-            </a:endParaRPr>
-          </a:p>
         </p:txBody>
       </p:sp>
       <p:pic>
         <p:nvPicPr>
-          <p:cNvPr id="1205" name="그림 135"/>
+          <p:cNvPr id="1216" name="그림 54"/>
           <p:cNvPicPr>
             <a:picLocks noChangeAspect="1"/>
           </p:cNvPicPr>
           <p:nvPr/>
         </p:nvPicPr>
         <p:blipFill rotWithShape="1">
-          <a:blip r:embed="rId4" cstate="hqprint">
+          <a:blip r:embed="rId10" cstate="hqprint">
             <a:extLst>
               <a:ext uri="{28A0092B-C50C-407E-A947-70E740481C1C}">
                 <a14:useLocalDpi xmlns:a14="http://schemas.microsoft.com/office/drawing/2010/main"/>
@@ -9216,8 +9101,8 @@
         </p:blipFill>
         <p:spPr>
           <a:xfrm rot="0">
-            <a:off x="6824980" y="1457325"/>
-            <a:ext cx="4140200" cy="2766060"/>
+            <a:off x="1238250" y="1454785"/>
+            <a:ext cx="4144645" cy="1513840"/>
           </a:xfrm>
           <a:prstGeom prst="roundRect"/>
           <a:solidFill>
@@ -9225,16 +9110,210 @@
           </a:solidFill>
         </p:spPr>
       </p:pic>
+      <p:sp>
+        <p:nvSpPr>
+          <p:cNvPr id="1219" name="텍스트 상자 66"/>
+          <p:cNvSpPr txBox="1">
+            <a:spLocks/>
+          </p:cNvSpPr>
+          <p:nvPr/>
+        </p:nvSpPr>
+        <p:spPr>
+          <a:xfrm rot="0">
+            <a:off x="1247140" y="5442585"/>
+            <a:ext cx="4131945" cy="647065"/>
+          </a:xfrm>
+          <a:prstGeom prst="rect"/>
+          <a:noFill/>
+          <a:ln w="0">
+            <a:noFill/>
+            <a:prstDash/>
+          </a:ln>
+        </p:spPr>
+        <p:txBody>
+          <a:bodyPr wrap="square" lIns="89535" tIns="46355" rIns="89535" bIns="46355" numCol="1" vert="horz" anchor="t">
+            <a:spAutoFit/>
+          </a:bodyPr>
+          <a:lstStyle/>
+          <a:p>
+            <a:pPr marL="0" indent="0" rtl="0" algn="l" defTabSz="914400" eaLnBrk="1" latinLnBrk="0" hangingPunct="1">
+              <a:buFontTx/>
+              <a:buNone/>
+            </a:pPr>
+            <a:r>
+              <a:rPr lang="ko-KR" sz="1800" b="1">
+                <a:solidFill>
+                  <a:srgbClr val="0611F2"/>
+                </a:solidFill>
+                <a:latin typeface="맑은 고딕" charset="0"/>
+                <a:ea typeface="맑은 고딕" charset="0"/>
+              </a:rPr>
+              <a:t>25</a:t>
+            </a:r>
+            <a:r>
+              <a:rPr sz="1800" b="1">
+                <a:solidFill>
+                  <a:srgbClr val="0611F2"/>
+                </a:solidFill>
+                <a:latin typeface="맑은 고딕" charset="0"/>
+                <a:ea typeface="맑은 고딕" charset="0"/>
+              </a:rPr>
+              <a:t>.</a:t>
+            </a:r>
+            <a:r>
+              <a:rPr lang="ko-KR" sz="1800">
+                <a:latin typeface="맑은 고딕" charset="0"/>
+                <a:ea typeface="맑은 고딕" charset="0"/>
+              </a:rPr>
+              <a:t> 그</a:t>
+            </a:r>
+            <a:r>
+              <a:rPr lang="ko-KR" sz="1800">
+                <a:latin typeface="맑은 고딕" charset="0"/>
+                <a:ea typeface="맑은 고딕" charset="0"/>
+              </a:rPr>
+              <a:t>다음</a:t>
+            </a:r>
+            <a:r>
+              <a:rPr lang="ko-KR" sz="1800">
+                <a:latin typeface="맑은 고딕" charset="0"/>
+                <a:ea typeface="맑은 고딕" charset="0"/>
+              </a:rPr>
+              <a:t> </a:t>
+            </a:r>
+            <a:r>
+              <a:rPr lang="ko-KR" sz="1800">
+                <a:latin typeface="맑은 고딕" charset="0"/>
+                <a:ea typeface="맑은 고딕" charset="0"/>
+              </a:rPr>
+              <a:t>Front Rampart 오브젝트에 Off Mesh Link 컴포넌트를 추가합니다.</a:t>
+            </a:r>
+            <a:r>
+              <a:rPr lang="ko-KR" sz="1800">
+                <a:latin typeface="맑은 고딕" charset="0"/>
+                <a:ea typeface="맑은 고딕" charset="0"/>
+              </a:rPr>
+              <a:t> </a:t>
+            </a:r>
+            <a:endParaRPr lang="ko-KR" altLang="en-US" sz="1800">
+              <a:latin typeface="맑은 고딕" charset="0"/>
+              <a:ea typeface="맑은 고딕" charset="0"/>
+            </a:endParaRPr>
+          </a:p>
+        </p:txBody>
+      </p:sp>
+      <p:sp>
+        <p:nvSpPr>
+          <p:cNvPr id="1223" name="텍스트 상자 76"/>
+          <p:cNvSpPr txBox="1">
+            <a:spLocks/>
+          </p:cNvSpPr>
+          <p:nvPr/>
+        </p:nvSpPr>
+        <p:spPr>
+          <a:xfrm rot="0">
+            <a:off x="6797675" y="5163820"/>
+            <a:ext cx="4150995" cy="923925"/>
+          </a:xfrm>
+          <a:prstGeom prst="rect"/>
+          <a:noFill/>
+          <a:ln w="0">
+            <a:noFill/>
+            <a:prstDash/>
+          </a:ln>
+        </p:spPr>
+        <p:txBody>
+          <a:bodyPr wrap="square" lIns="89535" tIns="46355" rIns="89535" bIns="46355" numCol="1" vert="horz" anchor="t">
+            <a:spAutoFit/>
+          </a:bodyPr>
+          <a:lstStyle/>
+          <a:p>
+            <a:pPr marL="0" indent="0" rtl="0" algn="l" defTabSz="914400" eaLnBrk="1" latinLnBrk="0" hangingPunct="1">
+              <a:buFontTx/>
+              <a:buNone/>
+            </a:pPr>
+            <a:r>
+              <a:rPr sz="1800" b="1">
+                <a:solidFill>
+                  <a:srgbClr val="0611F2"/>
+                </a:solidFill>
+                <a:latin typeface="맑은 고딕" charset="0"/>
+                <a:ea typeface="맑은 고딕" charset="0"/>
+              </a:rPr>
+              <a:t>2</a:t>
+            </a:r>
+            <a:r>
+              <a:rPr lang="ko-KR" sz="1800" b="1">
+                <a:solidFill>
+                  <a:srgbClr val="0611F2"/>
+                </a:solidFill>
+                <a:latin typeface="맑은 고딕" charset="0"/>
+                <a:ea typeface="맑은 고딕" charset="0"/>
+              </a:rPr>
+              <a:t>6</a:t>
+            </a:r>
+            <a:r>
+              <a:rPr sz="1800" b="1">
+                <a:solidFill>
+                  <a:srgbClr val="0611F2"/>
+                </a:solidFill>
+                <a:latin typeface="맑은 고딕" charset="0"/>
+                <a:ea typeface="맑은 고딕" charset="0"/>
+              </a:rPr>
+              <a:t>.</a:t>
+            </a:r>
+            <a:r>
+              <a:rPr sz="1800">
+                <a:latin typeface="맑은 고딕" charset="0"/>
+                <a:ea typeface="맑은 고딕" charset="0"/>
+              </a:rPr>
+              <a:t> </a:t>
+            </a:r>
+            <a:r>
+              <a:rPr lang="ko-KR" sz="1800">
+                <a:latin typeface="맑은 고딕" charset="0"/>
+                <a:ea typeface="맑은 고딕" charset="0"/>
+              </a:rPr>
+              <a:t>그</a:t>
+            </a:r>
+            <a:r>
+              <a:rPr lang="ko-KR" sz="1800">
+                <a:latin typeface="맑은 고딕" charset="0"/>
+                <a:ea typeface="맑은 고딕" charset="0"/>
+              </a:rPr>
+              <a:t>러고 나서</a:t>
+            </a:r>
+            <a:r>
+              <a:rPr lang="ko-KR" sz="1800">
+                <a:latin typeface="맑은 고딕" charset="0"/>
+                <a:ea typeface="맑은 고딕" charset="0"/>
+              </a:rPr>
+              <a:t> </a:t>
+            </a:r>
+            <a:r>
+              <a:rPr lang="ko-KR" sz="1800">
+                <a:latin typeface="맑은 고딕" charset="0"/>
+                <a:ea typeface="맑은 고딕" charset="0"/>
+              </a:rPr>
+              <a:t>빈 게임 오브젝트를 생성한 다음 Start Point 라는 이름으로 정의합니다.</a:t>
+            </a:r>
+            <a:endParaRPr lang="ko-KR" altLang="en-US" sz="1800">
+              <a:latin typeface="맑은 고딕" charset="0"/>
+              <a:ea typeface="맑은 고딕" charset="0"/>
+            </a:endParaRPr>
+          </a:p>
+        </p:txBody>
+      </p:sp>
       <p:pic>
         <p:nvPicPr>
-          <p:cNvPr id="1206" name="그림 38"/>
+          <p:cNvPr id="1224" name="그림 77"/>
           <p:cNvPicPr>
             <a:picLocks noChangeAspect="1"/>
           </p:cNvPicPr>
           <p:nvPr/>
         </p:nvPicPr>
         <p:blipFill rotWithShape="1">
-          <a:blip r:embed="rId7" cstate="hqprint">
+          <a:blip r:embed="rId15" cstate="hqprint">
             <a:extLst>
               <a:ext uri="{28A0092B-C50C-407E-A947-70E740481C1C}">
                 <a14:useLocalDpi xmlns:a14="http://schemas.microsoft.com/office/drawing/2010/main"/>
@@ -9247,11 +9326,75 @@
         </p:blipFill>
         <p:spPr>
           <a:xfrm rot="0">
-            <a:off x="1247775" y="1446530"/>
-            <a:ext cx="4131310" cy="3068320"/>
-          </a:xfrm>
-          <a:prstGeom prst="rect"/>
-          <a:noFill/>
+            <a:off x="1230630" y="3881755"/>
+            <a:ext cx="4148455" cy="1430655"/>
+          </a:xfrm>
+          <a:prstGeom prst="roundRect"/>
+          <a:solidFill>
+            <a:srgbClr val="EDEDED"/>
+          </a:solidFill>
+        </p:spPr>
+      </p:pic>
+      <p:pic>
+        <p:nvPicPr>
+          <p:cNvPr id="1225" name="그림 10"/>
+          <p:cNvPicPr>
+            <a:picLocks noChangeAspect="1"/>
+          </p:cNvPicPr>
+          <p:nvPr/>
+        </p:nvPicPr>
+        <p:blipFill rotWithShape="1">
+          <a:blip r:embed="rId16" cstate="hqprint">
+            <a:extLst>
+              <a:ext uri="{28A0092B-C50C-407E-A947-70E740481C1C}">
+                <a14:useLocalDpi xmlns:a14="http://schemas.microsoft.com/office/drawing/2010/main"/>
+              </a:ext>
+            </a:extLst>
+          </a:blip>
+          <a:stretch>
+            <a:fillRect/>
+          </a:stretch>
+        </p:blipFill>
+        <p:spPr>
+          <a:xfrm rot="0">
+            <a:off x="6808470" y="1446530"/>
+            <a:ext cx="2546985" cy="3533775"/>
+          </a:xfrm>
+          <a:prstGeom prst="roundRect"/>
+          <a:solidFill>
+            <a:srgbClr val="EDEDED"/>
+          </a:solidFill>
+        </p:spPr>
+      </p:pic>
+      <p:pic>
+        <p:nvPicPr>
+          <p:cNvPr id="1226" name="그림 15"/>
+          <p:cNvPicPr>
+            <a:picLocks noChangeAspect="1"/>
+          </p:cNvPicPr>
+          <p:nvPr/>
+        </p:nvPicPr>
+        <p:blipFill rotWithShape="1">
+          <a:blip r:embed="rId17" cstate="print">
+            <a:extLst>
+              <a:ext uri="{28A0092B-C50C-407E-A947-70E740481C1C}">
+                <a14:useLocalDpi xmlns:a14="http://schemas.microsoft.com/office/drawing/2010/main" val="0"/>
+              </a:ext>
+            </a:extLst>
+          </a:blip>
+          <a:stretch>
+            <a:fillRect/>
+          </a:stretch>
+        </p:blipFill>
+        <p:spPr>
+          <a:xfrm rot="0">
+            <a:off x="9526905" y="2094865"/>
+            <a:ext cx="1426210" cy="2236470"/>
+          </a:xfrm>
+          <a:prstGeom prst="roundRect"/>
+          <a:solidFill>
+            <a:srgbClr val="EDEDED"/>
+          </a:solidFill>
         </p:spPr>
       </p:pic>
     </p:spTree>
@@ -9305,7 +9448,7 @@
         <p:spPr>
           <a:xfrm rot="0">
             <a:off x="4509770" y="354965"/>
-            <a:ext cx="3180080" cy="478155"/>
+            <a:ext cx="3180715" cy="478155"/>
           </a:xfrm>
           <a:prstGeom prst="rect"/>
           <a:noFill/>
@@ -9332,7 +9475,7 @@
                 <a:latin typeface="나눔바른고딕" charset="0"/>
                 <a:ea typeface="나눔바른고딕" charset="0"/>
               </a:rPr>
-              <a:t>아홉</a:t>
+              <a:t>열</a:t>
             </a:r>
             <a:r>
               <a:rPr lang="ko-KR" altLang="en-US" sz="2500" b="1">
@@ -9356,7 +9499,7 @@
       </p:sp>
       <p:sp>
         <p:nvSpPr>
-          <p:cNvPr id="1215" name="텍스트 상자 53"/>
+          <p:cNvPr id="1200" name="Rect 0"/>
           <p:cNvSpPr txBox="1">
             <a:spLocks/>
           </p:cNvSpPr>
@@ -9364,8 +9507,8 @@
         </p:nvSpPr>
         <p:spPr>
           <a:xfrm rot="0">
-            <a:off x="1247775" y="3088640"/>
-            <a:ext cx="4133850" cy="647700"/>
+            <a:off x="1226820" y="5200650"/>
+            <a:ext cx="4135755" cy="923925"/>
           </a:xfrm>
           <a:prstGeom prst="rect"/>
           <a:noFill/>
@@ -9385,16 +9528,6 @@
               <a:buNone/>
             </a:pPr>
             <a:r>
-              <a:rPr lang="ko-KR" sz="1800" b="1">
-                <a:solidFill>
-                  <a:srgbClr val="0611F2"/>
-                </a:solidFill>
-                <a:latin typeface="맑은 고딕" charset="0"/>
-                <a:ea typeface="맑은 고딕" charset="0"/>
-              </a:rPr>
-              <a:t>24</a:t>
-            </a:r>
-            <a:r>
               <a:rPr sz="1800" b="1">
                 <a:solidFill>
                   <a:srgbClr val="0611F2"/>
@@ -9402,14 +9535,45 @@
                 <a:latin typeface="맑은 고딕" charset="0"/>
                 <a:ea typeface="맑은 고딕" charset="0"/>
               </a:rPr>
+              <a:t>27</a:t>
+            </a:r>
+            <a:r>
+              <a:rPr sz="1800" b="1">
+                <a:solidFill>
+                  <a:srgbClr val="0611F2"/>
+                </a:solidFill>
+                <a:latin typeface="맑은 고딕" charset="0"/>
+                <a:ea typeface="맑은 고딕" charset="0"/>
+              </a:rPr>
               <a:t>.</a:t>
             </a:r>
             <a:r>
+              <a:rPr sz="1800">
+                <a:latin typeface="맑은 고딕" charset="0"/>
+                <a:ea typeface="맑은 고딕" charset="0"/>
+              </a:rPr>
+              <a:t> </a:t>
+            </a:r>
+            <a:r>
               <a:rPr lang="ko-KR" sz="1800">
                 <a:latin typeface="맑은 고딕" charset="0"/>
                 <a:ea typeface="맑은 고딕" charset="0"/>
               </a:rPr>
-              <a:t> 그런 다음 Character 오브젝트의 위치 값을 설정합니다.</a:t>
+              <a:t>그리고 빈 게임 오브젝트를 생성</a:t>
+            </a:r>
+            <a:r>
+              <a:rPr lang="ko-KR" sz="1800">
+                <a:latin typeface="맑은 고딕" charset="0"/>
+                <a:ea typeface="맑은 고딕" charset="0"/>
+              </a:rPr>
+              <a:t>한 다음 End Point 라는 이름으</a:t>
+            </a:r>
+            <a:r>
+              <a:rPr lang="ko-KR" sz="1800">
+                <a:latin typeface="맑은 고딕" charset="0"/>
+                <a:ea typeface="맑은 고딕" charset="0"/>
+              </a:rPr>
+              <a:t>로 정의합니다.</a:t>
             </a:r>
             <a:endParaRPr lang="ko-KR" altLang="en-US" sz="1800">
               <a:latin typeface="맑은 고딕" charset="0"/>
@@ -9420,14 +9584,14 @@
       </p:sp>
       <p:pic>
         <p:nvPicPr>
-          <p:cNvPr id="1216" name="그림 54"/>
+          <p:cNvPr id="1210" name="Picture "/>
           <p:cNvPicPr>
             <a:picLocks noChangeAspect="1"/>
           </p:cNvPicPr>
           <p:nvPr/>
         </p:nvPicPr>
         <p:blipFill rotWithShape="1">
-          <a:blip r:embed="rId10" cstate="hqprint">
+          <a:blip r:embed="rId2" cstate="hqprint">
             <a:extLst>
               <a:ext uri="{28A0092B-C50C-407E-A947-70E740481C1C}">
                 <a14:useLocalDpi xmlns:a14="http://schemas.microsoft.com/office/drawing/2010/main"/>
@@ -9440,8 +9604,8 @@
         </p:blipFill>
         <p:spPr>
           <a:xfrm rot="0">
-            <a:off x="1238250" y="1454785"/>
-            <a:ext cx="4144645" cy="1513840"/>
+            <a:off x="1230630" y="1454785"/>
+            <a:ext cx="2544445" cy="3566795"/>
           </a:xfrm>
           <a:prstGeom prst="roundRect"/>
           <a:solidFill>
@@ -9449,272 +9613,16 @@
           </a:solidFill>
         </p:spPr>
       </p:pic>
-      <p:sp>
-        <p:nvSpPr>
-          <p:cNvPr id="1219" name="텍스트 상자 66"/>
-          <p:cNvSpPr txBox="1">
-            <a:spLocks/>
-          </p:cNvSpPr>
-          <p:nvPr/>
-        </p:nvSpPr>
-        <p:spPr>
-          <a:xfrm rot="0">
-            <a:off x="1247140" y="5442585"/>
-            <a:ext cx="4131945" cy="647065"/>
-          </a:xfrm>
-          <a:prstGeom prst="rect"/>
-          <a:noFill/>
-          <a:ln w="0">
-            <a:noFill/>
-            <a:prstDash/>
-          </a:ln>
-        </p:spPr>
-        <p:txBody>
-          <a:bodyPr wrap="square" lIns="89535" tIns="46355" rIns="89535" bIns="46355" numCol="1" vert="horz" anchor="t">
-            <a:spAutoFit/>
-          </a:bodyPr>
-          <a:lstStyle/>
-          <a:p>
-            <a:pPr marL="0" indent="0" rtl="0" algn="l" defTabSz="914400" eaLnBrk="1" latinLnBrk="0" hangingPunct="1">
-              <a:buFontTx/>
-              <a:buNone/>
-            </a:pPr>
-            <a:r>
-              <a:rPr lang="ko-KR" sz="1800" b="1">
-                <a:solidFill>
-                  <a:srgbClr val="0611F2"/>
-                </a:solidFill>
-                <a:latin typeface="맑은 고딕" charset="0"/>
-                <a:ea typeface="맑은 고딕" charset="0"/>
-              </a:rPr>
-              <a:t>25</a:t>
-            </a:r>
-            <a:r>
-              <a:rPr sz="1800" b="1">
-                <a:solidFill>
-                  <a:srgbClr val="0611F2"/>
-                </a:solidFill>
-                <a:latin typeface="맑은 고딕" charset="0"/>
-                <a:ea typeface="맑은 고딕" charset="0"/>
-              </a:rPr>
-              <a:t>.</a:t>
-            </a:r>
-            <a:r>
-              <a:rPr lang="ko-KR" sz="1800">
-                <a:latin typeface="맑은 고딕" charset="0"/>
-                <a:ea typeface="맑은 고딕" charset="0"/>
-              </a:rPr>
-              <a:t> 그</a:t>
-            </a:r>
-            <a:r>
-              <a:rPr lang="ko-KR" sz="1800">
-                <a:latin typeface="맑은 고딕" charset="0"/>
-                <a:ea typeface="맑은 고딕" charset="0"/>
-              </a:rPr>
-              <a:t>다음</a:t>
-            </a:r>
-            <a:r>
-              <a:rPr lang="ko-KR" sz="1800">
-                <a:latin typeface="맑은 고딕" charset="0"/>
-                <a:ea typeface="맑은 고딕" charset="0"/>
-              </a:rPr>
-              <a:t> </a:t>
-            </a:r>
-            <a:r>
-              <a:rPr lang="ko-KR" sz="1800">
-                <a:latin typeface="맑은 고딕" charset="0"/>
-                <a:ea typeface="맑은 고딕" charset="0"/>
-              </a:rPr>
-              <a:t>Front Rampart 오브젝트에 Off Mesh Link 컴포넌트를 추가합니다.</a:t>
-            </a:r>
-            <a:r>
-              <a:rPr lang="ko-KR" sz="1800">
-                <a:latin typeface="맑은 고딕" charset="0"/>
-                <a:ea typeface="맑은 고딕" charset="0"/>
-              </a:rPr>
-              <a:t> </a:t>
-            </a:r>
-            <a:endParaRPr lang="ko-KR" altLang="en-US" sz="1800">
-              <a:latin typeface="맑은 고딕" charset="0"/>
-              <a:ea typeface="맑은 고딕" charset="0"/>
-            </a:endParaRPr>
-          </a:p>
-        </p:txBody>
-      </p:sp>
-      <p:sp>
-        <p:nvSpPr>
-          <p:cNvPr id="1223" name="텍스트 상자 76"/>
-          <p:cNvSpPr txBox="1">
-            <a:spLocks/>
-          </p:cNvSpPr>
-          <p:nvPr/>
-        </p:nvSpPr>
-        <p:spPr>
-          <a:xfrm rot="0">
-            <a:off x="6797675" y="5163820"/>
-            <a:ext cx="4150995" cy="923925"/>
-          </a:xfrm>
-          <a:prstGeom prst="rect"/>
-          <a:noFill/>
-          <a:ln w="0">
-            <a:noFill/>
-            <a:prstDash/>
-          </a:ln>
-        </p:spPr>
-        <p:txBody>
-          <a:bodyPr wrap="square" lIns="89535" tIns="46355" rIns="89535" bIns="46355" numCol="1" vert="horz" anchor="t">
-            <a:spAutoFit/>
-          </a:bodyPr>
-          <a:lstStyle/>
-          <a:p>
-            <a:pPr marL="0" indent="0" rtl="0" algn="l" defTabSz="914400" eaLnBrk="1" latinLnBrk="0" hangingPunct="1">
-              <a:buFontTx/>
-              <a:buNone/>
-            </a:pPr>
-            <a:r>
-              <a:rPr sz="1800" b="1">
-                <a:solidFill>
-                  <a:srgbClr val="0611F2"/>
-                </a:solidFill>
-                <a:latin typeface="맑은 고딕" charset="0"/>
-                <a:ea typeface="맑은 고딕" charset="0"/>
-              </a:rPr>
-              <a:t>2</a:t>
-            </a:r>
-            <a:r>
-              <a:rPr lang="ko-KR" sz="1800" b="1">
-                <a:solidFill>
-                  <a:srgbClr val="0611F2"/>
-                </a:solidFill>
-                <a:latin typeface="맑은 고딕" charset="0"/>
-                <a:ea typeface="맑은 고딕" charset="0"/>
-              </a:rPr>
-              <a:t>6</a:t>
-            </a:r>
-            <a:r>
-              <a:rPr sz="1800" b="1">
-                <a:solidFill>
-                  <a:srgbClr val="0611F2"/>
-                </a:solidFill>
-                <a:latin typeface="맑은 고딕" charset="0"/>
-                <a:ea typeface="맑은 고딕" charset="0"/>
-              </a:rPr>
-              <a:t>.</a:t>
-            </a:r>
-            <a:r>
-              <a:rPr sz="1800">
-                <a:latin typeface="맑은 고딕" charset="0"/>
-                <a:ea typeface="맑은 고딕" charset="0"/>
-              </a:rPr>
-              <a:t> </a:t>
-            </a:r>
-            <a:r>
-              <a:rPr lang="ko-KR" sz="1800">
-                <a:latin typeface="맑은 고딕" charset="0"/>
-                <a:ea typeface="맑은 고딕" charset="0"/>
-              </a:rPr>
-              <a:t>그</a:t>
-            </a:r>
-            <a:r>
-              <a:rPr lang="ko-KR" sz="1800">
-                <a:latin typeface="맑은 고딕" charset="0"/>
-                <a:ea typeface="맑은 고딕" charset="0"/>
-              </a:rPr>
-              <a:t>러고 나서</a:t>
-            </a:r>
-            <a:r>
-              <a:rPr lang="ko-KR" sz="1800">
-                <a:latin typeface="맑은 고딕" charset="0"/>
-                <a:ea typeface="맑은 고딕" charset="0"/>
-              </a:rPr>
-              <a:t> </a:t>
-            </a:r>
-            <a:r>
-              <a:rPr lang="ko-KR" sz="1800">
-                <a:latin typeface="맑은 고딕" charset="0"/>
-                <a:ea typeface="맑은 고딕" charset="0"/>
-              </a:rPr>
-              <a:t>빈 게임 오브젝트를 생성한 다음 Start Point 라는 이름으로 정의합니다.</a:t>
-            </a:r>
-            <a:endParaRPr lang="ko-KR" altLang="en-US" sz="1800">
-              <a:latin typeface="맑은 고딕" charset="0"/>
-              <a:ea typeface="맑은 고딕" charset="0"/>
-            </a:endParaRPr>
-          </a:p>
-        </p:txBody>
-      </p:sp>
       <p:pic>
         <p:nvPicPr>
-          <p:cNvPr id="1224" name="그림 77"/>
+          <p:cNvPr id="1211" name="그림 18"/>
           <p:cNvPicPr>
             <a:picLocks noChangeAspect="1"/>
           </p:cNvPicPr>
           <p:nvPr/>
         </p:nvPicPr>
         <p:blipFill rotWithShape="1">
-          <a:blip r:embed="rId15" cstate="hqprint">
-            <a:extLst>
-              <a:ext uri="{28A0092B-C50C-407E-A947-70E740481C1C}">
-                <a14:useLocalDpi xmlns:a14="http://schemas.microsoft.com/office/drawing/2010/main"/>
-              </a:ext>
-            </a:extLst>
-          </a:blip>
-          <a:stretch>
-            <a:fillRect/>
-          </a:stretch>
-        </p:blipFill>
-        <p:spPr>
-          <a:xfrm rot="0">
-            <a:off x="1230630" y="3881755"/>
-            <a:ext cx="4148455" cy="1430655"/>
-          </a:xfrm>
-          <a:prstGeom prst="roundRect"/>
-          <a:solidFill>
-            <a:srgbClr val="EDEDED"/>
-          </a:solidFill>
-        </p:spPr>
-      </p:pic>
-      <p:pic>
-        <p:nvPicPr>
-          <p:cNvPr id="1225" name="그림 10"/>
-          <p:cNvPicPr>
-            <a:picLocks noChangeAspect="1"/>
-          </p:cNvPicPr>
-          <p:nvPr/>
-        </p:nvPicPr>
-        <p:blipFill rotWithShape="1">
-          <a:blip r:embed="rId16" cstate="hqprint">
-            <a:extLst>
-              <a:ext uri="{28A0092B-C50C-407E-A947-70E740481C1C}">
-                <a14:useLocalDpi xmlns:a14="http://schemas.microsoft.com/office/drawing/2010/main"/>
-              </a:ext>
-            </a:extLst>
-          </a:blip>
-          <a:stretch>
-            <a:fillRect/>
-          </a:stretch>
-        </p:blipFill>
-        <p:spPr>
-          <a:xfrm rot="0">
-            <a:off x="6808470" y="1446530"/>
-            <a:ext cx="2546985" cy="3533775"/>
-          </a:xfrm>
-          <a:prstGeom prst="roundRect"/>
-          <a:solidFill>
-            <a:srgbClr val="EDEDED"/>
-          </a:solidFill>
-        </p:spPr>
-      </p:pic>
-      <p:pic>
-        <p:nvPicPr>
-          <p:cNvPr id="1226" name="그림 15"/>
-          <p:cNvPicPr>
-            <a:picLocks noChangeAspect="1"/>
-          </p:cNvPicPr>
-          <p:nvPr/>
-        </p:nvPicPr>
-        <p:blipFill rotWithShape="1">
-          <a:blip r:embed="rId17" cstate="print">
+          <a:blip r:embed="rId5" cstate="print">
             <a:extLst>
               <a:ext uri="{28A0092B-C50C-407E-A947-70E740481C1C}">
                 <a14:useLocalDpi xmlns:a14="http://schemas.microsoft.com/office/drawing/2010/main" val="0"/>
@@ -9727,8 +9635,8 @@
         </p:blipFill>
         <p:spPr>
           <a:xfrm rot="0">
-            <a:off x="9526905" y="2094865"/>
-            <a:ext cx="1426210" cy="2236470"/>
+            <a:off x="3973830" y="2078355"/>
+            <a:ext cx="1388745" cy="2294890"/>
           </a:xfrm>
           <a:prstGeom prst="roundRect"/>
           <a:solidFill>
@@ -9736,6 +9644,294 @@
           </a:solidFill>
         </p:spPr>
       </p:pic>
+      <p:pic>
+        <p:nvPicPr>
+          <p:cNvPr id="1212" name="그림 21"/>
+          <p:cNvPicPr>
+            <a:picLocks noChangeAspect="1"/>
+          </p:cNvPicPr>
+          <p:nvPr/>
+        </p:nvPicPr>
+        <p:blipFill rotWithShape="1">
+          <a:blip r:embed="rId6" cstate="print">
+            <a:extLst>
+              <a:ext uri="{28A0092B-C50C-407E-A947-70E740481C1C}">
+                <a14:useLocalDpi xmlns:a14="http://schemas.microsoft.com/office/drawing/2010/main" val="0"/>
+              </a:ext>
+            </a:extLst>
+          </a:blip>
+          <a:stretch>
+            <a:fillRect/>
+          </a:stretch>
+        </p:blipFill>
+        <p:spPr>
+          <a:xfrm rot="0">
+            <a:off x="6824980" y="1454785"/>
+            <a:ext cx="4132580" cy="1466850"/>
+          </a:xfrm>
+          <a:prstGeom prst="roundRect"/>
+          <a:solidFill>
+            <a:srgbClr val="EDEDED"/>
+          </a:solidFill>
+        </p:spPr>
+      </p:pic>
+      <p:sp>
+        <p:nvSpPr>
+          <p:cNvPr id="1213" name="텍스트 상자 24"/>
+          <p:cNvSpPr txBox="1">
+            <a:spLocks/>
+          </p:cNvSpPr>
+          <p:nvPr/>
+        </p:nvSpPr>
+        <p:spPr>
+          <a:xfrm rot="0">
+            <a:off x="6827520" y="3042920"/>
+            <a:ext cx="4121785" cy="647065"/>
+          </a:xfrm>
+          <a:prstGeom prst="rect"/>
+          <a:noFill/>
+          <a:ln w="0">
+            <a:noFill/>
+            <a:prstDash/>
+          </a:ln>
+        </p:spPr>
+        <p:txBody>
+          <a:bodyPr wrap="square" lIns="89535" tIns="46355" rIns="89535" bIns="46355" numCol="1" vert="horz" anchor="t">
+            <a:spAutoFit/>
+          </a:bodyPr>
+          <a:lstStyle/>
+          <a:p>
+            <a:pPr marL="0" indent="0" rtl="0" algn="l" defTabSz="914400" eaLnBrk="1" latinLnBrk="0" hangingPunct="1">
+              <a:buFontTx/>
+              <a:buNone/>
+            </a:pPr>
+            <a:r>
+              <a:rPr sz="1800" b="1">
+                <a:solidFill>
+                  <a:srgbClr val="0611F2"/>
+                </a:solidFill>
+                <a:latin typeface="맑은 고딕" charset="0"/>
+                <a:ea typeface="맑은 고딕" charset="0"/>
+              </a:rPr>
+              <a:t>2</a:t>
+            </a:r>
+            <a:r>
+              <a:rPr lang="ko-KR" sz="1800" b="1">
+                <a:solidFill>
+                  <a:srgbClr val="0611F2"/>
+                </a:solidFill>
+                <a:latin typeface="맑은 고딕" charset="0"/>
+                <a:ea typeface="맑은 고딕" charset="0"/>
+              </a:rPr>
+              <a:t>8</a:t>
+            </a:r>
+            <a:r>
+              <a:rPr sz="1800" b="1">
+                <a:solidFill>
+                  <a:srgbClr val="0611F2"/>
+                </a:solidFill>
+                <a:latin typeface="맑은 고딕" charset="0"/>
+                <a:ea typeface="맑은 고딕" charset="0"/>
+              </a:rPr>
+              <a:t>.</a:t>
+            </a:r>
+            <a:r>
+              <a:rPr sz="1800">
+                <a:latin typeface="맑은 고딕" charset="0"/>
+                <a:ea typeface="맑은 고딕" charset="0"/>
+              </a:rPr>
+              <a:t> </a:t>
+            </a:r>
+            <a:r>
+              <a:rPr lang="ko-KR" sz="1800">
+                <a:latin typeface="맑은 고딕" charset="0"/>
+                <a:ea typeface="맑은 고딕" charset="0"/>
+              </a:rPr>
+              <a:t>이제 Start Point 오브젝트의 위치를 설정합니다.</a:t>
+            </a:r>
+            <a:endParaRPr lang="ko-KR" altLang="en-US" sz="1800">
+              <a:latin typeface="맑은 고딕" charset="0"/>
+              <a:ea typeface="맑은 고딕" charset="0"/>
+            </a:endParaRPr>
+          </a:p>
+        </p:txBody>
+      </p:sp>
+      <p:sp>
+        <p:nvSpPr>
+          <p:cNvPr id="1216" name="텍스트 상자 31"/>
+          <p:cNvSpPr txBox="1">
+            <a:spLocks/>
+          </p:cNvSpPr>
+          <p:nvPr/>
+        </p:nvSpPr>
+        <p:spPr>
+          <a:xfrm rot="0">
+            <a:off x="6817995" y="5202555"/>
+            <a:ext cx="4136390" cy="923925"/>
+          </a:xfrm>
+          <a:prstGeom prst="rect"/>
+          <a:noFill/>
+          <a:ln w="0">
+            <a:noFill/>
+            <a:prstDash/>
+          </a:ln>
+        </p:spPr>
+        <p:txBody>
+          <a:bodyPr wrap="square" lIns="89535" tIns="46355" rIns="89535" bIns="46355" numCol="1" vert="horz" anchor="t">
+            <a:spAutoFit/>
+          </a:bodyPr>
+          <a:lstStyle/>
+          <a:p>
+            <a:pPr marL="0" indent="0" rtl="0" algn="l" defTabSz="914400" eaLnBrk="1" latinLnBrk="0" hangingPunct="1">
+              <a:buFontTx/>
+              <a:buNone/>
+            </a:pPr>
+            <a:r>
+              <a:rPr sz="1800" b="1">
+                <a:solidFill>
+                  <a:srgbClr val="0611F2"/>
+                </a:solidFill>
+                <a:latin typeface="맑은 고딕" charset="0"/>
+                <a:ea typeface="맑은 고딕" charset="0"/>
+              </a:rPr>
+              <a:t>2</a:t>
+            </a:r>
+            <a:r>
+              <a:rPr lang="ko-KR" sz="1800" b="1">
+                <a:solidFill>
+                  <a:srgbClr val="0611F2"/>
+                </a:solidFill>
+                <a:latin typeface="맑은 고딕" charset="0"/>
+                <a:ea typeface="맑은 고딕" charset="0"/>
+              </a:rPr>
+              <a:t>9</a:t>
+            </a:r>
+            <a:r>
+              <a:rPr sz="1800" b="1">
+                <a:solidFill>
+                  <a:srgbClr val="0611F2"/>
+                </a:solidFill>
+                <a:latin typeface="맑은 고딕" charset="0"/>
+                <a:ea typeface="맑은 고딕" charset="0"/>
+              </a:rPr>
+              <a:t>.</a:t>
+            </a:r>
+            <a:r>
+              <a:rPr sz="1800">
+                <a:latin typeface="맑은 고딕" charset="0"/>
+                <a:ea typeface="맑은 고딕" charset="0"/>
+              </a:rPr>
+              <a:t> </a:t>
+            </a:r>
+            <a:r>
+              <a:rPr lang="ko-KR" sz="1800">
+                <a:latin typeface="맑은 고딕" charset="0"/>
+                <a:ea typeface="맑은 고딕" charset="0"/>
+              </a:rPr>
+              <a:t>그다음 Front Rampart 오브젝트에 있는 Off Mesh Link의 Start에 Start Point 오브젝트를 넣어줍니다.</a:t>
+            </a:r>
+            <a:endParaRPr lang="ko-KR" altLang="en-US" sz="1800">
+              <a:latin typeface="맑은 고딕" charset="0"/>
+              <a:ea typeface="맑은 고딕" charset="0"/>
+            </a:endParaRPr>
+          </a:p>
+        </p:txBody>
+      </p:sp>
+      <p:pic>
+        <p:nvPicPr>
+          <p:cNvPr id="1217" name="그림 36"/>
+          <p:cNvPicPr>
+            <a:picLocks noChangeAspect="1"/>
+          </p:cNvPicPr>
+          <p:nvPr/>
+        </p:nvPicPr>
+        <p:blipFill rotWithShape="1">
+          <a:blip r:embed="rId7" cstate="print">
+            <a:extLst>
+              <a:ext uri="{28A0092B-C50C-407E-A947-70E740481C1C}">
+                <a14:useLocalDpi xmlns:a14="http://schemas.microsoft.com/office/drawing/2010/main" val="0"/>
+              </a:ext>
+            </a:extLst>
+          </a:blip>
+          <a:stretch>
+            <a:fillRect/>
+          </a:stretch>
+        </p:blipFill>
+        <p:spPr>
+          <a:xfrm rot="0">
+            <a:off x="6823075" y="3841750"/>
+            <a:ext cx="1273810" cy="1231265"/>
+          </a:xfrm>
+          <a:prstGeom prst="roundRect"/>
+          <a:solidFill>
+            <a:srgbClr val="EDEDED"/>
+          </a:solidFill>
+        </p:spPr>
+      </p:pic>
+      <p:pic>
+        <p:nvPicPr>
+          <p:cNvPr id="1218" name="그림 39"/>
+          <p:cNvPicPr>
+            <a:picLocks noChangeAspect="1"/>
+          </p:cNvPicPr>
+          <p:nvPr/>
+        </p:nvPicPr>
+        <p:blipFill rotWithShape="1">
+          <a:blip r:embed="rId8" cstate="print">
+            <a:extLst>
+              <a:ext uri="{28A0092B-C50C-407E-A947-70E740481C1C}">
+                <a14:useLocalDpi xmlns:a14="http://schemas.microsoft.com/office/drawing/2010/main" val="0"/>
+              </a:ext>
+            </a:extLst>
+          </a:blip>
+          <a:stretch>
+            <a:fillRect/>
+          </a:stretch>
+        </p:blipFill>
+        <p:spPr>
+          <a:xfrm rot="0">
+            <a:off x="8230870" y="3841750"/>
+            <a:ext cx="2723515" cy="1231265"/>
+          </a:xfrm>
+          <a:prstGeom prst="roundRect"/>
+          <a:solidFill>
+            <a:srgbClr val="EDEDED"/>
+          </a:solidFill>
+        </p:spPr>
+      </p:pic>
+      <p:cxnSp>
+        <p:nvCxnSpPr>
+          <p:cNvPr id="1219" name="도형 42"/>
+          <p:cNvCxnSpPr/>
+          <p:nvPr/>
+        </p:nvCxnSpPr>
+        <p:spPr>
+          <a:xfrm rot="0" flipV="1">
+            <a:off x="7754620" y="4104005"/>
+            <a:ext cx="3120390" cy="722630"/>
+          </a:xfrm>
+          <a:prstGeom prst="straightConnector1"/>
+          <a:ln w="6350" cap="flat" cmpd="sng">
+            <a:prstDash/>
+            <a:headEnd type="none" w="med" len="med"/>
+            <a:tailEnd type="triangle" w="med" len="med"/>
+          </a:ln>
+        </p:spPr>
+        <p:style>
+          <a:lnRef idx="1">
+            <a:schemeClr val="accent1"/>
+          </a:lnRef>
+          <a:fillRef idx="0">
+            <a:schemeClr val="accent1"/>
+          </a:fillRef>
+          <a:effectRef idx="0">
+            <a:schemeClr val="accent1"/>
+          </a:effectRef>
+          <a:fontRef idx="minor">
+            <a:schemeClr val="tx1"/>
+          </a:fontRef>
+        </p:style>
+      </p:cxnSp>
     </p:spTree>
   </p:cSld>
   <p:clrMapOvr>
@@ -9786,8 +9982,8 @@
         </p:nvSpPr>
         <p:spPr>
           <a:xfrm rot="0">
-            <a:off x="4509770" y="354965"/>
-            <a:ext cx="3180715" cy="478155"/>
+            <a:off x="4564380" y="370840"/>
+            <a:ext cx="3071495" cy="478155"/>
           </a:xfrm>
           <a:prstGeom prst="rect"/>
           <a:noFill/>
@@ -9814,17 +10010,7 @@
                 <a:latin typeface="나눔바른고딕" charset="0"/>
                 <a:ea typeface="나눔바른고딕" charset="0"/>
               </a:rPr>
-              <a:t>열</a:t>
-            </a:r>
-            <a:r>
-              <a:rPr lang="ko-KR" altLang="en-US" sz="2500" b="1">
-                <a:solidFill>
-                  <a:schemeClr val="tx1"/>
-                </a:solidFill>
-                <a:latin typeface="나눔바른고딕" charset="0"/>
-                <a:ea typeface="나눔바른고딕" charset="0"/>
-              </a:rPr>
-              <a:t> 번째 튜토리얼</a:t>
+              <a:t>열한 번째 튜토리얼</a:t>
             </a:r>
             <a:endParaRPr lang="ko-KR" altLang="en-US" sz="2500" b="1">
               <a:solidFill>
@@ -9838,7 +10024,7 @@
       </p:sp>
       <p:sp>
         <p:nvSpPr>
-          <p:cNvPr id="1200" name="Rect 0"/>
+          <p:cNvPr id="1192" name="Rect 0"/>
           <p:cNvSpPr txBox="1">
             <a:spLocks/>
           </p:cNvSpPr>
@@ -9846,8 +10032,8 @@
         </p:nvSpPr>
         <p:spPr>
           <a:xfrm rot="0">
-            <a:off x="1226820" y="5200650"/>
-            <a:ext cx="4135755" cy="923925"/>
+            <a:off x="1238250" y="5240020"/>
+            <a:ext cx="4131310" cy="923925"/>
           </a:xfrm>
           <a:prstGeom prst="rect"/>
           <a:noFill/>
@@ -9874,7 +10060,7 @@
                 <a:latin typeface="맑은 고딕" charset="0"/>
                 <a:ea typeface="맑은 고딕" charset="0"/>
               </a:rPr>
-              <a:t>27</a:t>
+              <a:t>31</a:t>
             </a:r>
             <a:r>
               <a:rPr sz="1800" b="1">
@@ -9898,21 +10084,7 @@
                 <a:latin typeface="맑은 고딕" charset="0"/>
                 <a:ea typeface="맑은 고딕" charset="0"/>
               </a:rPr>
-              <a:t>그리고 빈 게임 오브젝트를 생성</a:t>
-            </a:r>
-            <a:r>
-              <a:rPr lang="ko-KR" sz="1800">
-                <a:latin typeface="맑은 고딕" charset="0"/>
-                <a:ea typeface="맑은 고딕" charset="0"/>
-              </a:rPr>
-              <a:t>한 다음 End Point 라는 이름으</a:t>
-            </a:r>
-            <a:r>
-              <a:rPr lang="ko-KR" sz="1800">
-                <a:latin typeface="맑은 고딕" charset="0"/>
-                <a:ea typeface="맑은 고딕" charset="0"/>
-              </a:rPr>
-              <a:t>로 정의합니다.</a:t>
+              <a:t>그리고 Front Rampart 오브젝트에 있는 Off Mesh Link의 End에 End Point 오브젝트를 넣어줍니다.</a:t>
             </a:r>
             <a:endParaRPr lang="ko-KR" altLang="en-US" sz="1800">
               <a:latin typeface="맑은 고딕" charset="0"/>
@@ -9923,14 +10095,14 @@
       </p:sp>
       <p:pic>
         <p:nvPicPr>
-          <p:cNvPr id="1210" name="Picture "/>
+          <p:cNvPr id="1213" name="그림 43"/>
           <p:cNvPicPr>
             <a:picLocks noChangeAspect="1"/>
           </p:cNvPicPr>
           <p:nvPr/>
         </p:nvPicPr>
         <p:blipFill rotWithShape="1">
-          <a:blip r:embed="rId2" cstate="hqprint">
+          <a:blip r:embed="rId11" cstate="hqprint">
             <a:extLst>
               <a:ext uri="{28A0092B-C50C-407E-A947-70E740481C1C}">
                 <a14:useLocalDpi xmlns:a14="http://schemas.microsoft.com/office/drawing/2010/main"/>
@@ -9943,8 +10115,8 @@
         </p:blipFill>
         <p:spPr>
           <a:xfrm rot="0">
-            <a:off x="1230630" y="1454785"/>
-            <a:ext cx="2544445" cy="3566795"/>
+            <a:off x="1229995" y="1454785"/>
+            <a:ext cx="4149090" cy="1429385"/>
           </a:xfrm>
           <a:prstGeom prst="roundRect"/>
           <a:solidFill>
@@ -9952,19 +10124,90 @@
           </a:solidFill>
         </p:spPr>
       </p:pic>
+      <p:sp>
+        <p:nvSpPr>
+          <p:cNvPr id="1214" name="텍스트 상자 46"/>
+          <p:cNvSpPr txBox="1">
+            <a:spLocks/>
+          </p:cNvSpPr>
+          <p:nvPr/>
+        </p:nvSpPr>
+        <p:spPr>
+          <a:xfrm rot="0">
+            <a:off x="1242695" y="3008630"/>
+            <a:ext cx="4126865" cy="647065"/>
+          </a:xfrm>
+          <a:prstGeom prst="rect"/>
+          <a:noFill/>
+          <a:ln w="0">
+            <a:noFill/>
+            <a:prstDash/>
+          </a:ln>
+        </p:spPr>
+        <p:txBody>
+          <a:bodyPr wrap="square" lIns="89535" tIns="46355" rIns="89535" bIns="46355" numCol="1" vert="horz" anchor="t">
+            <a:spAutoFit/>
+          </a:bodyPr>
+          <a:lstStyle/>
+          <a:p>
+            <a:pPr marL="0" indent="0" rtl="0" algn="l" defTabSz="914400" eaLnBrk="1" latinLnBrk="0" hangingPunct="1">
+              <a:buFontTx/>
+              <a:buNone/>
+            </a:pPr>
+            <a:r>
+              <a:rPr lang="ko-KR" sz="1800" b="1">
+                <a:solidFill>
+                  <a:srgbClr val="0611F2"/>
+                </a:solidFill>
+                <a:latin typeface="맑은 고딕" charset="0"/>
+                <a:ea typeface="맑은 고딕" charset="0"/>
+              </a:rPr>
+              <a:t>30</a:t>
+            </a:r>
+            <a:r>
+              <a:rPr sz="1800" b="1">
+                <a:solidFill>
+                  <a:srgbClr val="0611F2"/>
+                </a:solidFill>
+                <a:latin typeface="맑은 고딕" charset="0"/>
+                <a:ea typeface="맑은 고딕" charset="0"/>
+              </a:rPr>
+              <a:t>.</a:t>
+            </a:r>
+            <a:r>
+              <a:rPr sz="1800">
+                <a:latin typeface="맑은 고딕" charset="0"/>
+                <a:ea typeface="맑은 고딕" charset="0"/>
+              </a:rPr>
+              <a:t> </a:t>
+            </a:r>
+            <a:r>
+              <a:rPr lang="ko-KR" sz="1800">
+                <a:latin typeface="맑은 고딕" charset="0"/>
+                <a:ea typeface="맑은 고딕" charset="0"/>
+              </a:rPr>
+              <a:t>그런 다음 End Point 오브젝트의 위치를 설정합니다.</a:t>
+            </a:r>
+            <a:endParaRPr lang="ko-KR" altLang="en-US" sz="1800">
+              <a:latin typeface="맑은 고딕" charset="0"/>
+              <a:ea typeface="맑은 고딕" charset="0"/>
+            </a:endParaRPr>
+          </a:p>
+        </p:txBody>
+      </p:sp>
       <p:pic>
         <p:nvPicPr>
-          <p:cNvPr id="1211" name="그림 18"/>
+          <p:cNvPr id="1215" name="그림 47"/>
           <p:cNvPicPr>
             <a:picLocks noChangeAspect="1"/>
           </p:cNvPicPr>
           <p:nvPr/>
         </p:nvPicPr>
         <p:blipFill rotWithShape="1">
-          <a:blip r:embed="rId5" cstate="print">
+          <a:blip r:embed="rId12" cstate="hqprint">
             <a:extLst>
               <a:ext uri="{28A0092B-C50C-407E-A947-70E740481C1C}">
-                <a14:useLocalDpi xmlns:a14="http://schemas.microsoft.com/office/drawing/2010/main" val="0"/>
+                <a14:useLocalDpi xmlns:a14="http://schemas.microsoft.com/office/drawing/2010/main"/>
               </a:ext>
             </a:extLst>
           </a:blip>
@@ -9974,8 +10217,8 @@
         </p:blipFill>
         <p:spPr>
           <a:xfrm rot="0">
-            <a:off x="3973830" y="2078355"/>
-            <a:ext cx="1388745" cy="2294890"/>
+            <a:off x="1238250" y="3809365"/>
+            <a:ext cx="1291590" cy="1289685"/>
           </a:xfrm>
           <a:prstGeom prst="roundRect"/>
           <a:solidFill>
@@ -9985,17 +10228,17 @@
       </p:pic>
       <p:pic>
         <p:nvPicPr>
-          <p:cNvPr id="1212" name="그림 21"/>
+          <p:cNvPr id="1216" name="그림 50" descr="C:/Users/Admin1/AppData/Roaming/PolarisOffice/ETemp/20768_20502728/fImage144112638145.png"/>
           <p:cNvPicPr>
             <a:picLocks noChangeAspect="1"/>
           </p:cNvPicPr>
           <p:nvPr/>
         </p:nvPicPr>
         <p:blipFill rotWithShape="1">
-          <a:blip r:embed="rId6" cstate="print">
+          <a:blip r:embed="rId13" cstate="hqprint">
             <a:extLst>
               <a:ext uri="{28A0092B-C50C-407E-A947-70E740481C1C}">
-                <a14:useLocalDpi xmlns:a14="http://schemas.microsoft.com/office/drawing/2010/main" val="0"/>
+                <a14:useLocalDpi xmlns:a14="http://schemas.microsoft.com/office/drawing/2010/main"/>
               </a:ext>
             </a:extLst>
           </a:blip>
@@ -10005,8 +10248,8 @@
         </p:blipFill>
         <p:spPr>
           <a:xfrm rot="0">
-            <a:off x="6824980" y="1454785"/>
-            <a:ext cx="4132580" cy="1466850"/>
+            <a:off x="2710815" y="3809365"/>
+            <a:ext cx="2660015" cy="1300480"/>
           </a:xfrm>
           <a:prstGeom prst="roundRect"/>
           <a:solidFill>
@@ -10014,245 +10257,20 @@
           </a:solidFill>
         </p:spPr>
       </p:pic>
-      <p:sp>
-        <p:nvSpPr>
-          <p:cNvPr id="1213" name="텍스트 상자 24"/>
-          <p:cNvSpPr txBox="1">
-            <a:spLocks/>
-          </p:cNvSpPr>
-          <p:nvPr/>
-        </p:nvSpPr>
-        <p:spPr>
-          <a:xfrm rot="0">
-            <a:off x="6827520" y="3042920"/>
-            <a:ext cx="4121785" cy="647065"/>
-          </a:xfrm>
-          <a:prstGeom prst="rect"/>
-          <a:noFill/>
-          <a:ln w="0">
-            <a:noFill/>
-            <a:prstDash/>
-          </a:ln>
-        </p:spPr>
-        <p:txBody>
-          <a:bodyPr wrap="square" lIns="89535" tIns="46355" rIns="89535" bIns="46355" numCol="1" vert="horz" anchor="t">
-            <a:spAutoFit/>
-          </a:bodyPr>
-          <a:lstStyle/>
-          <a:p>
-            <a:pPr marL="0" indent="0" rtl="0" algn="l" defTabSz="914400" eaLnBrk="1" latinLnBrk="0" hangingPunct="1">
-              <a:buFontTx/>
-              <a:buNone/>
-            </a:pPr>
-            <a:r>
-              <a:rPr sz="1800" b="1">
-                <a:solidFill>
-                  <a:srgbClr val="0611F2"/>
-                </a:solidFill>
-                <a:latin typeface="맑은 고딕" charset="0"/>
-                <a:ea typeface="맑은 고딕" charset="0"/>
-              </a:rPr>
-              <a:t>2</a:t>
-            </a:r>
-            <a:r>
-              <a:rPr lang="ko-KR" sz="1800" b="1">
-                <a:solidFill>
-                  <a:srgbClr val="0611F2"/>
-                </a:solidFill>
-                <a:latin typeface="맑은 고딕" charset="0"/>
-                <a:ea typeface="맑은 고딕" charset="0"/>
-              </a:rPr>
-              <a:t>8</a:t>
-            </a:r>
-            <a:r>
-              <a:rPr sz="1800" b="1">
-                <a:solidFill>
-                  <a:srgbClr val="0611F2"/>
-                </a:solidFill>
-                <a:latin typeface="맑은 고딕" charset="0"/>
-                <a:ea typeface="맑은 고딕" charset="0"/>
-              </a:rPr>
-              <a:t>.</a:t>
-            </a:r>
-            <a:r>
-              <a:rPr sz="1800">
-                <a:latin typeface="맑은 고딕" charset="0"/>
-                <a:ea typeface="맑은 고딕" charset="0"/>
-              </a:rPr>
-              <a:t> </a:t>
-            </a:r>
-            <a:r>
-              <a:rPr lang="ko-KR" sz="1800">
-                <a:latin typeface="맑은 고딕" charset="0"/>
-                <a:ea typeface="맑은 고딕" charset="0"/>
-              </a:rPr>
-              <a:t>이제 Start Point 오브젝트의 위치를 설정합니다.</a:t>
-            </a:r>
-            <a:endParaRPr lang="ko-KR" altLang="en-US" sz="1800">
-              <a:latin typeface="맑은 고딕" charset="0"/>
-              <a:ea typeface="맑은 고딕" charset="0"/>
-            </a:endParaRPr>
-          </a:p>
-        </p:txBody>
-      </p:sp>
-      <p:sp>
-        <p:nvSpPr>
-          <p:cNvPr id="1216" name="텍스트 상자 31"/>
-          <p:cNvSpPr txBox="1">
-            <a:spLocks/>
-          </p:cNvSpPr>
-          <p:nvPr/>
-        </p:nvSpPr>
-        <p:spPr>
-          <a:xfrm rot="0">
-            <a:off x="6817995" y="5202555"/>
-            <a:ext cx="4136390" cy="923925"/>
-          </a:xfrm>
-          <a:prstGeom prst="rect"/>
-          <a:noFill/>
-          <a:ln w="0">
-            <a:noFill/>
-            <a:prstDash/>
-          </a:ln>
-        </p:spPr>
-        <p:txBody>
-          <a:bodyPr wrap="square" lIns="89535" tIns="46355" rIns="89535" bIns="46355" numCol="1" vert="horz" anchor="t">
-            <a:spAutoFit/>
-          </a:bodyPr>
-          <a:lstStyle/>
-          <a:p>
-            <a:pPr marL="0" indent="0" rtl="0" algn="l" defTabSz="914400" eaLnBrk="1" latinLnBrk="0" hangingPunct="1">
-              <a:buFontTx/>
-              <a:buNone/>
-            </a:pPr>
-            <a:r>
-              <a:rPr sz="1800" b="1">
-                <a:solidFill>
-                  <a:srgbClr val="0611F2"/>
-                </a:solidFill>
-                <a:latin typeface="맑은 고딕" charset="0"/>
-                <a:ea typeface="맑은 고딕" charset="0"/>
-              </a:rPr>
-              <a:t>2</a:t>
-            </a:r>
-            <a:r>
-              <a:rPr lang="ko-KR" sz="1800" b="1">
-                <a:solidFill>
-                  <a:srgbClr val="0611F2"/>
-                </a:solidFill>
-                <a:latin typeface="맑은 고딕" charset="0"/>
-                <a:ea typeface="맑은 고딕" charset="0"/>
-              </a:rPr>
-              <a:t>9</a:t>
-            </a:r>
-            <a:r>
-              <a:rPr sz="1800" b="1">
-                <a:solidFill>
-                  <a:srgbClr val="0611F2"/>
-                </a:solidFill>
-                <a:latin typeface="맑은 고딕" charset="0"/>
-                <a:ea typeface="맑은 고딕" charset="0"/>
-              </a:rPr>
-              <a:t>.</a:t>
-            </a:r>
-            <a:r>
-              <a:rPr sz="1800">
-                <a:latin typeface="맑은 고딕" charset="0"/>
-                <a:ea typeface="맑은 고딕" charset="0"/>
-              </a:rPr>
-              <a:t> </a:t>
-            </a:r>
-            <a:r>
-              <a:rPr lang="ko-KR" sz="1800">
-                <a:latin typeface="맑은 고딕" charset="0"/>
-                <a:ea typeface="맑은 고딕" charset="0"/>
-              </a:rPr>
-              <a:t>그다음 Front Rampart 오브젝트에 있는 Off Mesh Link의 Start에 Start Point 오브젝트를 넣어줍니다.</a:t>
-            </a:r>
-            <a:endParaRPr lang="ko-KR" altLang="en-US" sz="1800">
-              <a:latin typeface="맑은 고딕" charset="0"/>
-              <a:ea typeface="맑은 고딕" charset="0"/>
-            </a:endParaRPr>
-          </a:p>
-        </p:txBody>
-      </p:sp>
-      <p:pic>
-        <p:nvPicPr>
-          <p:cNvPr id="1217" name="그림 36"/>
-          <p:cNvPicPr>
-            <a:picLocks noChangeAspect="1"/>
-          </p:cNvPicPr>
-          <p:nvPr/>
-        </p:nvPicPr>
-        <p:blipFill rotWithShape="1">
-          <a:blip r:embed="rId7" cstate="print">
-            <a:extLst>
-              <a:ext uri="{28A0092B-C50C-407E-A947-70E740481C1C}">
-                <a14:useLocalDpi xmlns:a14="http://schemas.microsoft.com/office/drawing/2010/main" val="0"/>
-              </a:ext>
-            </a:extLst>
-          </a:blip>
-          <a:stretch>
-            <a:fillRect/>
-          </a:stretch>
-        </p:blipFill>
-        <p:spPr>
-          <a:xfrm rot="0">
-            <a:off x="6823075" y="3841750"/>
-            <a:ext cx="1273810" cy="1231265"/>
-          </a:xfrm>
-          <a:prstGeom prst="roundRect"/>
-          <a:solidFill>
-            <a:srgbClr val="EDEDED"/>
-          </a:solidFill>
-        </p:spPr>
-      </p:pic>
-      <p:pic>
-        <p:nvPicPr>
-          <p:cNvPr id="1218" name="그림 39"/>
-          <p:cNvPicPr>
-            <a:picLocks noChangeAspect="1"/>
-          </p:cNvPicPr>
-          <p:nvPr/>
-        </p:nvPicPr>
-        <p:blipFill rotWithShape="1">
-          <a:blip r:embed="rId8" cstate="print">
-            <a:extLst>
-              <a:ext uri="{28A0092B-C50C-407E-A947-70E740481C1C}">
-                <a14:useLocalDpi xmlns:a14="http://schemas.microsoft.com/office/drawing/2010/main" val="0"/>
-              </a:ext>
-            </a:extLst>
-          </a:blip>
-          <a:stretch>
-            <a:fillRect/>
-          </a:stretch>
-        </p:blipFill>
-        <p:spPr>
-          <a:xfrm rot="0">
-            <a:off x="8230870" y="3841750"/>
-            <a:ext cx="2723515" cy="1231265"/>
-          </a:xfrm>
-          <a:prstGeom prst="roundRect"/>
-          <a:solidFill>
-            <a:srgbClr val="EDEDED"/>
-          </a:solidFill>
-        </p:spPr>
-      </p:pic>
       <p:cxnSp>
         <p:nvCxnSpPr>
-          <p:cNvPr id="1219" name="도형 42"/>
+          <p:cNvPr id="1217" name="도형 53"/>
           <p:cNvCxnSpPr/>
           <p:nvPr/>
         </p:nvCxnSpPr>
         <p:spPr>
           <a:xfrm rot="0" flipV="1">
-            <a:off x="7754620" y="4104005"/>
-            <a:ext cx="3120390" cy="722630"/>
+            <a:off x="2121535" y="4224655"/>
+            <a:ext cx="3153410" cy="798830"/>
           </a:xfrm>
           <a:prstGeom prst="straightConnector1"/>
           <a:ln w="6350" cap="flat" cmpd="sng">
             <a:prstDash/>
-            <a:headEnd type="none" w="med" len="med"/>
             <a:tailEnd type="triangle" w="med" len="med"/>
           </a:ln>
         </p:spPr>
@@ -10271,6 +10289,163 @@
           </a:fontRef>
         </p:style>
       </p:cxnSp>
+      <p:pic>
+        <p:nvPicPr>
+          <p:cNvPr id="1218" name="그림 1" descr="C:/Users/Admin1/AppData/Roaming/PolarisOffice/ETemp/20768_20502728/fImage85063979718.png"/>
+          <p:cNvPicPr>
+            <a:picLocks noChangeAspect="1"/>
+          </p:cNvPicPr>
+          <p:nvPr/>
+        </p:nvPicPr>
+        <p:blipFill rotWithShape="1">
+          <a:blip r:embed="rId14" cstate="hqprint">
+            <a:extLst>
+              <a:ext uri="{28A0092B-C50C-407E-A947-70E740481C1C}">
+                <a14:useLocalDpi xmlns:a14="http://schemas.microsoft.com/office/drawing/2010/main"/>
+              </a:ext>
+            </a:extLst>
+          </a:blip>
+          <a:stretch>
+            <a:fillRect/>
+          </a:stretch>
+        </p:blipFill>
+        <p:spPr>
+          <a:xfrm rot="0">
+            <a:off x="6808470" y="1454785"/>
+            <a:ext cx="2628265" cy="3550920"/>
+          </a:xfrm>
+          <a:prstGeom prst="roundRect"/>
+          <a:solidFill>
+            <a:srgbClr val="EDEDED"/>
+          </a:solidFill>
+        </p:spPr>
+      </p:pic>
+      <p:pic>
+        <p:nvPicPr>
+          <p:cNvPr id="1219" name="그림 2"/>
+          <p:cNvPicPr>
+            <a:picLocks noChangeAspect="1"/>
+          </p:cNvPicPr>
+          <p:nvPr/>
+        </p:nvPicPr>
+        <p:blipFill rotWithShape="1">
+          <a:blip r:embed="rId15" cstate="print">
+            <a:extLst>
+              <a:ext uri="{28A0092B-C50C-407E-A947-70E740481C1C}">
+                <a14:useLocalDpi xmlns:a14="http://schemas.microsoft.com/office/drawing/2010/main" val="0"/>
+              </a:ext>
+            </a:extLst>
+          </a:blip>
+          <a:stretch>
+            <a:fillRect/>
+          </a:stretch>
+        </p:blipFill>
+        <p:spPr>
+          <a:xfrm rot="0">
+            <a:off x="9634855" y="2169795"/>
+            <a:ext cx="1330960" cy="2120265"/>
+          </a:xfrm>
+          <a:prstGeom prst="roundRect"/>
+          <a:solidFill>
+            <a:srgbClr val="EDEDED"/>
+          </a:solidFill>
+        </p:spPr>
+      </p:pic>
+      <p:sp>
+        <p:nvSpPr>
+          <p:cNvPr id="1220" name="텍스트 상자 5"/>
+          <p:cNvSpPr txBox="1">
+            <a:spLocks/>
+          </p:cNvSpPr>
+          <p:nvPr/>
+        </p:nvSpPr>
+        <p:spPr>
+          <a:xfrm rot="0">
+            <a:off x="6804660" y="5236845"/>
+            <a:ext cx="4152900" cy="923925"/>
+          </a:xfrm>
+          <a:prstGeom prst="rect"/>
+          <a:noFill/>
+          <a:ln w="0">
+            <a:noFill/>
+            <a:prstDash/>
+          </a:ln>
+        </p:spPr>
+        <p:txBody>
+          <a:bodyPr wrap="square" lIns="89535" tIns="46355" rIns="89535" bIns="46355" numCol="1" vert="horz" anchor="t">
+            <a:spAutoFit/>
+          </a:bodyPr>
+          <a:lstStyle/>
+          <a:p>
+            <a:pPr marL="0" indent="0" rtl="0" algn="l" defTabSz="914400" eaLnBrk="1" latinLnBrk="0" hangingPunct="1">
+              <a:buFontTx/>
+              <a:buNone/>
+            </a:pPr>
+            <a:r>
+              <a:rPr sz="1800" b="1">
+                <a:solidFill>
+                  <a:srgbClr val="0611F2"/>
+                </a:solidFill>
+                <a:latin typeface="맑은 고딕" charset="0"/>
+                <a:ea typeface="맑은 고딕" charset="0"/>
+              </a:rPr>
+              <a:t>3</a:t>
+            </a:r>
+            <a:r>
+              <a:rPr sz="1800" b="1">
+                <a:solidFill>
+                  <a:srgbClr val="0611F2"/>
+                </a:solidFill>
+                <a:latin typeface="맑은 고딕" charset="0"/>
+                <a:ea typeface="맑은 고딕" charset="0"/>
+              </a:rPr>
+              <a:t>2</a:t>
+            </a:r>
+            <a:r>
+              <a:rPr sz="1800" b="1">
+                <a:solidFill>
+                  <a:srgbClr val="0611F2"/>
+                </a:solidFill>
+                <a:latin typeface="맑은 고딕" charset="0"/>
+                <a:ea typeface="맑은 고딕" charset="0"/>
+              </a:rPr>
+              <a:t>.</a:t>
+            </a:r>
+            <a:r>
+              <a:rPr sz="1800">
+                <a:latin typeface="맑은 고딕" charset="0"/>
+                <a:ea typeface="맑은 고딕" charset="0"/>
+              </a:rPr>
+              <a:t> </a:t>
+            </a:r>
+            <a:r>
+              <a:rPr lang="ko-KR" sz="1800">
+                <a:latin typeface="맑은 고딕" charset="0"/>
+                <a:ea typeface="맑은 고딕" charset="0"/>
+              </a:rPr>
+              <a:t>그러고 나서</a:t>
+            </a:r>
+            <a:r>
+              <a:rPr lang="ko-KR" sz="1800">
+                <a:latin typeface="맑은 고딕" charset="0"/>
+                <a:ea typeface="맑은 고딕" charset="0"/>
+              </a:rPr>
+              <a:t> </a:t>
+            </a:r>
+            <a:r>
+              <a:rPr lang="ko-KR" sz="1800">
+                <a:latin typeface="맑은 고딕" charset="0"/>
+                <a:ea typeface="맑은 고딕" charset="0"/>
+              </a:rPr>
+              <a:t>빈 게임 오브젝트를 생성한 다음 First Position이라는 이름으로 정의합니다.</a:t>
+            </a:r>
+            <a:endParaRPr lang="ko-KR" altLang="en-US" sz="1800">
+              <a:latin typeface="맑은 고딕" charset="0"/>
+              <a:ea typeface="맑은 고딕" charset="0"/>
+            </a:endParaRPr>
+          </a:p>
+        </p:txBody>
+      </p:sp>
     </p:spTree>
   </p:cSld>
   <p:clrMapOvr>
@@ -10295,7 +10470,7 @@
 </file>
 
 <file path=ppt/slides/slide14.xml><?xml version="1.0" encoding="utf-8"?>
-<p:sld xmlns:a="http://schemas.openxmlformats.org/drawingml/2006/main" xmlns:r="http://schemas.openxmlformats.org/officeDocument/2006/relationships" xmlns:p="http://schemas.openxmlformats.org/presentationml/2006/main" xmlns:p14="http://schemas.microsoft.com/office/powerpoint/2010/main">
+<p:sld xmlns:a="http://schemas.openxmlformats.org/drawingml/2006/main" xmlns:r="http://schemas.openxmlformats.org/officeDocument/2006/relationships" xmlns:p="http://schemas.openxmlformats.org/presentationml/2006/main">
   <p:cSld>
     <p:spTree>
       <p:nvGrpSpPr>
@@ -10322,7 +10497,7 @@
         <p:spPr>
           <a:xfrm rot="0">
             <a:off x="4564380" y="370840"/>
-            <a:ext cx="3071495" cy="478155"/>
+            <a:ext cx="3072130" cy="478155"/>
           </a:xfrm>
           <a:prstGeom prst="rect"/>
           <a:noFill/>
@@ -10349,7 +10524,27 @@
                 <a:latin typeface="나눔바른고딕" charset="0"/>
                 <a:ea typeface="나눔바른고딕" charset="0"/>
               </a:rPr>
-              <a:t>열한 번째 튜토리얼</a:t>
+              <a:t>열</a:t>
+            </a:r>
+            <a:r>
+              <a:rPr lang="ko-KR" altLang="en-US" sz="2500" b="1">
+                <a:solidFill>
+                  <a:schemeClr val="tx1"/>
+                </a:solidFill>
+                <a:latin typeface="나눔바른고딕" charset="0"/>
+                <a:ea typeface="나눔바른고딕" charset="0"/>
+              </a:rPr>
+              <a:t>두</a:t>
+            </a:r>
+            <a:r>
+              <a:rPr lang="ko-KR" altLang="en-US" sz="2500" b="1">
+                <a:solidFill>
+                  <a:schemeClr val="tx1"/>
+                </a:solidFill>
+                <a:latin typeface="나눔바른고딕" charset="0"/>
+                <a:ea typeface="나눔바른고딕" charset="0"/>
+              </a:rPr>
+              <a:t> 번째 튜토리얼</a:t>
             </a:r>
             <a:endParaRPr lang="ko-KR" altLang="en-US" sz="2500" b="1">
               <a:solidFill>
@@ -10371,8 +10566,8 @@
         </p:nvSpPr>
         <p:spPr>
           <a:xfrm rot="0">
-            <a:off x="1238250" y="5240020"/>
-            <a:ext cx="4131310" cy="923925"/>
+            <a:off x="6824345" y="2721610"/>
+            <a:ext cx="4133215" cy="1200785"/>
           </a:xfrm>
           <a:prstGeom prst="rect"/>
           <a:noFill/>
@@ -10399,7 +10594,17 @@
                 <a:latin typeface="맑은 고딕" charset="0"/>
                 <a:ea typeface="맑은 고딕" charset="0"/>
               </a:rPr>
-              <a:t>31</a:t>
+              <a:t>3</a:t>
+            </a:r>
+            <a:r>
+              <a:rPr lang="ko-KR" sz="1800" b="1">
+                <a:solidFill>
+                  <a:srgbClr val="0611F2"/>
+                </a:solidFill>
+                <a:latin typeface="맑은 고딕" charset="0"/>
+                <a:ea typeface="맑은 고딕" charset="0"/>
+              </a:rPr>
+              <a:t>4</a:t>
             </a:r>
             <a:r>
               <a:rPr sz="1800" b="1">
@@ -10423,7 +10628,14 @@
                 <a:latin typeface="맑은 고딕" charset="0"/>
                 <a:ea typeface="맑은 고딕" charset="0"/>
               </a:rPr>
-              <a:t>그리고 Front Rampart 오브젝트에 있는 Off Mesh Link의 End에 End Point 오브젝트를 넣어줍니다.</a:t>
+              <a:t>그리고 </a:t>
+            </a:r>
+            <a:r>
+              <a:rPr lang="ko-KR" sz="1800">
+                <a:latin typeface="맑은 고딕" charset="0"/>
+                <a:ea typeface="맑은 고딕" charset="0"/>
+              </a:rPr>
+              <a:t>Controller 스크립트의 Point를 3으로 설정하고 Nav Mesh Agent에 Character 오브젝트를 넣어줍니다.</a:t>
             </a:r>
             <a:endParaRPr lang="ko-KR" altLang="en-US" sz="1800">
               <a:latin typeface="맑은 고딕" charset="0"/>
@@ -10432,19 +10644,107 @@
           </a:p>
         </p:txBody>
       </p:sp>
+      <p:sp>
+        <p:nvSpPr>
+          <p:cNvPr id="1220" name="Rect 0"/>
+          <p:cNvSpPr txBox="1">
+            <a:spLocks/>
+          </p:cNvSpPr>
+          <p:nvPr/>
+        </p:nvSpPr>
+        <p:spPr>
+          <a:xfrm rot="0">
+            <a:off x="6824980" y="5519420"/>
+            <a:ext cx="4132580" cy="647065"/>
+          </a:xfrm>
+          <a:prstGeom prst="rect"/>
+          <a:noFill/>
+          <a:ln w="0">
+            <a:noFill/>
+            <a:prstDash/>
+          </a:ln>
+        </p:spPr>
+        <p:txBody>
+          <a:bodyPr wrap="square" lIns="89535" tIns="46355" rIns="89535" bIns="46355" numCol="1" vert="horz" anchor="t">
+            <a:spAutoFit/>
+          </a:bodyPr>
+          <a:lstStyle/>
+          <a:p>
+            <a:pPr marL="0" indent="0" rtl="0" algn="l" defTabSz="914400" eaLnBrk="1" latinLnBrk="0" hangingPunct="1">
+              <a:buFontTx/>
+              <a:buNone/>
+            </a:pPr>
+            <a:r>
+              <a:rPr sz="1800" b="1">
+                <a:solidFill>
+                  <a:srgbClr val="0611F2"/>
+                </a:solidFill>
+                <a:latin typeface="맑은 고딕" charset="0"/>
+                <a:ea typeface="맑은 고딕" charset="0"/>
+              </a:rPr>
+              <a:t>3</a:t>
+            </a:r>
+            <a:r>
+              <a:rPr lang="ko-KR" sz="1800" b="1">
+                <a:solidFill>
+                  <a:srgbClr val="0611F2"/>
+                </a:solidFill>
+                <a:latin typeface="맑은 고딕" charset="0"/>
+                <a:ea typeface="맑은 고딕" charset="0"/>
+              </a:rPr>
+              <a:t>5</a:t>
+            </a:r>
+            <a:r>
+              <a:rPr sz="1800" b="1">
+                <a:solidFill>
+                  <a:srgbClr val="0611F2"/>
+                </a:solidFill>
+                <a:latin typeface="맑은 고딕" charset="0"/>
+                <a:ea typeface="맑은 고딕" charset="0"/>
+              </a:rPr>
+              <a:t>.</a:t>
+            </a:r>
+            <a:r>
+              <a:rPr sz="1800">
+                <a:latin typeface="맑은 고딕" charset="0"/>
+                <a:ea typeface="맑은 고딕" charset="0"/>
+              </a:rPr>
+              <a:t> </a:t>
+            </a:r>
+            <a:r>
+              <a:rPr lang="ko-KR" sz="1800">
+                <a:latin typeface="맑은 고딕" charset="0"/>
+                <a:ea typeface="맑은 고딕" charset="0"/>
+              </a:rPr>
+              <a:t>그다음 First Position</a:t>
+            </a:r>
+            <a:r>
+              <a:rPr lang="ko-KR" sz="1800">
+                <a:latin typeface="맑은 고딕" charset="0"/>
+                <a:ea typeface="맑은 고딕" charset="0"/>
+              </a:rPr>
+              <a:t> 오브젝트의 위치를 설정합니다.</a:t>
+            </a:r>
+            <a:endParaRPr lang="ko-KR" altLang="en-US" sz="1800">
+              <a:latin typeface="맑은 고딕" charset="0"/>
+              <a:ea typeface="맑은 고딕" charset="0"/>
+            </a:endParaRPr>
+          </a:p>
+        </p:txBody>
+      </p:sp>
       <p:pic>
         <p:nvPicPr>
-          <p:cNvPr id="1213" name="그림 43"/>
+          <p:cNvPr id="1221" name="그림 5" descr="C:/Users/Admin1/AppData/Roaming/PolarisOffice/ETemp/20768_20502728/fImage1193931741.png"/>
           <p:cNvPicPr>
             <a:picLocks noChangeAspect="1"/>
           </p:cNvPicPr>
           <p:nvPr/>
         </p:nvPicPr>
         <p:blipFill rotWithShape="1">
-          <a:blip r:embed="rId11" cstate="hqprint">
+          <a:blip r:embed="rId2" cstate="print">
             <a:extLst>
               <a:ext uri="{28A0092B-C50C-407E-A947-70E740481C1C}">
-                <a14:useLocalDpi xmlns:a14="http://schemas.microsoft.com/office/drawing/2010/main"/>
+                <a14:useLocalDpi xmlns:a14="http://schemas.microsoft.com/office/drawing/2010/main" val="0"/>
               </a:ext>
             </a:extLst>
           </a:blip>
@@ -10454,8 +10754,8 @@
         </p:blipFill>
         <p:spPr>
           <a:xfrm rot="0">
-            <a:off x="1229995" y="1454785"/>
-            <a:ext cx="4149090" cy="1429385"/>
+            <a:off x="6816725" y="4015105"/>
+            <a:ext cx="4131945" cy="1413510"/>
           </a:xfrm>
           <a:prstGeom prst="roundRect"/>
           <a:solidFill>
@@ -10463,90 +10763,19 @@
           </a:solidFill>
         </p:spPr>
       </p:pic>
-      <p:sp>
-        <p:nvSpPr>
-          <p:cNvPr id="1214" name="텍스트 상자 46"/>
-          <p:cNvSpPr txBox="1">
-            <a:spLocks/>
-          </p:cNvSpPr>
-          <p:nvPr/>
-        </p:nvSpPr>
-        <p:spPr>
-          <a:xfrm rot="0">
-            <a:off x="1242695" y="3008630"/>
-            <a:ext cx="4126865" cy="647065"/>
-          </a:xfrm>
-          <a:prstGeom prst="rect"/>
-          <a:noFill/>
-          <a:ln w="0">
-            <a:noFill/>
-            <a:prstDash/>
-          </a:ln>
-        </p:spPr>
-        <p:txBody>
-          <a:bodyPr wrap="square" lIns="89535" tIns="46355" rIns="89535" bIns="46355" numCol="1" vert="horz" anchor="t">
-            <a:spAutoFit/>
-          </a:bodyPr>
-          <a:lstStyle/>
-          <a:p>
-            <a:pPr marL="0" indent="0" rtl="0" algn="l" defTabSz="914400" eaLnBrk="1" latinLnBrk="0" hangingPunct="1">
-              <a:buFontTx/>
-              <a:buNone/>
-            </a:pPr>
-            <a:r>
-              <a:rPr lang="ko-KR" sz="1800" b="1">
-                <a:solidFill>
-                  <a:srgbClr val="0611F2"/>
-                </a:solidFill>
-                <a:latin typeface="맑은 고딕" charset="0"/>
-                <a:ea typeface="맑은 고딕" charset="0"/>
-              </a:rPr>
-              <a:t>30</a:t>
-            </a:r>
-            <a:r>
-              <a:rPr sz="1800" b="1">
-                <a:solidFill>
-                  <a:srgbClr val="0611F2"/>
-                </a:solidFill>
-                <a:latin typeface="맑은 고딕" charset="0"/>
-                <a:ea typeface="맑은 고딕" charset="0"/>
-              </a:rPr>
-              <a:t>.</a:t>
-            </a:r>
-            <a:r>
-              <a:rPr sz="1800">
-                <a:latin typeface="맑은 고딕" charset="0"/>
-                <a:ea typeface="맑은 고딕" charset="0"/>
-              </a:rPr>
-              <a:t> </a:t>
-            </a:r>
-            <a:r>
-              <a:rPr lang="ko-KR" sz="1800">
-                <a:latin typeface="맑은 고딕" charset="0"/>
-                <a:ea typeface="맑은 고딕" charset="0"/>
-              </a:rPr>
-              <a:t>그런 다음 End Point 오브젝트의 위치를 설정합니다.</a:t>
-            </a:r>
-            <a:endParaRPr lang="ko-KR" altLang="en-US" sz="1800">
-              <a:latin typeface="맑은 고딕" charset="0"/>
-              <a:ea typeface="맑은 고딕" charset="0"/>
-            </a:endParaRPr>
-          </a:p>
-        </p:txBody>
-      </p:sp>
       <p:pic>
         <p:nvPicPr>
-          <p:cNvPr id="1215" name="그림 47"/>
+          <p:cNvPr id="1222" name="그림 8" descr="C:/Users/Admin1/AppData/Roaming/PolarisOffice/ETemp/20768_20502728/fImage170643188467.png"/>
           <p:cNvPicPr>
             <a:picLocks noChangeAspect="1"/>
           </p:cNvPicPr>
           <p:nvPr/>
         </p:nvPicPr>
         <p:blipFill rotWithShape="1">
-          <a:blip r:embed="rId12" cstate="hqprint">
+          <a:blip r:embed="rId3" cstate="print">
             <a:extLst>
               <a:ext uri="{28A0092B-C50C-407E-A947-70E740481C1C}">
-                <a14:useLocalDpi xmlns:a14="http://schemas.microsoft.com/office/drawing/2010/main"/>
+                <a14:useLocalDpi xmlns:a14="http://schemas.microsoft.com/office/drawing/2010/main" val="0"/>
               </a:ext>
             </a:extLst>
           </a:blip>
@@ -10556,8 +10785,8 @@
         </p:blipFill>
         <p:spPr>
           <a:xfrm rot="0">
-            <a:off x="1238250" y="3809365"/>
-            <a:ext cx="1291590" cy="1289685"/>
+            <a:off x="8313420" y="1454785"/>
+            <a:ext cx="2635250" cy="1181100"/>
           </a:xfrm>
           <a:prstGeom prst="roundRect"/>
           <a:solidFill>
@@ -10567,17 +10796,17 @@
       </p:pic>
       <p:pic>
         <p:nvPicPr>
-          <p:cNvPr id="1216" name="그림 50" descr="C:/Users/Admin1/AppData/Roaming/PolarisOffice/ETemp/20768_20502728/fImage144112638145.png"/>
+          <p:cNvPr id="1223" name="그림 11" descr="C:/Users/Admin1/AppData/Roaming/PolarisOffice/ETemp/20768_20502728/fImage97423196334.png"/>
           <p:cNvPicPr>
             <a:picLocks noChangeAspect="1"/>
           </p:cNvPicPr>
           <p:nvPr/>
         </p:nvPicPr>
         <p:blipFill rotWithShape="1">
-          <a:blip r:embed="rId13" cstate="hqprint">
+          <a:blip r:embed="rId4" cstate="print">
             <a:extLst>
               <a:ext uri="{28A0092B-C50C-407E-A947-70E740481C1C}">
-                <a14:useLocalDpi xmlns:a14="http://schemas.microsoft.com/office/drawing/2010/main"/>
+                <a14:useLocalDpi xmlns:a14="http://schemas.microsoft.com/office/drawing/2010/main" val="0"/>
               </a:ext>
             </a:extLst>
           </a:blip>
@@ -10587,8 +10816,8 @@
         </p:blipFill>
         <p:spPr>
           <a:xfrm rot="0">
-            <a:off x="2710815" y="3809365"/>
-            <a:ext cx="2660015" cy="1300480"/>
+            <a:off x="6816725" y="1463040"/>
+            <a:ext cx="1264285" cy="1181100"/>
           </a:xfrm>
           <a:prstGeom prst="roundRect"/>
           <a:solidFill>
@@ -10598,18 +10827,19 @@
       </p:pic>
       <p:cxnSp>
         <p:nvCxnSpPr>
-          <p:cNvPr id="1217" name="도형 53"/>
+          <p:cNvPr id="1224" name="도형 14"/>
           <p:cNvCxnSpPr/>
           <p:nvPr/>
         </p:nvCxnSpPr>
         <p:spPr>
-          <a:xfrm rot="0" flipV="1">
-            <a:off x="2121535" y="4224655"/>
-            <a:ext cx="3153410" cy="798830"/>
+          <a:xfrm rot="0">
+            <a:off x="7631430" y="1745615"/>
+            <a:ext cx="3217545" cy="807085"/>
           </a:xfrm>
           <a:prstGeom prst="straightConnector1"/>
           <a:ln w="6350" cap="flat" cmpd="sng">
             <a:prstDash/>
+            <a:headEnd type="none" w="med" len="med"/>
             <a:tailEnd type="triangle" w="med" len="med"/>
           </a:ln>
         </p:spPr>
@@ -10630,14 +10860,14 @@
       </p:cxnSp>
       <p:pic>
         <p:nvPicPr>
-          <p:cNvPr id="1218" name="그림 1" descr="C:/Users/Admin1/AppData/Roaming/PolarisOffice/ETemp/20768_20502728/fImage85063979718.png"/>
+          <p:cNvPr id="1225" name="그림 15" descr="C:/Users/Admin1/AppData/Roaming/PolarisOffice/ETemp/20768_20502728/fImage85063979718.png"/>
           <p:cNvPicPr>
             <a:picLocks noChangeAspect="1"/>
           </p:cNvPicPr>
           <p:nvPr/>
         </p:nvPicPr>
         <p:blipFill rotWithShape="1">
-          <a:blip r:embed="rId14" cstate="hqprint">
+          <a:blip r:embed="rId5" cstate="hqprint">
             <a:extLst>
               <a:ext uri="{28A0092B-C50C-407E-A947-70E740481C1C}">
                 <a14:useLocalDpi xmlns:a14="http://schemas.microsoft.com/office/drawing/2010/main"/>
@@ -10650,8 +10880,8 @@
         </p:blipFill>
         <p:spPr>
           <a:xfrm rot="0">
-            <a:off x="6808470" y="1454785"/>
-            <a:ext cx="2628265" cy="3550920"/>
+            <a:off x="1238885" y="1454785"/>
+            <a:ext cx="2636520" cy="3550920"/>
           </a:xfrm>
           <a:prstGeom prst="roundRect"/>
           <a:solidFill>
@@ -10659,16 +10889,132 @@
           </a:solidFill>
         </p:spPr>
       </p:pic>
+      <p:sp>
+        <p:nvSpPr>
+          <p:cNvPr id="1226" name="텍스트 상자 16"/>
+          <p:cNvSpPr txBox="1">
+            <a:spLocks/>
+          </p:cNvSpPr>
+          <p:nvPr/>
+        </p:nvSpPr>
+        <p:spPr>
+          <a:xfrm rot="0">
+            <a:off x="1243330" y="5245100"/>
+            <a:ext cx="4135755" cy="923925"/>
+          </a:xfrm>
+          <a:prstGeom prst="rect"/>
+          <a:noFill/>
+          <a:ln w="0">
+            <a:noFill/>
+            <a:prstDash/>
+          </a:ln>
+        </p:spPr>
+        <p:txBody>
+          <a:bodyPr wrap="square" lIns="89535" tIns="46355" rIns="89535" bIns="46355" numCol="1" vert="horz" anchor="t">
+            <a:spAutoFit/>
+          </a:bodyPr>
+          <a:lstStyle/>
+          <a:p>
+            <a:pPr marL="0" indent="0" rtl="0" algn="l" defTabSz="914400" eaLnBrk="1" latinLnBrk="0" hangingPunct="1">
+              <a:buFontTx/>
+              <a:buNone/>
+            </a:pPr>
+            <a:r>
+              <a:rPr sz="1800" b="1">
+                <a:solidFill>
+                  <a:srgbClr val="0611F2"/>
+                </a:solidFill>
+                <a:latin typeface="맑은 고딕" charset="0"/>
+                <a:ea typeface="맑은 고딕" charset="0"/>
+              </a:rPr>
+              <a:t>3</a:t>
+            </a:r>
+            <a:r>
+              <a:rPr sz="1800" b="1">
+                <a:solidFill>
+                  <a:srgbClr val="0611F2"/>
+                </a:solidFill>
+                <a:latin typeface="맑은 고딕" charset="0"/>
+                <a:ea typeface="맑은 고딕" charset="0"/>
+              </a:rPr>
+              <a:t>3</a:t>
+            </a:r>
+            <a:r>
+              <a:rPr sz="1800" b="1">
+                <a:solidFill>
+                  <a:srgbClr val="0611F2"/>
+                </a:solidFill>
+                <a:latin typeface="맑은 고딕" charset="0"/>
+                <a:ea typeface="맑은 고딕" charset="0"/>
+              </a:rPr>
+              <a:t>.</a:t>
+            </a:r>
+            <a:r>
+              <a:rPr sz="1800">
+                <a:latin typeface="맑은 고딕" charset="0"/>
+                <a:ea typeface="맑은 고딕" charset="0"/>
+              </a:rPr>
+              <a:t> </a:t>
+            </a:r>
+            <a:r>
+              <a:rPr lang="ko-KR" sz="1800">
+                <a:latin typeface="맑은 고딕" charset="0"/>
+                <a:ea typeface="맑은 고딕" charset="0"/>
+              </a:rPr>
+              <a:t>이제</a:t>
+            </a:r>
+            <a:r>
+              <a:rPr lang="ko-KR" sz="1800">
+                <a:latin typeface="맑은 고딕" charset="0"/>
+                <a:ea typeface="맑은 고딕" charset="0"/>
+              </a:rPr>
+              <a:t> 빈 게임 오브젝트를 생성</a:t>
+            </a:r>
+            <a:r>
+              <a:rPr lang="ko-KR" sz="1800">
+                <a:latin typeface="맑은 고딕" charset="0"/>
+                <a:ea typeface="맑은 고딕" charset="0"/>
+              </a:rPr>
+              <a:t>하고</a:t>
+            </a:r>
+            <a:r>
+              <a:rPr lang="ko-KR" sz="1800">
+                <a:latin typeface="맑은 고딕" charset="0"/>
+                <a:ea typeface="맑은 고딕" charset="0"/>
+              </a:rPr>
+              <a:t> </a:t>
+            </a:r>
+            <a:r>
+              <a:rPr lang="ko-KR" sz="1800">
+                <a:latin typeface="맑은 고딕" charset="0"/>
+                <a:ea typeface="맑은 고딕" charset="0"/>
+              </a:rPr>
+              <a:t>Second </a:t>
+            </a:r>
+            <a:r>
+              <a:rPr lang="ko-KR" sz="1800">
+                <a:latin typeface="맑은 고딕" charset="0"/>
+                <a:ea typeface="맑은 고딕" charset="0"/>
+              </a:rPr>
+              <a:t>Position이라는 이름으로 정의합니다.</a:t>
+            </a:r>
+            <a:endParaRPr lang="ko-KR" altLang="en-US" sz="1800">
+              <a:latin typeface="맑은 고딕" charset="0"/>
+              <a:ea typeface="맑은 고딕" charset="0"/>
+            </a:endParaRPr>
+          </a:p>
+        </p:txBody>
+      </p:sp>
       <p:pic>
         <p:nvPicPr>
-          <p:cNvPr id="1219" name="그림 2"/>
+          <p:cNvPr id="1227" name="그림 17" descr="C:/Users/Admin1/AppData/Roaming/PolarisOffice/ETemp/20768_20502728/fImage104963236500.png"/>
           <p:cNvPicPr>
             <a:picLocks noChangeAspect="1"/>
           </p:cNvPicPr>
           <p:nvPr/>
         </p:nvPicPr>
         <p:blipFill rotWithShape="1">
-          <a:blip r:embed="rId15" cstate="print">
+          <a:blip r:embed="rId6" cstate="print">
             <a:extLst>
               <a:ext uri="{28A0092B-C50C-407E-A947-70E740481C1C}">
                 <a14:useLocalDpi xmlns:a14="http://schemas.microsoft.com/office/drawing/2010/main" val="0"/>
@@ -10681,8 +11027,8 @@
         </p:blipFill>
         <p:spPr>
           <a:xfrm rot="0">
-            <a:off x="9634855" y="2169795"/>
-            <a:ext cx="1330960" cy="2120265"/>
+            <a:off x="4031615" y="2194560"/>
+            <a:ext cx="1339215" cy="2062480"/>
           </a:xfrm>
           <a:prstGeom prst="roundRect"/>
           <a:solidFill>
@@ -10690,101 +11036,6 @@
           </a:solidFill>
         </p:spPr>
       </p:pic>
-      <p:sp>
-        <p:nvSpPr>
-          <p:cNvPr id="1220" name="텍스트 상자 5"/>
-          <p:cNvSpPr txBox="1">
-            <a:spLocks/>
-          </p:cNvSpPr>
-          <p:nvPr/>
-        </p:nvSpPr>
-        <p:spPr>
-          <a:xfrm rot="0">
-            <a:off x="6804660" y="5236845"/>
-            <a:ext cx="4152900" cy="923925"/>
-          </a:xfrm>
-          <a:prstGeom prst="rect"/>
-          <a:noFill/>
-          <a:ln w="0">
-            <a:noFill/>
-            <a:prstDash/>
-          </a:ln>
-        </p:spPr>
-        <p:txBody>
-          <a:bodyPr wrap="square" lIns="89535" tIns="46355" rIns="89535" bIns="46355" numCol="1" vert="horz" anchor="t">
-            <a:spAutoFit/>
-          </a:bodyPr>
-          <a:lstStyle/>
-          <a:p>
-            <a:pPr marL="0" indent="0" rtl="0" algn="l" defTabSz="914400" eaLnBrk="1" latinLnBrk="0" hangingPunct="1">
-              <a:buFontTx/>
-              <a:buNone/>
-            </a:pPr>
-            <a:r>
-              <a:rPr sz="1800" b="1">
-                <a:solidFill>
-                  <a:srgbClr val="0611F2"/>
-                </a:solidFill>
-                <a:latin typeface="맑은 고딕" charset="0"/>
-                <a:ea typeface="맑은 고딕" charset="0"/>
-              </a:rPr>
-              <a:t>3</a:t>
-            </a:r>
-            <a:r>
-              <a:rPr sz="1800" b="1">
-                <a:solidFill>
-                  <a:srgbClr val="0611F2"/>
-                </a:solidFill>
-                <a:latin typeface="맑은 고딕" charset="0"/>
-                <a:ea typeface="맑은 고딕" charset="0"/>
-              </a:rPr>
-              <a:t>2</a:t>
-            </a:r>
-            <a:r>
-              <a:rPr sz="1800" b="1">
-                <a:solidFill>
-                  <a:srgbClr val="0611F2"/>
-                </a:solidFill>
-                <a:latin typeface="맑은 고딕" charset="0"/>
-                <a:ea typeface="맑은 고딕" charset="0"/>
-              </a:rPr>
-              <a:t>.</a:t>
-            </a:r>
-            <a:r>
-              <a:rPr sz="1800">
-                <a:latin typeface="맑은 고딕" charset="0"/>
-                <a:ea typeface="맑은 고딕" charset="0"/>
-              </a:rPr>
-              <a:t> </a:t>
-            </a:r>
-            <a:r>
-              <a:rPr lang="ko-KR" sz="1800">
-                <a:latin typeface="맑은 고딕" charset="0"/>
-                <a:ea typeface="맑은 고딕" charset="0"/>
-              </a:rPr>
-              <a:t>그러고 나서</a:t>
-            </a:r>
-            <a:r>
-              <a:rPr lang="ko-KR" sz="1800">
-                <a:latin typeface="맑은 고딕" charset="0"/>
-                <a:ea typeface="맑은 고딕" charset="0"/>
-              </a:rPr>
-              <a:t> </a:t>
-            </a:r>
-            <a:r>
-              <a:rPr lang="ko-KR" sz="1800">
-                <a:latin typeface="맑은 고딕" charset="0"/>
-                <a:ea typeface="맑은 고딕" charset="0"/>
-              </a:rPr>
-              <a:t>빈 게임 오브젝트를 생성한 다음 First Position이라는 이름으로 정의합니다.</a:t>
-            </a:r>
-            <a:endParaRPr lang="ko-KR" altLang="en-US" sz="1800">
-              <a:latin typeface="맑은 고딕" charset="0"/>
-              <a:ea typeface="맑은 고딕" charset="0"/>
-            </a:endParaRPr>
-          </a:p>
-        </p:txBody>
-      </p:sp>
     </p:spTree>
   </p:cSld>
   <p:clrMapOvr>
@@ -10873,7 +11124,7 @@
                 <a:latin typeface="나눔바른고딕" charset="0"/>
                 <a:ea typeface="나눔바른고딕" charset="0"/>
               </a:rPr>
-              <a:t>두</a:t>
+              <a:t>세</a:t>
             </a:r>
             <a:r>
               <a:rPr lang="ko-KR" altLang="en-US" sz="2500" b="1">
@@ -10897,7 +11148,7 @@
       </p:sp>
       <p:sp>
         <p:nvSpPr>
-          <p:cNvPr id="1192" name="Rect 0"/>
+          <p:cNvPr id="1226" name="Rect 0"/>
           <p:cNvSpPr txBox="1">
             <a:spLocks/>
           </p:cNvSpPr>
@@ -10905,8 +11156,8 @@
         </p:nvSpPr>
         <p:spPr>
           <a:xfrm rot="0">
-            <a:off x="6824345" y="2721610"/>
-            <a:ext cx="4133215" cy="1200785"/>
+            <a:off x="1235075" y="5519420"/>
+            <a:ext cx="4135755" cy="647065"/>
           </a:xfrm>
           <a:prstGeom prst="rect"/>
           <a:noFill/>
@@ -10943,7 +11194,7 @@
                 <a:latin typeface="맑은 고딕" charset="0"/>
                 <a:ea typeface="맑은 고딕" charset="0"/>
               </a:rPr>
-              <a:t>4</a:t>
+              <a:t>7</a:t>
             </a:r>
             <a:r>
               <a:rPr sz="1800" b="1">
@@ -10967,14 +11218,14 @@
                 <a:latin typeface="맑은 고딕" charset="0"/>
                 <a:ea typeface="맑은 고딕" charset="0"/>
               </a:rPr>
-              <a:t>그리고 </a:t>
+              <a:t>그러고 나서 Second Position</a:t>
             </a:r>
             <a:r>
               <a:rPr lang="ko-KR" sz="1800">
                 <a:latin typeface="맑은 고딕" charset="0"/>
                 <a:ea typeface="맑은 고딕" charset="0"/>
               </a:rPr>
-              <a:t>Controller 스크립트의 Point를 3으로 설정하고 Nav Mesh Agent에 Character 오브젝트를 넣어줍니다.</a:t>
+              <a:t> 오브젝트의 위치를 설정합니다.</a:t>
             </a:r>
             <a:endParaRPr lang="ko-KR" altLang="en-US" sz="1800">
               <a:latin typeface="맑은 고딕" charset="0"/>
@@ -10983,97 +11234,9 @@
           </a:p>
         </p:txBody>
       </p:sp>
-      <p:sp>
-        <p:nvSpPr>
-          <p:cNvPr id="1220" name="Rect 0"/>
-          <p:cNvSpPr txBox="1">
-            <a:spLocks/>
-          </p:cNvSpPr>
-          <p:nvPr/>
-        </p:nvSpPr>
-        <p:spPr>
-          <a:xfrm rot="0">
-            <a:off x="6824980" y="5519420"/>
-            <a:ext cx="4132580" cy="647065"/>
-          </a:xfrm>
-          <a:prstGeom prst="rect"/>
-          <a:noFill/>
-          <a:ln w="0">
-            <a:noFill/>
-            <a:prstDash/>
-          </a:ln>
-        </p:spPr>
-        <p:txBody>
-          <a:bodyPr wrap="square" lIns="89535" tIns="46355" rIns="89535" bIns="46355" numCol="1" vert="horz" anchor="t">
-            <a:spAutoFit/>
-          </a:bodyPr>
-          <a:lstStyle/>
-          <a:p>
-            <a:pPr marL="0" indent="0" rtl="0" algn="l" defTabSz="914400" eaLnBrk="1" latinLnBrk="0" hangingPunct="1">
-              <a:buFontTx/>
-              <a:buNone/>
-            </a:pPr>
-            <a:r>
-              <a:rPr sz="1800" b="1">
-                <a:solidFill>
-                  <a:srgbClr val="0611F2"/>
-                </a:solidFill>
-                <a:latin typeface="맑은 고딕" charset="0"/>
-                <a:ea typeface="맑은 고딕" charset="0"/>
-              </a:rPr>
-              <a:t>3</a:t>
-            </a:r>
-            <a:r>
-              <a:rPr lang="ko-KR" sz="1800" b="1">
-                <a:solidFill>
-                  <a:srgbClr val="0611F2"/>
-                </a:solidFill>
-                <a:latin typeface="맑은 고딕" charset="0"/>
-                <a:ea typeface="맑은 고딕" charset="0"/>
-              </a:rPr>
-              <a:t>5</a:t>
-            </a:r>
-            <a:r>
-              <a:rPr sz="1800" b="1">
-                <a:solidFill>
-                  <a:srgbClr val="0611F2"/>
-                </a:solidFill>
-                <a:latin typeface="맑은 고딕" charset="0"/>
-                <a:ea typeface="맑은 고딕" charset="0"/>
-              </a:rPr>
-              <a:t>.</a:t>
-            </a:r>
-            <a:r>
-              <a:rPr sz="1800">
-                <a:latin typeface="맑은 고딕" charset="0"/>
-                <a:ea typeface="맑은 고딕" charset="0"/>
-              </a:rPr>
-              <a:t> </a:t>
-            </a:r>
-            <a:r>
-              <a:rPr lang="ko-KR" sz="1800">
-                <a:latin typeface="맑은 고딕" charset="0"/>
-                <a:ea typeface="맑은 고딕" charset="0"/>
-              </a:rPr>
-              <a:t>그다음 First Position</a:t>
-            </a:r>
-            <a:r>
-              <a:rPr lang="ko-KR" sz="1800">
-                <a:latin typeface="맑은 고딕" charset="0"/>
-                <a:ea typeface="맑은 고딕" charset="0"/>
-              </a:rPr>
-              <a:t> 오브젝트의 위치를 설정합니다.</a:t>
-            </a:r>
-            <a:endParaRPr lang="ko-KR" altLang="en-US" sz="1800">
-              <a:latin typeface="맑은 고딕" charset="0"/>
-              <a:ea typeface="맑은 고딕" charset="0"/>
-            </a:endParaRPr>
-          </a:p>
-        </p:txBody>
-      </p:sp>
       <p:pic>
         <p:nvPicPr>
-          <p:cNvPr id="1221" name="그림 5" descr="C:/Users/Admin1/AppData/Roaming/PolarisOffice/ETemp/20768_20502728/fImage1193931741.png"/>
+          <p:cNvPr id="1227" name="그림 20" descr="C:/Users/Admin1/AppData/Roaming/PolarisOffice/ETemp/20768_20502728/fImage176213379169.png"/>
           <p:cNvPicPr>
             <a:picLocks noChangeAspect="1"/>
           </p:cNvPicPr>
@@ -11093,8 +11256,8 @@
         </p:blipFill>
         <p:spPr>
           <a:xfrm rot="0">
-            <a:off x="6816725" y="4015105"/>
-            <a:ext cx="4131945" cy="1413510"/>
+            <a:off x="2734945" y="1454785"/>
+            <a:ext cx="2635885" cy="1239520"/>
           </a:xfrm>
           <a:prstGeom prst="roundRect"/>
           <a:solidFill>
@@ -11104,7 +11267,7 @@
       </p:pic>
       <p:pic>
         <p:nvPicPr>
-          <p:cNvPr id="1222" name="그림 8" descr="C:/Users/Admin1/AppData/Roaming/PolarisOffice/ETemp/20768_20502728/fImage170643188467.png"/>
+          <p:cNvPr id="1228" name="그림 23" descr="C:/Users/Admin1/AppData/Roaming/PolarisOffice/ETemp/20768_20502728/fImage104483385724.png"/>
           <p:cNvPicPr>
             <a:picLocks noChangeAspect="1"/>
           </p:cNvPicPr>
@@ -11124,8 +11287,8 @@
         </p:blipFill>
         <p:spPr>
           <a:xfrm rot="0">
-            <a:off x="8313420" y="1454785"/>
-            <a:ext cx="2635250" cy="1181100"/>
+            <a:off x="1242695" y="1455420"/>
+            <a:ext cx="1360170" cy="1247140"/>
           </a:xfrm>
           <a:prstGeom prst="roundRect"/>
           <a:solidFill>
@@ -11133,47 +11296,16 @@
           </a:solidFill>
         </p:spPr>
       </p:pic>
-      <p:pic>
-        <p:nvPicPr>
-          <p:cNvPr id="1223" name="그림 11" descr="C:/Users/Admin1/AppData/Roaming/PolarisOffice/ETemp/20768_20502728/fImage97423196334.png"/>
-          <p:cNvPicPr>
-            <a:picLocks noChangeAspect="1"/>
-          </p:cNvPicPr>
-          <p:nvPr/>
-        </p:nvPicPr>
-        <p:blipFill rotWithShape="1">
-          <a:blip r:embed="rId4" cstate="print">
-            <a:extLst>
-              <a:ext uri="{28A0092B-C50C-407E-A947-70E740481C1C}">
-                <a14:useLocalDpi xmlns:a14="http://schemas.microsoft.com/office/drawing/2010/main" val="0"/>
-              </a:ext>
-            </a:extLst>
-          </a:blip>
-          <a:stretch>
-            <a:fillRect/>
-          </a:stretch>
-        </p:blipFill>
-        <p:spPr>
-          <a:xfrm rot="0">
-            <a:off x="6816725" y="1463040"/>
-            <a:ext cx="1264285" cy="1181100"/>
-          </a:xfrm>
-          <a:prstGeom prst="roundRect"/>
-          <a:solidFill>
-            <a:srgbClr val="EDEDED"/>
-          </a:solidFill>
-        </p:spPr>
-      </p:pic>
       <p:cxnSp>
         <p:nvCxnSpPr>
-          <p:cNvPr id="1224" name="도형 14"/>
+          <p:cNvPr id="1229" name="도형 26"/>
           <p:cNvCxnSpPr/>
           <p:nvPr/>
         </p:nvCxnSpPr>
         <p:spPr>
-          <a:xfrm rot="0">
-            <a:off x="7631430" y="1745615"/>
-            <a:ext cx="3217545" cy="807085"/>
+          <a:xfrm rot="0" flipV="1">
+            <a:off x="2219960" y="2061845"/>
+            <a:ext cx="3026410" cy="448945"/>
           </a:xfrm>
           <a:prstGeom prst="straightConnector1"/>
           <a:ln w="6350" cap="flat" cmpd="sng">
@@ -11197,9 +11329,135 @@
           </a:fontRef>
         </p:style>
       </p:cxnSp>
+      <p:sp>
+        <p:nvSpPr>
+          <p:cNvPr id="1230" name="텍스트 상자 27"/>
+          <p:cNvSpPr txBox="1">
+            <a:spLocks/>
+          </p:cNvSpPr>
+          <p:nvPr/>
+        </p:nvSpPr>
+        <p:spPr>
+          <a:xfrm rot="0">
+            <a:off x="1248410" y="2839085"/>
+            <a:ext cx="4122420" cy="923925"/>
+          </a:xfrm>
+          <a:prstGeom prst="rect"/>
+          <a:noFill/>
+          <a:ln w="0">
+            <a:noFill/>
+            <a:prstDash/>
+          </a:ln>
+        </p:spPr>
+        <p:txBody>
+          <a:bodyPr wrap="square" lIns="89535" tIns="46355" rIns="89535" bIns="46355" numCol="1" vert="horz" anchor="t">
+            <a:spAutoFit/>
+          </a:bodyPr>
+          <a:lstStyle/>
+          <a:p>
+            <a:pPr marL="0" indent="0" rtl="0" algn="l" defTabSz="914400" eaLnBrk="1" latinLnBrk="0" hangingPunct="1">
+              <a:buFontTx/>
+              <a:buNone/>
+            </a:pPr>
+            <a:r>
+              <a:rPr sz="1800" b="1">
+                <a:solidFill>
+                  <a:srgbClr val="0611F2"/>
+                </a:solidFill>
+                <a:latin typeface="맑은 고딕" charset="0"/>
+                <a:ea typeface="맑은 고딕" charset="0"/>
+              </a:rPr>
+              <a:t>3</a:t>
+            </a:r>
+            <a:r>
+              <a:rPr lang="ko-KR" sz="1800" b="1">
+                <a:solidFill>
+                  <a:srgbClr val="0611F2"/>
+                </a:solidFill>
+                <a:latin typeface="맑은 고딕" charset="0"/>
+                <a:ea typeface="맑은 고딕" charset="0"/>
+              </a:rPr>
+              <a:t>6</a:t>
+            </a:r>
+            <a:r>
+              <a:rPr sz="1800" b="1">
+                <a:solidFill>
+                  <a:srgbClr val="0611F2"/>
+                </a:solidFill>
+                <a:latin typeface="맑은 고딕" charset="0"/>
+                <a:ea typeface="맑은 고딕" charset="0"/>
+              </a:rPr>
+              <a:t>.</a:t>
+            </a:r>
+            <a:r>
+              <a:rPr sz="1800">
+                <a:latin typeface="맑은 고딕" charset="0"/>
+                <a:ea typeface="맑은 고딕" charset="0"/>
+              </a:rPr>
+              <a:t> </a:t>
+            </a:r>
+            <a:r>
+              <a:rPr lang="ko-KR" sz="1800">
+                <a:latin typeface="맑은 고딕" charset="0"/>
+                <a:ea typeface="맑은 고딕" charset="0"/>
+              </a:rPr>
+              <a:t>그런 다음</a:t>
+            </a:r>
+            <a:r>
+              <a:rPr lang="ko-KR" sz="1800">
+                <a:latin typeface="맑은 고딕" charset="0"/>
+                <a:ea typeface="맑은 고딕" charset="0"/>
+              </a:rPr>
+              <a:t> </a:t>
+            </a:r>
+            <a:r>
+              <a:rPr lang="ko-KR" sz="1800">
+                <a:latin typeface="맑은 고딕" charset="0"/>
+                <a:ea typeface="맑은 고딕" charset="0"/>
+              </a:rPr>
+              <a:t>Controller 스크립트의 Point 배열 Element 0에 First Position 오브젝트를 넣어줍니다.</a:t>
+            </a:r>
+            <a:endParaRPr lang="ko-KR" altLang="en-US" sz="1800">
+              <a:latin typeface="맑은 고딕" charset="0"/>
+              <a:ea typeface="맑은 고딕" charset="0"/>
+            </a:endParaRPr>
+          </a:p>
+        </p:txBody>
+      </p:sp>
       <p:pic>
         <p:nvPicPr>
-          <p:cNvPr id="1225" name="그림 15" descr="C:/Users/Admin1/AppData/Roaming/PolarisOffice/ETemp/20768_20502728/fImage85063979718.png"/>
+          <p:cNvPr id="1231" name="그림 28" descr="C:/Users/Admin1/AppData/Roaming/PolarisOffice/ETemp/20768_20502728/fImage121103411478.png"/>
+          <p:cNvPicPr>
+            <a:picLocks noChangeAspect="1"/>
+          </p:cNvPicPr>
+          <p:nvPr/>
+        </p:nvPicPr>
+        <p:blipFill rotWithShape="1">
+          <a:blip r:embed="rId4" cstate="print">
+            <a:extLst>
+              <a:ext uri="{28A0092B-C50C-407E-A947-70E740481C1C}">
+                <a14:useLocalDpi xmlns:a14="http://schemas.microsoft.com/office/drawing/2010/main" val="0"/>
+              </a:ext>
+            </a:extLst>
+          </a:blip>
+          <a:stretch>
+            <a:fillRect/>
+          </a:stretch>
+        </p:blipFill>
+        <p:spPr>
+          <a:xfrm rot="0">
+            <a:off x="1230630" y="3907155"/>
+            <a:ext cx="4148455" cy="1522095"/>
+          </a:xfrm>
+          <a:prstGeom prst="roundRect"/>
+          <a:solidFill>
+            <a:srgbClr val="EDEDED"/>
+          </a:solidFill>
+        </p:spPr>
+      </p:pic>
+      <p:pic>
+        <p:nvPicPr>
+          <p:cNvPr id="1232" name="그림 31" descr="C:/Users/Admin1/AppData/Roaming/PolarisOffice/ETemp/20768_20502728/fImage85063979718.png"/>
           <p:cNvPicPr>
             <a:picLocks noChangeAspect="1"/>
           </p:cNvPicPr>
@@ -11219,8 +11477,8 @@
         </p:blipFill>
         <p:spPr>
           <a:xfrm rot="0">
-            <a:off x="1238885" y="1454785"/>
-            <a:ext cx="2636520" cy="3550920"/>
+            <a:off x="6816725" y="1454785"/>
+            <a:ext cx="2620010" cy="3550920"/>
           </a:xfrm>
           <a:prstGeom prst="roundRect"/>
           <a:solidFill>
@@ -11230,7 +11488,7 @@
       </p:pic>
       <p:sp>
         <p:nvSpPr>
-          <p:cNvPr id="1226" name="텍스트 상자 16"/>
+          <p:cNvPr id="1234" name="텍스트 상자 33"/>
           <p:cNvSpPr txBox="1">
             <a:spLocks/>
           </p:cNvSpPr>
@@ -11238,8 +11496,8 @@
         </p:nvSpPr>
         <p:spPr>
           <a:xfrm rot="0">
-            <a:off x="1243330" y="5245100"/>
-            <a:ext cx="4135755" cy="923925"/>
+            <a:off x="6804660" y="5245100"/>
+            <a:ext cx="4152900" cy="923925"/>
           </a:xfrm>
           <a:prstGeom prst="rect"/>
           <a:noFill/>
@@ -11276,7 +11534,7 @@
                 <a:latin typeface="맑은 고딕" charset="0"/>
                 <a:ea typeface="맑은 고딕" charset="0"/>
               </a:rPr>
-              <a:t>3</a:t>
+              <a:t>8</a:t>
             </a:r>
             <a:r>
               <a:rPr sz="1800" b="1">
@@ -11307,35 +11565,21 @@
                 <a:latin typeface="맑은 고딕" charset="0"/>
                 <a:ea typeface="맑은 고딕" charset="0"/>
               </a:rPr>
-              <a:t> 빈 게임 오브젝트를 생성</a:t>
+              <a:t> 빈 게임 오브젝트를 생성한 다음 </a:t>
             </a:r>
             <a:r>
               <a:rPr lang="ko-KR" sz="1800">
                 <a:latin typeface="맑은 고딕" charset="0"/>
                 <a:ea typeface="맑은 고딕" charset="0"/>
               </a:rPr>
-              <a:t>하고</a:t>
+              <a:t>Third</a:t>
             </a:r>
             <a:r>
               <a:rPr lang="ko-KR" sz="1800">
                 <a:latin typeface="맑은 고딕" charset="0"/>
                 <a:ea typeface="맑은 고딕" charset="0"/>
               </a:rPr>
-              <a:t> </a:t>
-            </a:r>
-            <a:r>
-              <a:rPr lang="ko-KR" sz="1800">
-                <a:latin typeface="맑은 고딕" charset="0"/>
-                <a:ea typeface="맑은 고딕" charset="0"/>
-              </a:rPr>
-              <a:t>Second </a:t>
-            </a:r>
-            <a:r>
-              <a:rPr lang="ko-KR" sz="1800">
-                <a:latin typeface="맑은 고딕" charset="0"/>
-                <a:ea typeface="맑은 고딕" charset="0"/>
-              </a:rPr>
-              <a:t>Position이라는 이름으로 정의합니다.</a:t>
+              <a:t> Position이라는 이름으로 정의합니다.</a:t>
             </a:r>
             <a:endParaRPr lang="ko-KR" altLang="en-US" sz="1800">
               <a:latin typeface="맑은 고딕" charset="0"/>
@@ -11346,7 +11590,7 @@
       </p:sp>
       <p:pic>
         <p:nvPicPr>
-          <p:cNvPr id="1227" name="그림 17" descr="C:/Users/Admin1/AppData/Roaming/PolarisOffice/ETemp/20768_20502728/fImage104963236500.png"/>
+          <p:cNvPr id="1235" name="그림 34" descr="C:/Users/Admin1/AppData/Roaming/PolarisOffice/ETemp/20768_20502728/fImage106793459358.png"/>
           <p:cNvPicPr>
             <a:picLocks noChangeAspect="1"/>
           </p:cNvPicPr>
@@ -11366,8 +11610,8 @@
         </p:blipFill>
         <p:spPr>
           <a:xfrm rot="0">
-            <a:off x="4031615" y="2194560"/>
-            <a:ext cx="1339215" cy="2062480"/>
+            <a:off x="9585325" y="2219325"/>
+            <a:ext cx="1363980" cy="2095500"/>
           </a:xfrm>
           <a:prstGeom prst="roundRect"/>
           <a:solidFill>
@@ -11399,7 +11643,7 @@
 </file>
 
 <file path=ppt/slides/slide16.xml><?xml version="1.0" encoding="utf-8"?>
-<p:sld xmlns:a="http://schemas.openxmlformats.org/drawingml/2006/main" xmlns:r="http://schemas.openxmlformats.org/officeDocument/2006/relationships" xmlns:p="http://schemas.openxmlformats.org/presentationml/2006/main">
+<p:sld xmlns:a="http://schemas.openxmlformats.org/drawingml/2006/main" xmlns:r="http://schemas.openxmlformats.org/officeDocument/2006/relationships" xmlns:p="http://schemas.openxmlformats.org/presentationml/2006/main" xmlns:p14="http://schemas.microsoft.com/office/powerpoint/2010/main">
   <p:cSld>
     <p:spTree>
       <p:nvGrpSpPr>
@@ -11463,7 +11707,7 @@
                 <a:latin typeface="나눔바른고딕" charset="0"/>
                 <a:ea typeface="나눔바른고딕" charset="0"/>
               </a:rPr>
-              <a:t>세</a:t>
+              <a:t>네</a:t>
             </a:r>
             <a:r>
               <a:rPr lang="ko-KR" altLang="en-US" sz="2500" b="1">
@@ -11495,7 +11739,7 @@
         </p:nvSpPr>
         <p:spPr>
           <a:xfrm rot="0">
-            <a:off x="1235075" y="5519420"/>
+            <a:off x="1235075" y="5511165"/>
             <a:ext cx="4135755" cy="647065"/>
           </a:xfrm>
           <a:prstGeom prst="rect"/>
@@ -11523,17 +11767,7 @@
                 <a:latin typeface="맑은 고딕" charset="0"/>
                 <a:ea typeface="맑은 고딕" charset="0"/>
               </a:rPr>
-              <a:t>3</a:t>
-            </a:r>
-            <a:r>
-              <a:rPr lang="ko-KR" sz="1800" b="1">
-                <a:solidFill>
-                  <a:srgbClr val="0611F2"/>
-                </a:solidFill>
-                <a:latin typeface="맑은 고딕" charset="0"/>
-                <a:ea typeface="맑은 고딕" charset="0"/>
-              </a:rPr>
-              <a:t>7</a:t>
+              <a:t>40</a:t>
             </a:r>
             <a:r>
               <a:rPr sz="1800" b="1">
@@ -11557,7 +11791,7 @@
                 <a:latin typeface="맑은 고딕" charset="0"/>
                 <a:ea typeface="맑은 고딕" charset="0"/>
               </a:rPr>
-              <a:t>그러고 나서 Second Position</a:t>
+              <a:t>그러고 나서 Third Position</a:t>
             </a:r>
             <a:r>
               <a:rPr lang="ko-KR" sz="1800">
@@ -11573,9 +11807,94 @@
           </a:p>
         </p:txBody>
       </p:sp>
+      <p:sp>
+        <p:nvSpPr>
+          <p:cNvPr id="1230" name="Rect 0"/>
+          <p:cNvSpPr txBox="1">
+            <a:spLocks/>
+          </p:cNvSpPr>
+          <p:nvPr/>
+        </p:nvSpPr>
+        <p:spPr>
+          <a:xfrm rot="0">
+            <a:off x="1238885" y="2855595"/>
+            <a:ext cx="4131945" cy="923925"/>
+          </a:xfrm>
+          <a:prstGeom prst="rect"/>
+          <a:noFill/>
+          <a:ln w="0">
+            <a:noFill/>
+            <a:prstDash/>
+          </a:ln>
+        </p:spPr>
+        <p:txBody>
+          <a:bodyPr wrap="square" lIns="89535" tIns="46355" rIns="89535" bIns="46355" numCol="1" vert="horz" anchor="t">
+            <a:spAutoFit/>
+          </a:bodyPr>
+          <a:lstStyle/>
+          <a:p>
+            <a:pPr marL="0" indent="0" rtl="0" algn="l" defTabSz="914400" eaLnBrk="1" latinLnBrk="0" hangingPunct="1">
+              <a:buFontTx/>
+              <a:buNone/>
+            </a:pPr>
+            <a:r>
+              <a:rPr sz="1800" b="1">
+                <a:solidFill>
+                  <a:srgbClr val="0611F2"/>
+                </a:solidFill>
+                <a:latin typeface="맑은 고딕" charset="0"/>
+                <a:ea typeface="맑은 고딕" charset="0"/>
+              </a:rPr>
+              <a:t>39</a:t>
+            </a:r>
+            <a:r>
+              <a:rPr sz="1800" b="1">
+                <a:solidFill>
+                  <a:srgbClr val="0611F2"/>
+                </a:solidFill>
+                <a:latin typeface="맑은 고딕" charset="0"/>
+                <a:ea typeface="맑은 고딕" charset="0"/>
+              </a:rPr>
+              <a:t>.</a:t>
+            </a:r>
+            <a:r>
+              <a:rPr sz="1800">
+                <a:latin typeface="맑은 고딕" charset="0"/>
+                <a:ea typeface="맑은 고딕" charset="0"/>
+              </a:rPr>
+              <a:t> </a:t>
+            </a:r>
+            <a:r>
+              <a:rPr lang="ko-KR" sz="1800">
+                <a:latin typeface="맑은 고딕" charset="0"/>
+                <a:ea typeface="맑은 고딕" charset="0"/>
+              </a:rPr>
+              <a:t>그다음</a:t>
+            </a:r>
+            <a:r>
+              <a:rPr lang="ko-KR" sz="1800">
+                <a:latin typeface="맑은 고딕" charset="0"/>
+                <a:ea typeface="맑은 고딕" charset="0"/>
+              </a:rPr>
+              <a:t> </a:t>
+            </a:r>
+            <a:r>
+              <a:rPr lang="ko-KR" sz="1800">
+                <a:latin typeface="맑은 고딕" charset="0"/>
+                <a:ea typeface="맑은 고딕" charset="0"/>
+              </a:rPr>
+              <a:t>Controller 스크립트의 Point 배열 Element 1에 Sceond Position 오브젝트를 넣어줍니다.</a:t>
+            </a:r>
+            <a:endParaRPr lang="ko-KR" altLang="en-US" sz="1800">
+              <a:latin typeface="맑은 고딕" charset="0"/>
+              <a:ea typeface="맑은 고딕" charset="0"/>
+            </a:endParaRPr>
+          </a:p>
+        </p:txBody>
+      </p:sp>
       <p:pic>
         <p:nvPicPr>
-          <p:cNvPr id="1227" name="그림 20" descr="C:/Users/Admin1/AppData/Roaming/PolarisOffice/ETemp/20768_20502728/fImage176213379169.png"/>
+          <p:cNvPr id="1236" name="그림 37"/>
           <p:cNvPicPr>
             <a:picLocks noChangeAspect="1"/>
           </p:cNvPicPr>
@@ -11595,8 +11914,8 @@
         </p:blipFill>
         <p:spPr>
           <a:xfrm rot="0">
-            <a:off x="2734945" y="1454785"/>
-            <a:ext cx="2635885" cy="1239520"/>
+            <a:off x="1230630" y="3915410"/>
+            <a:ext cx="4148455" cy="1505585"/>
           </a:xfrm>
           <a:prstGeom prst="roundRect"/>
           <a:solidFill>
@@ -11606,7 +11925,7 @@
       </p:pic>
       <p:pic>
         <p:nvPicPr>
-          <p:cNvPr id="1228" name="그림 23" descr="C:/Users/Admin1/AppData/Roaming/PolarisOffice/ETemp/20768_20502728/fImage104483385724.png"/>
+          <p:cNvPr id="1237" name="그림 43"/>
           <p:cNvPicPr>
             <a:picLocks noChangeAspect="1"/>
           </p:cNvPicPr>
@@ -11626,8 +11945,8 @@
         </p:blipFill>
         <p:spPr>
           <a:xfrm rot="0">
-            <a:off x="1242695" y="1455420"/>
-            <a:ext cx="1360170" cy="1247140"/>
+            <a:off x="1240155" y="1454785"/>
+            <a:ext cx="1387475" cy="1288415"/>
           </a:xfrm>
           <a:prstGeom prst="roundRect"/>
           <a:solidFill>
@@ -11635,16 +11954,47 @@
           </a:solidFill>
         </p:spPr>
       </p:pic>
+      <p:pic>
+        <p:nvPicPr>
+          <p:cNvPr id="1238" name="그림 46"/>
+          <p:cNvPicPr>
+            <a:picLocks noChangeAspect="1"/>
+          </p:cNvPicPr>
+          <p:nvPr/>
+        </p:nvPicPr>
+        <p:blipFill rotWithShape="1">
+          <a:blip r:embed="rId4" cstate="print">
+            <a:extLst>
+              <a:ext uri="{28A0092B-C50C-407E-A947-70E740481C1C}">
+                <a14:useLocalDpi xmlns:a14="http://schemas.microsoft.com/office/drawing/2010/main" val="0"/>
+              </a:ext>
+            </a:extLst>
+          </a:blip>
+          <a:stretch>
+            <a:fillRect/>
+          </a:stretch>
+        </p:blipFill>
+        <p:spPr>
+          <a:xfrm rot="0">
+            <a:off x="2768600" y="1454785"/>
+            <a:ext cx="2610485" cy="1280795"/>
+          </a:xfrm>
+          <a:prstGeom prst="roundRect"/>
+          <a:solidFill>
+            <a:srgbClr val="EDEDED"/>
+          </a:solidFill>
+        </p:spPr>
+      </p:pic>
       <p:cxnSp>
         <p:nvCxnSpPr>
-          <p:cNvPr id="1229" name="도형 26"/>
+          <p:cNvPr id="1229" name="Rect 0"/>
           <p:cNvCxnSpPr/>
           <p:nvPr/>
         </p:nvCxnSpPr>
         <p:spPr>
           <a:xfrm rot="0" flipV="1">
-            <a:off x="2219960" y="2061845"/>
-            <a:ext cx="3026410" cy="448945"/>
+            <a:off x="2419350" y="2211070"/>
+            <a:ext cx="2835275" cy="350520"/>
           </a:xfrm>
           <a:prstGeom prst="straightConnector1"/>
           <a:ln w="6350" cap="flat" cmpd="sng">
@@ -11670,7 +12020,7 @@
       </p:cxnSp>
       <p:sp>
         <p:nvSpPr>
-          <p:cNvPr id="1230" name="텍스트 상자 27"/>
+          <p:cNvPr id="1239" name="텍스트 상자 49"/>
           <p:cNvSpPr txBox="1">
             <a:spLocks/>
           </p:cNvSpPr>
@@ -11678,8 +12028,8 @@
         </p:nvSpPr>
         <p:spPr>
           <a:xfrm rot="0">
-            <a:off x="1248410" y="2839085"/>
-            <a:ext cx="4122420" cy="923925"/>
+            <a:off x="6816725" y="4957445"/>
+            <a:ext cx="4166235" cy="1201420"/>
           </a:xfrm>
           <a:prstGeom prst="rect"/>
           <a:noFill/>
@@ -11706,55 +12056,119 @@
                 <a:latin typeface="맑은 고딕" charset="0"/>
                 <a:ea typeface="맑은 고딕" charset="0"/>
               </a:rPr>
-              <a:t>3</a:t>
-            </a:r>
-            <a:r>
-              <a:rPr lang="ko-KR" sz="1800" b="1">
-                <a:solidFill>
-                  <a:srgbClr val="0611F2"/>
-                </a:solidFill>
-                <a:latin typeface="맑은 고딕" charset="0"/>
-                <a:ea typeface="맑은 고딕" charset="0"/>
-              </a:rPr>
-              <a:t>6</a:t>
-            </a:r>
-            <a:r>
-              <a:rPr sz="1800" b="1">
-                <a:solidFill>
-                  <a:srgbClr val="0611F2"/>
-                </a:solidFill>
-                <a:latin typeface="맑은 고딕" charset="0"/>
-                <a:ea typeface="맑은 고딕" charset="0"/>
-              </a:rPr>
-              <a:t>.</a:t>
+              <a:t>41.</a:t>
             </a:r>
             <a:r>
               <a:rPr sz="1800">
                 <a:latin typeface="맑은 고딕" charset="0"/>
                 <a:ea typeface="맑은 고딕" charset="0"/>
               </a:rPr>
+              <a:t> 그</a:t>
+            </a:r>
+            <a:r>
+              <a:rPr lang="ko-KR" sz="1800">
+                <a:latin typeface="맑은 고딕" charset="0"/>
+                <a:ea typeface="맑은 고딕" charset="0"/>
+              </a:rPr>
+              <a:t>런 다음</a:t>
+            </a:r>
+            <a:r>
+              <a:rPr sz="1800">
+                <a:latin typeface="맑은 고딕" charset="0"/>
+                <a:ea typeface="맑은 고딕" charset="0"/>
+              </a:rPr>
+              <a:t> First Position </a:t>
+            </a:r>
+            <a:r>
+              <a:rPr sz="1800">
+                <a:latin typeface="맑은 고딕" charset="0"/>
+                <a:ea typeface="맑은 고딕" charset="0"/>
+              </a:rPr>
+              <a:t>오브젝트와</a:t>
+            </a:r>
+            <a:r>
+              <a:rPr sz="1800">
+                <a:latin typeface="맑은 고딕" charset="0"/>
+                <a:ea typeface="맑은 고딕" charset="0"/>
+              </a:rPr>
               <a:t> </a:t>
             </a:r>
             <a:r>
+              <a:rPr sz="1800">
+                <a:latin typeface="맑은 고딕" charset="0"/>
+                <a:ea typeface="맑은 고딕" charset="0"/>
+              </a:rPr>
+              <a:t>Second</a:t>
+            </a:r>
+            <a:r>
+              <a:rPr sz="1800">
+                <a:latin typeface="맑은 고딕" charset="0"/>
+                <a:ea typeface="맑은 고딕" charset="0"/>
+              </a:rPr>
+              <a:t> Position 오브젝트 </a:t>
+            </a:r>
+            <a:r>
+              <a:rPr sz="1800">
+                <a:latin typeface="맑은 고딕" charset="0"/>
+                <a:ea typeface="맑은 고딕" charset="0"/>
+              </a:rPr>
+              <a:t>그리고</a:t>
+            </a:r>
+            <a:r>
+              <a:rPr sz="1800">
+                <a:latin typeface="맑은 고딕" charset="0"/>
+                <a:ea typeface="맑은 고딕" charset="0"/>
+              </a:rPr>
+              <a:t> Third </a:t>
+            </a:r>
+            <a:r>
+              <a:rPr sz="1800">
+                <a:latin typeface="맑은 고딕" charset="0"/>
+                <a:ea typeface="맑은 고딕" charset="0"/>
+              </a:rPr>
+              <a:t>Position</a:t>
+            </a:r>
+            <a:r>
+              <a:rPr sz="1800">
+                <a:latin typeface="맑은 고딕" charset="0"/>
+                <a:ea typeface="맑은 고딕" charset="0"/>
+              </a:rPr>
+              <a:t> 오브젝트</a:t>
+            </a:r>
+            <a:r>
               <a:rPr lang="ko-KR" sz="1800">
                 <a:latin typeface="맑은 고딕" charset="0"/>
                 <a:ea typeface="맑은 고딕" charset="0"/>
               </a:rPr>
-              <a:t>그런 다음</a:t>
-            </a:r>
-            <a:r>
-              <a:rPr lang="ko-KR" sz="1800">
+              <a:t>에</a:t>
+            </a:r>
+            <a:r>
+              <a:rPr sz="1800">
                 <a:latin typeface="맑은 고딕" charset="0"/>
                 <a:ea typeface="맑은 고딕" charset="0"/>
               </a:rPr>
               <a:t> </a:t>
             </a:r>
             <a:r>
-              <a:rPr lang="ko-KR" sz="1800">
-                <a:latin typeface="맑은 고딕" charset="0"/>
-                <a:ea typeface="맑은 고딕" charset="0"/>
-              </a:rPr>
-              <a:t>Controller 스크립트의 Point 배열 Element 0에 First Position 오브젝트를 넣어줍니다.</a:t>
+              <a:rPr sz="1800">
+                <a:latin typeface="맑은 고딕" charset="0"/>
+                <a:ea typeface="맑은 고딕" charset="0"/>
+              </a:rPr>
+              <a:t>Select</a:t>
+            </a:r>
+            <a:r>
+              <a:rPr sz="1800">
+                <a:latin typeface="맑은 고딕" charset="0"/>
+                <a:ea typeface="맑은 고딕" charset="0"/>
+              </a:rPr>
+              <a:t> Icon을 </a:t>
+            </a:r>
+            <a:r>
+              <a:rPr sz="1800">
+                <a:latin typeface="맑은 고딕" charset="0"/>
+                <a:ea typeface="맑은 고딕" charset="0"/>
+              </a:rPr>
+              <a:t>설정합니다.</a:t>
             </a:r>
             <a:endParaRPr lang="ko-KR" altLang="en-US" sz="1800">
               <a:latin typeface="맑은 고딕" charset="0"/>
@@ -11765,38 +12179,7 @@
       </p:sp>
       <p:pic>
         <p:nvPicPr>
-          <p:cNvPr id="1231" name="그림 28" descr="C:/Users/Admin1/AppData/Roaming/PolarisOffice/ETemp/20768_20502728/fImage121103411478.png"/>
-          <p:cNvPicPr>
-            <a:picLocks noChangeAspect="1"/>
-          </p:cNvPicPr>
-          <p:nvPr/>
-        </p:nvPicPr>
-        <p:blipFill rotWithShape="1">
-          <a:blip r:embed="rId4" cstate="print">
-            <a:extLst>
-              <a:ext uri="{28A0092B-C50C-407E-A947-70E740481C1C}">
-                <a14:useLocalDpi xmlns:a14="http://schemas.microsoft.com/office/drawing/2010/main" val="0"/>
-              </a:ext>
-            </a:extLst>
-          </a:blip>
-          <a:stretch>
-            <a:fillRect/>
-          </a:stretch>
-        </p:blipFill>
-        <p:spPr>
-          <a:xfrm rot="0">
-            <a:off x="1230630" y="3907155"/>
-            <a:ext cx="4148455" cy="1522095"/>
-          </a:xfrm>
-          <a:prstGeom prst="roundRect"/>
-          <a:solidFill>
-            <a:srgbClr val="EDEDED"/>
-          </a:solidFill>
-        </p:spPr>
-      </p:pic>
-      <p:pic>
-        <p:nvPicPr>
-          <p:cNvPr id="1232" name="그림 31" descr="C:/Users/Admin1/AppData/Roaming/PolarisOffice/ETemp/20768_20502728/fImage85063979718.png"/>
+          <p:cNvPr id="1240" name="그림 50" descr="C:/Users/Admin1/AppData/Roaming/PolarisOffice/ETemp/8152_16964152/fImage70123648145.png"/>
           <p:cNvPicPr>
             <a:picLocks noChangeAspect="1"/>
           </p:cNvPicPr>
@@ -11816,8 +12199,8 @@
         </p:blipFill>
         <p:spPr>
           <a:xfrm rot="0">
-            <a:off x="6816725" y="1454785"/>
-            <a:ext cx="2620010" cy="3550920"/>
+            <a:off x="9401810" y="1961515"/>
+            <a:ext cx="1581150" cy="2314575"/>
           </a:xfrm>
           <a:prstGeom prst="roundRect"/>
           <a:solidFill>
@@ -11825,121 +12208,19 @@
           </a:solidFill>
         </p:spPr>
       </p:pic>
-      <p:sp>
-        <p:nvSpPr>
-          <p:cNvPr id="1234" name="텍스트 상자 33"/>
-          <p:cNvSpPr txBox="1">
-            <a:spLocks/>
-          </p:cNvSpPr>
-          <p:nvPr/>
-        </p:nvSpPr>
-        <p:spPr>
-          <a:xfrm rot="0">
-            <a:off x="6804660" y="5245100"/>
-            <a:ext cx="4152900" cy="923925"/>
-          </a:xfrm>
-          <a:prstGeom prst="rect"/>
-          <a:noFill/>
-          <a:ln w="0">
-            <a:noFill/>
-            <a:prstDash/>
-          </a:ln>
-        </p:spPr>
-        <p:txBody>
-          <a:bodyPr wrap="square" lIns="89535" tIns="46355" rIns="89535" bIns="46355" numCol="1" vert="horz" anchor="t">
-            <a:spAutoFit/>
-          </a:bodyPr>
-          <a:lstStyle/>
-          <a:p>
-            <a:pPr marL="0" indent="0" rtl="0" algn="l" defTabSz="914400" eaLnBrk="1" latinLnBrk="0" hangingPunct="1">
-              <a:buFontTx/>
-              <a:buNone/>
-            </a:pPr>
-            <a:r>
-              <a:rPr sz="1800" b="1">
-                <a:solidFill>
-                  <a:srgbClr val="0611F2"/>
-                </a:solidFill>
-                <a:latin typeface="맑은 고딕" charset="0"/>
-                <a:ea typeface="맑은 고딕" charset="0"/>
-              </a:rPr>
-              <a:t>3</a:t>
-            </a:r>
-            <a:r>
-              <a:rPr sz="1800" b="1">
-                <a:solidFill>
-                  <a:srgbClr val="0611F2"/>
-                </a:solidFill>
-                <a:latin typeface="맑은 고딕" charset="0"/>
-                <a:ea typeface="맑은 고딕" charset="0"/>
-              </a:rPr>
-              <a:t>8</a:t>
-            </a:r>
-            <a:r>
-              <a:rPr sz="1800" b="1">
-                <a:solidFill>
-                  <a:srgbClr val="0611F2"/>
-                </a:solidFill>
-                <a:latin typeface="맑은 고딕" charset="0"/>
-                <a:ea typeface="맑은 고딕" charset="0"/>
-              </a:rPr>
-              <a:t>.</a:t>
-            </a:r>
-            <a:r>
-              <a:rPr sz="1800">
-                <a:latin typeface="맑은 고딕" charset="0"/>
-                <a:ea typeface="맑은 고딕" charset="0"/>
-              </a:rPr>
-              <a:t> </a:t>
-            </a:r>
-            <a:r>
-              <a:rPr lang="ko-KR" sz="1800">
-                <a:latin typeface="맑은 고딕" charset="0"/>
-                <a:ea typeface="맑은 고딕" charset="0"/>
-              </a:rPr>
-              <a:t>이제</a:t>
-            </a:r>
-            <a:r>
-              <a:rPr lang="ko-KR" sz="1800">
-                <a:latin typeface="맑은 고딕" charset="0"/>
-                <a:ea typeface="맑은 고딕" charset="0"/>
-              </a:rPr>
-              <a:t> 빈 게임 오브젝트를 생성한 다음 </a:t>
-            </a:r>
-            <a:r>
-              <a:rPr lang="ko-KR" sz="1800">
-                <a:latin typeface="맑은 고딕" charset="0"/>
-                <a:ea typeface="맑은 고딕" charset="0"/>
-              </a:rPr>
-              <a:t>Third</a:t>
-            </a:r>
-            <a:r>
-              <a:rPr lang="ko-KR" sz="1800">
-                <a:latin typeface="맑은 고딕" charset="0"/>
-                <a:ea typeface="맑은 고딕" charset="0"/>
-              </a:rPr>
-              <a:t> Position이라는 이름으로 정의합니다.</a:t>
-            </a:r>
-            <a:endParaRPr lang="ko-KR" altLang="en-US" sz="1800">
-              <a:latin typeface="맑은 고딕" charset="0"/>
-              <a:ea typeface="맑은 고딕" charset="0"/>
-            </a:endParaRPr>
-          </a:p>
-        </p:txBody>
-      </p:sp>
       <p:pic>
         <p:nvPicPr>
-          <p:cNvPr id="1235" name="그림 34" descr="C:/Users/Admin1/AppData/Roaming/PolarisOffice/ETemp/20768_20502728/fImage106793459358.png"/>
+          <p:cNvPr id="1241" name="그림 51" descr="C:/Users/Admin1/AppData/Roaming/PolarisOffice/ETemp/8152_16964152/fImage111653653281.png"/>
           <p:cNvPicPr>
             <a:picLocks noChangeAspect="1"/>
           </p:cNvPicPr>
           <p:nvPr/>
         </p:nvPicPr>
         <p:blipFill rotWithShape="1">
-          <a:blip r:embed="rId6" cstate="print">
+          <a:blip r:embed="rId6" cstate="hqprint">
             <a:extLst>
               <a:ext uri="{28A0092B-C50C-407E-A947-70E740481C1C}">
-                <a14:useLocalDpi xmlns:a14="http://schemas.microsoft.com/office/drawing/2010/main" val="0"/>
+                <a14:useLocalDpi xmlns:a14="http://schemas.microsoft.com/office/drawing/2010/main"/>
               </a:ext>
             </a:extLst>
           </a:blip>
@@ -11949,8 +12230,8 @@
         </p:blipFill>
         <p:spPr>
           <a:xfrm rot="0">
-            <a:off x="9585325" y="2219325"/>
-            <a:ext cx="1363980" cy="2095500"/>
+            <a:off x="6816725" y="1446530"/>
+            <a:ext cx="2353945" cy="3359785"/>
           </a:xfrm>
           <a:prstGeom prst="roundRect"/>
           <a:solidFill>
@@ -12008,626 +12289,6 @@
         </p:nvSpPr>
         <p:spPr>
           <a:xfrm rot="0">
-            <a:off x="4564380" y="370840"/>
-            <a:ext cx="3072130" cy="478155"/>
-          </a:xfrm>
-          <a:prstGeom prst="rect"/>
-          <a:noFill/>
-          <a:ln w="0">
-            <a:noFill/>
-            <a:prstDash/>
-          </a:ln>
-        </p:spPr>
-        <p:txBody>
-          <a:bodyPr wrap="square" lIns="89535" tIns="46355" rIns="89535" bIns="46355" numCol="1" vert="horz" anchor="t">
-            <a:spAutoFit/>
-          </a:bodyPr>
-          <a:lstStyle/>
-          <a:p>
-            <a:pPr marL="0" indent="0" algn="ctr" latinLnBrk="0">
-              <a:buFontTx/>
-              <a:buNone/>
-            </a:pPr>
-            <a:r>
-              <a:rPr lang="ko-KR" altLang="en-US" sz="2500" b="1">
-                <a:solidFill>
-                  <a:schemeClr val="tx1"/>
-                </a:solidFill>
-                <a:latin typeface="나눔바른고딕" charset="0"/>
-                <a:ea typeface="나눔바른고딕" charset="0"/>
-              </a:rPr>
-              <a:t>열</a:t>
-            </a:r>
-            <a:r>
-              <a:rPr lang="ko-KR" altLang="en-US" sz="2500" b="1">
-                <a:solidFill>
-                  <a:schemeClr val="tx1"/>
-                </a:solidFill>
-                <a:latin typeface="나눔바른고딕" charset="0"/>
-                <a:ea typeface="나눔바른고딕" charset="0"/>
-              </a:rPr>
-              <a:t>네</a:t>
-            </a:r>
-            <a:r>
-              <a:rPr lang="ko-KR" altLang="en-US" sz="2500" b="1">
-                <a:solidFill>
-                  <a:schemeClr val="tx1"/>
-                </a:solidFill>
-                <a:latin typeface="나눔바른고딕" charset="0"/>
-                <a:ea typeface="나눔바른고딕" charset="0"/>
-              </a:rPr>
-              <a:t> 번째 튜토리얼</a:t>
-            </a:r>
-            <a:endParaRPr lang="ko-KR" altLang="en-US" sz="2500" b="1">
-              <a:solidFill>
-                <a:schemeClr val="tx1"/>
-              </a:solidFill>
-              <a:latin typeface="나눔바른고딕" charset="0"/>
-              <a:ea typeface="나눔바른고딕" charset="0"/>
-            </a:endParaRPr>
-          </a:p>
-        </p:txBody>
-      </p:sp>
-      <p:sp>
-        <p:nvSpPr>
-          <p:cNvPr id="1226" name="Rect 0"/>
-          <p:cNvSpPr txBox="1">
-            <a:spLocks/>
-          </p:cNvSpPr>
-          <p:nvPr/>
-        </p:nvSpPr>
-        <p:spPr>
-          <a:xfrm rot="0">
-            <a:off x="1235075" y="5511165"/>
-            <a:ext cx="4135755" cy="647065"/>
-          </a:xfrm>
-          <a:prstGeom prst="rect"/>
-          <a:noFill/>
-          <a:ln w="0">
-            <a:noFill/>
-            <a:prstDash/>
-          </a:ln>
-        </p:spPr>
-        <p:txBody>
-          <a:bodyPr wrap="square" lIns="89535" tIns="46355" rIns="89535" bIns="46355" numCol="1" vert="horz" anchor="t">
-            <a:spAutoFit/>
-          </a:bodyPr>
-          <a:lstStyle/>
-          <a:p>
-            <a:pPr marL="0" indent="0" rtl="0" algn="l" defTabSz="914400" eaLnBrk="1" latinLnBrk="0" hangingPunct="1">
-              <a:buFontTx/>
-              <a:buNone/>
-            </a:pPr>
-            <a:r>
-              <a:rPr sz="1800" b="1">
-                <a:solidFill>
-                  <a:srgbClr val="0611F2"/>
-                </a:solidFill>
-                <a:latin typeface="맑은 고딕" charset="0"/>
-                <a:ea typeface="맑은 고딕" charset="0"/>
-              </a:rPr>
-              <a:t>40</a:t>
-            </a:r>
-            <a:r>
-              <a:rPr sz="1800" b="1">
-                <a:solidFill>
-                  <a:srgbClr val="0611F2"/>
-                </a:solidFill>
-                <a:latin typeface="맑은 고딕" charset="0"/>
-                <a:ea typeface="맑은 고딕" charset="0"/>
-              </a:rPr>
-              <a:t>.</a:t>
-            </a:r>
-            <a:r>
-              <a:rPr sz="1800">
-                <a:latin typeface="맑은 고딕" charset="0"/>
-                <a:ea typeface="맑은 고딕" charset="0"/>
-              </a:rPr>
-              <a:t> </a:t>
-            </a:r>
-            <a:r>
-              <a:rPr lang="ko-KR" sz="1800">
-                <a:latin typeface="맑은 고딕" charset="0"/>
-                <a:ea typeface="맑은 고딕" charset="0"/>
-              </a:rPr>
-              <a:t>그러고 나서 Third Position</a:t>
-            </a:r>
-            <a:r>
-              <a:rPr lang="ko-KR" sz="1800">
-                <a:latin typeface="맑은 고딕" charset="0"/>
-                <a:ea typeface="맑은 고딕" charset="0"/>
-              </a:rPr>
-              <a:t> 오브젝트의 위치를 설정합니다.</a:t>
-            </a:r>
-            <a:endParaRPr lang="ko-KR" altLang="en-US" sz="1800">
-              <a:latin typeface="맑은 고딕" charset="0"/>
-              <a:ea typeface="맑은 고딕" charset="0"/>
-            </a:endParaRPr>
-          </a:p>
-        </p:txBody>
-      </p:sp>
-      <p:sp>
-        <p:nvSpPr>
-          <p:cNvPr id="1230" name="Rect 0"/>
-          <p:cNvSpPr txBox="1">
-            <a:spLocks/>
-          </p:cNvSpPr>
-          <p:nvPr/>
-        </p:nvSpPr>
-        <p:spPr>
-          <a:xfrm rot="0">
-            <a:off x="1238885" y="2855595"/>
-            <a:ext cx="4131945" cy="923925"/>
-          </a:xfrm>
-          <a:prstGeom prst="rect"/>
-          <a:noFill/>
-          <a:ln w="0">
-            <a:noFill/>
-            <a:prstDash/>
-          </a:ln>
-        </p:spPr>
-        <p:txBody>
-          <a:bodyPr wrap="square" lIns="89535" tIns="46355" rIns="89535" bIns="46355" numCol="1" vert="horz" anchor="t">
-            <a:spAutoFit/>
-          </a:bodyPr>
-          <a:lstStyle/>
-          <a:p>
-            <a:pPr marL="0" indent="0" rtl="0" algn="l" defTabSz="914400" eaLnBrk="1" latinLnBrk="0" hangingPunct="1">
-              <a:buFontTx/>
-              <a:buNone/>
-            </a:pPr>
-            <a:r>
-              <a:rPr sz="1800" b="1">
-                <a:solidFill>
-                  <a:srgbClr val="0611F2"/>
-                </a:solidFill>
-                <a:latin typeface="맑은 고딕" charset="0"/>
-                <a:ea typeface="맑은 고딕" charset="0"/>
-              </a:rPr>
-              <a:t>39</a:t>
-            </a:r>
-            <a:r>
-              <a:rPr sz="1800" b="1">
-                <a:solidFill>
-                  <a:srgbClr val="0611F2"/>
-                </a:solidFill>
-                <a:latin typeface="맑은 고딕" charset="0"/>
-                <a:ea typeface="맑은 고딕" charset="0"/>
-              </a:rPr>
-              <a:t>.</a:t>
-            </a:r>
-            <a:r>
-              <a:rPr sz="1800">
-                <a:latin typeface="맑은 고딕" charset="0"/>
-                <a:ea typeface="맑은 고딕" charset="0"/>
-              </a:rPr>
-              <a:t> </a:t>
-            </a:r>
-            <a:r>
-              <a:rPr lang="ko-KR" sz="1800">
-                <a:latin typeface="맑은 고딕" charset="0"/>
-                <a:ea typeface="맑은 고딕" charset="0"/>
-              </a:rPr>
-              <a:t>그다음</a:t>
-            </a:r>
-            <a:r>
-              <a:rPr lang="ko-KR" sz="1800">
-                <a:latin typeface="맑은 고딕" charset="0"/>
-                <a:ea typeface="맑은 고딕" charset="0"/>
-              </a:rPr>
-              <a:t> </a:t>
-            </a:r>
-            <a:r>
-              <a:rPr lang="ko-KR" sz="1800">
-                <a:latin typeface="맑은 고딕" charset="0"/>
-                <a:ea typeface="맑은 고딕" charset="0"/>
-              </a:rPr>
-              <a:t>Controller 스크립트의 Point 배열 Element 1에 Sceond Position 오브젝트를 넣어줍니다.</a:t>
-            </a:r>
-            <a:endParaRPr lang="ko-KR" altLang="en-US" sz="1800">
-              <a:latin typeface="맑은 고딕" charset="0"/>
-              <a:ea typeface="맑은 고딕" charset="0"/>
-            </a:endParaRPr>
-          </a:p>
-        </p:txBody>
-      </p:sp>
-      <p:pic>
-        <p:nvPicPr>
-          <p:cNvPr id="1236" name="그림 37"/>
-          <p:cNvPicPr>
-            <a:picLocks noChangeAspect="1"/>
-          </p:cNvPicPr>
-          <p:nvPr/>
-        </p:nvPicPr>
-        <p:blipFill rotWithShape="1">
-          <a:blip r:embed="rId2" cstate="print">
-            <a:extLst>
-              <a:ext uri="{28A0092B-C50C-407E-A947-70E740481C1C}">
-                <a14:useLocalDpi xmlns:a14="http://schemas.microsoft.com/office/drawing/2010/main" val="0"/>
-              </a:ext>
-            </a:extLst>
-          </a:blip>
-          <a:stretch>
-            <a:fillRect/>
-          </a:stretch>
-        </p:blipFill>
-        <p:spPr>
-          <a:xfrm rot="0">
-            <a:off x="1230630" y="3915410"/>
-            <a:ext cx="4148455" cy="1505585"/>
-          </a:xfrm>
-          <a:prstGeom prst="roundRect"/>
-          <a:solidFill>
-            <a:srgbClr val="EDEDED"/>
-          </a:solidFill>
-        </p:spPr>
-      </p:pic>
-      <p:pic>
-        <p:nvPicPr>
-          <p:cNvPr id="1237" name="그림 43"/>
-          <p:cNvPicPr>
-            <a:picLocks noChangeAspect="1"/>
-          </p:cNvPicPr>
-          <p:nvPr/>
-        </p:nvPicPr>
-        <p:blipFill rotWithShape="1">
-          <a:blip r:embed="rId3" cstate="print">
-            <a:extLst>
-              <a:ext uri="{28A0092B-C50C-407E-A947-70E740481C1C}">
-                <a14:useLocalDpi xmlns:a14="http://schemas.microsoft.com/office/drawing/2010/main" val="0"/>
-              </a:ext>
-            </a:extLst>
-          </a:blip>
-          <a:stretch>
-            <a:fillRect/>
-          </a:stretch>
-        </p:blipFill>
-        <p:spPr>
-          <a:xfrm rot="0">
-            <a:off x="1240155" y="1454785"/>
-            <a:ext cx="1387475" cy="1288415"/>
-          </a:xfrm>
-          <a:prstGeom prst="roundRect"/>
-          <a:solidFill>
-            <a:srgbClr val="EDEDED"/>
-          </a:solidFill>
-        </p:spPr>
-      </p:pic>
-      <p:pic>
-        <p:nvPicPr>
-          <p:cNvPr id="1238" name="그림 46"/>
-          <p:cNvPicPr>
-            <a:picLocks noChangeAspect="1"/>
-          </p:cNvPicPr>
-          <p:nvPr/>
-        </p:nvPicPr>
-        <p:blipFill rotWithShape="1">
-          <a:blip r:embed="rId4" cstate="print">
-            <a:extLst>
-              <a:ext uri="{28A0092B-C50C-407E-A947-70E740481C1C}">
-                <a14:useLocalDpi xmlns:a14="http://schemas.microsoft.com/office/drawing/2010/main" val="0"/>
-              </a:ext>
-            </a:extLst>
-          </a:blip>
-          <a:stretch>
-            <a:fillRect/>
-          </a:stretch>
-        </p:blipFill>
-        <p:spPr>
-          <a:xfrm rot="0">
-            <a:off x="2768600" y="1454785"/>
-            <a:ext cx="2610485" cy="1280795"/>
-          </a:xfrm>
-          <a:prstGeom prst="roundRect"/>
-          <a:solidFill>
-            <a:srgbClr val="EDEDED"/>
-          </a:solidFill>
-        </p:spPr>
-      </p:pic>
-      <p:cxnSp>
-        <p:nvCxnSpPr>
-          <p:cNvPr id="1229" name="Rect 0"/>
-          <p:cNvCxnSpPr/>
-          <p:nvPr/>
-        </p:nvCxnSpPr>
-        <p:spPr>
-          <a:xfrm rot="0" flipV="1">
-            <a:off x="2419350" y="2211070"/>
-            <a:ext cx="2835275" cy="350520"/>
-          </a:xfrm>
-          <a:prstGeom prst="straightConnector1"/>
-          <a:ln w="6350" cap="flat" cmpd="sng">
-            <a:prstDash/>
-            <a:headEnd type="none" w="med" len="med"/>
-            <a:tailEnd type="triangle" w="med" len="med"/>
-          </a:ln>
-        </p:spPr>
-        <p:style>
-          <a:lnRef idx="1">
-            <a:schemeClr val="accent1"/>
-          </a:lnRef>
-          <a:fillRef idx="0">
-            <a:schemeClr val="accent1"/>
-          </a:fillRef>
-          <a:effectRef idx="0">
-            <a:schemeClr val="accent1"/>
-          </a:effectRef>
-          <a:fontRef idx="minor">
-            <a:schemeClr val="tx1"/>
-          </a:fontRef>
-        </p:style>
-      </p:cxnSp>
-      <p:sp>
-        <p:nvSpPr>
-          <p:cNvPr id="1239" name="텍스트 상자 49"/>
-          <p:cNvSpPr txBox="1">
-            <a:spLocks/>
-          </p:cNvSpPr>
-          <p:nvPr/>
-        </p:nvSpPr>
-        <p:spPr>
-          <a:xfrm rot="0">
-            <a:off x="6816725" y="4957445"/>
-            <a:ext cx="4166235" cy="1201420"/>
-          </a:xfrm>
-          <a:prstGeom prst="rect"/>
-          <a:noFill/>
-          <a:ln w="0">
-            <a:noFill/>
-            <a:prstDash/>
-          </a:ln>
-        </p:spPr>
-        <p:txBody>
-          <a:bodyPr wrap="square" lIns="89535" tIns="46355" rIns="89535" bIns="46355" numCol="1" vert="horz" anchor="t">
-            <a:spAutoFit/>
-          </a:bodyPr>
-          <a:lstStyle/>
-          <a:p>
-            <a:pPr marL="0" indent="0" rtl="0" algn="l" defTabSz="914400" eaLnBrk="1" latinLnBrk="0" hangingPunct="1">
-              <a:buFontTx/>
-              <a:buNone/>
-            </a:pPr>
-            <a:r>
-              <a:rPr sz="1800" b="1">
-                <a:solidFill>
-                  <a:srgbClr val="0611F2"/>
-                </a:solidFill>
-                <a:latin typeface="맑은 고딕" charset="0"/>
-                <a:ea typeface="맑은 고딕" charset="0"/>
-              </a:rPr>
-              <a:t>41.</a:t>
-            </a:r>
-            <a:r>
-              <a:rPr sz="1800">
-                <a:latin typeface="맑은 고딕" charset="0"/>
-                <a:ea typeface="맑은 고딕" charset="0"/>
-              </a:rPr>
-              <a:t> 그</a:t>
-            </a:r>
-            <a:r>
-              <a:rPr lang="ko-KR" sz="1800">
-                <a:latin typeface="맑은 고딕" charset="0"/>
-                <a:ea typeface="맑은 고딕" charset="0"/>
-              </a:rPr>
-              <a:t>런 다음</a:t>
-            </a:r>
-            <a:r>
-              <a:rPr sz="1800">
-                <a:latin typeface="맑은 고딕" charset="0"/>
-                <a:ea typeface="맑은 고딕" charset="0"/>
-              </a:rPr>
-              <a:t> First Position </a:t>
-            </a:r>
-            <a:r>
-              <a:rPr sz="1800">
-                <a:latin typeface="맑은 고딕" charset="0"/>
-                <a:ea typeface="맑은 고딕" charset="0"/>
-              </a:rPr>
-              <a:t>오브젝트와</a:t>
-            </a:r>
-            <a:r>
-              <a:rPr sz="1800">
-                <a:latin typeface="맑은 고딕" charset="0"/>
-                <a:ea typeface="맑은 고딕" charset="0"/>
-              </a:rPr>
-              <a:t> </a:t>
-            </a:r>
-            <a:r>
-              <a:rPr sz="1800">
-                <a:latin typeface="맑은 고딕" charset="0"/>
-                <a:ea typeface="맑은 고딕" charset="0"/>
-              </a:rPr>
-              <a:t>Second</a:t>
-            </a:r>
-            <a:r>
-              <a:rPr sz="1800">
-                <a:latin typeface="맑은 고딕" charset="0"/>
-                <a:ea typeface="맑은 고딕" charset="0"/>
-              </a:rPr>
-              <a:t> Position 오브젝트 </a:t>
-            </a:r>
-            <a:r>
-              <a:rPr sz="1800">
-                <a:latin typeface="맑은 고딕" charset="0"/>
-                <a:ea typeface="맑은 고딕" charset="0"/>
-              </a:rPr>
-              <a:t>그리고</a:t>
-            </a:r>
-            <a:r>
-              <a:rPr sz="1800">
-                <a:latin typeface="맑은 고딕" charset="0"/>
-                <a:ea typeface="맑은 고딕" charset="0"/>
-              </a:rPr>
-              <a:t> Third </a:t>
-            </a:r>
-            <a:r>
-              <a:rPr sz="1800">
-                <a:latin typeface="맑은 고딕" charset="0"/>
-                <a:ea typeface="맑은 고딕" charset="0"/>
-              </a:rPr>
-              <a:t>Position</a:t>
-            </a:r>
-            <a:r>
-              <a:rPr sz="1800">
-                <a:latin typeface="맑은 고딕" charset="0"/>
-                <a:ea typeface="맑은 고딕" charset="0"/>
-              </a:rPr>
-              <a:t> 오브젝트</a:t>
-            </a:r>
-            <a:r>
-              <a:rPr lang="ko-KR" sz="1800">
-                <a:latin typeface="맑은 고딕" charset="0"/>
-                <a:ea typeface="맑은 고딕" charset="0"/>
-              </a:rPr>
-              <a:t>에</a:t>
-            </a:r>
-            <a:r>
-              <a:rPr sz="1800">
-                <a:latin typeface="맑은 고딕" charset="0"/>
-                <a:ea typeface="맑은 고딕" charset="0"/>
-              </a:rPr>
-              <a:t> </a:t>
-            </a:r>
-            <a:r>
-              <a:rPr sz="1800">
-                <a:latin typeface="맑은 고딕" charset="0"/>
-                <a:ea typeface="맑은 고딕" charset="0"/>
-              </a:rPr>
-              <a:t>Select</a:t>
-            </a:r>
-            <a:r>
-              <a:rPr sz="1800">
-                <a:latin typeface="맑은 고딕" charset="0"/>
-                <a:ea typeface="맑은 고딕" charset="0"/>
-              </a:rPr>
-              <a:t> Icon을 </a:t>
-            </a:r>
-            <a:r>
-              <a:rPr sz="1800">
-                <a:latin typeface="맑은 고딕" charset="0"/>
-                <a:ea typeface="맑은 고딕" charset="0"/>
-              </a:rPr>
-              <a:t>설정합니다.</a:t>
-            </a:r>
-            <a:endParaRPr lang="ko-KR" altLang="en-US" sz="1800">
-              <a:latin typeface="맑은 고딕" charset="0"/>
-              <a:ea typeface="맑은 고딕" charset="0"/>
-            </a:endParaRPr>
-          </a:p>
-        </p:txBody>
-      </p:sp>
-      <p:pic>
-        <p:nvPicPr>
-          <p:cNvPr id="1240" name="그림 50" descr="C:/Users/Admin1/AppData/Roaming/PolarisOffice/ETemp/8152_16964152/fImage70123648145.png"/>
-          <p:cNvPicPr>
-            <a:picLocks noChangeAspect="1"/>
-          </p:cNvPicPr>
-          <p:nvPr/>
-        </p:nvPicPr>
-        <p:blipFill rotWithShape="1">
-          <a:blip r:embed="rId5" cstate="hqprint">
-            <a:extLst>
-              <a:ext uri="{28A0092B-C50C-407E-A947-70E740481C1C}">
-                <a14:useLocalDpi xmlns:a14="http://schemas.microsoft.com/office/drawing/2010/main"/>
-              </a:ext>
-            </a:extLst>
-          </a:blip>
-          <a:stretch>
-            <a:fillRect/>
-          </a:stretch>
-        </p:blipFill>
-        <p:spPr>
-          <a:xfrm rot="0">
-            <a:off x="9401810" y="1961515"/>
-            <a:ext cx="1581150" cy="2314575"/>
-          </a:xfrm>
-          <a:prstGeom prst="roundRect"/>
-          <a:solidFill>
-            <a:srgbClr val="EDEDED"/>
-          </a:solidFill>
-        </p:spPr>
-      </p:pic>
-      <p:pic>
-        <p:nvPicPr>
-          <p:cNvPr id="1241" name="그림 51" descr="C:/Users/Admin1/AppData/Roaming/PolarisOffice/ETemp/8152_16964152/fImage111653653281.png"/>
-          <p:cNvPicPr>
-            <a:picLocks noChangeAspect="1"/>
-          </p:cNvPicPr>
-          <p:nvPr/>
-        </p:nvPicPr>
-        <p:blipFill rotWithShape="1">
-          <a:blip r:embed="rId6" cstate="hqprint">
-            <a:extLst>
-              <a:ext uri="{28A0092B-C50C-407E-A947-70E740481C1C}">
-                <a14:useLocalDpi xmlns:a14="http://schemas.microsoft.com/office/drawing/2010/main"/>
-              </a:ext>
-            </a:extLst>
-          </a:blip>
-          <a:stretch>
-            <a:fillRect/>
-          </a:stretch>
-        </p:blipFill>
-        <p:spPr>
-          <a:xfrm rot="0">
-            <a:off x="6816725" y="1446530"/>
-            <a:ext cx="2353945" cy="3359785"/>
-          </a:xfrm>
-          <a:prstGeom prst="roundRect"/>
-          <a:solidFill>
-            <a:srgbClr val="EDEDED"/>
-          </a:solidFill>
-        </p:spPr>
-      </p:pic>
-    </p:spTree>
-  </p:cSld>
-  <p:clrMapOvr>
-    <a:masterClrMapping/>
-  </p:clrMapOvr>
-  <mc:AlternateContent xmlns:mc="http://schemas.openxmlformats.org/markup-compatibility/2006">
-    <mc:Choice xmlns:p14="http://schemas.microsoft.com/office/powerpoint/2010/main" Requires="p14">
-      <p:transition spd="slow" p14:dur="2000"/>
-    </mc:Choice>
-    <mc:Fallback>
-      <p:transition spd="slow"/>
-    </mc:Fallback>
-  </mc:AlternateContent>
-  <p:timing>
-    <p:tnLst>
-      <p:par>
-        <p:cTn id="1" dur="indefinite" restart="never" nodeType="tmRoot"/>
-      </p:par>
-    </p:tnLst>
-  </p:timing>
-</p:sld>
-</file>
-
-<file path=ppt/slides/slide18.xml><?xml version="1.0" encoding="utf-8"?>
-<p:sld xmlns:a="http://schemas.openxmlformats.org/drawingml/2006/main" xmlns:r="http://schemas.openxmlformats.org/officeDocument/2006/relationships" xmlns:p="http://schemas.openxmlformats.org/presentationml/2006/main" xmlns:p14="http://schemas.microsoft.com/office/powerpoint/2010/main">
-  <p:cSld>
-    <p:spTree>
-      <p:nvGrpSpPr>
-        <p:cNvPr id="1" name=""/>
-        <p:cNvGrpSpPr/>
-        <p:nvPr/>
-      </p:nvGrpSpPr>
-      <p:grpSpPr>
-        <a:xfrm>
-          <a:off x="0" y="0"/>
-          <a:ext cx="0" cy="0"/>
-          <a:chOff x="0" y="0"/>
-          <a:chExt cx="0" cy="0"/>
-        </a:xfrm>
-      </p:grpSpPr>
-      <p:sp>
-        <p:nvSpPr>
-          <p:cNvPr id="1031" name="Rect 0"/>
-          <p:cNvSpPr txBox="1">
-            <a:spLocks/>
-          </p:cNvSpPr>
-          <p:nvPr/>
-        </p:nvSpPr>
-        <p:spPr>
-          <a:xfrm rot="0">
             <a:off x="4377055" y="354965"/>
             <a:ext cx="3437890" cy="478155"/>
           </a:xfrm>
@@ -13254,8 +12915,8 @@
         </p:nvSpPr>
         <p:spPr>
           <a:xfrm rot="0">
-            <a:off x="6806565" y="2584450"/>
-            <a:ext cx="4150995" cy="1200785"/>
+            <a:off x="6806565" y="2654300"/>
+            <a:ext cx="4154170" cy="923925"/>
           </a:xfrm>
           <a:prstGeom prst="rect"/>
           <a:noFill/>
@@ -13282,14 +12943,66 @@
                 <a:latin typeface="맑은 고딕" charset="0"/>
                 <a:ea typeface="맑은 고딕" charset="0"/>
               </a:rPr>
-              <a:t>5.</a:t>
+              <a:t>6</a:t>
+            </a:r>
+            <a:r>
+              <a:rPr sz="1800" b="1">
+                <a:solidFill>
+                  <a:srgbClr val="0611F2"/>
+                </a:solidFill>
+                <a:latin typeface="맑은 고딕" charset="0"/>
+                <a:ea typeface="맑은 고딕" charset="0"/>
+              </a:rPr>
+              <a:t>.</a:t>
             </a:r>
             <a:r>
               <a:rPr lang="ko-KR" sz="1800">
                 <a:latin typeface="맑은 고딕" charset="0"/>
                 <a:ea typeface="맑은 고딕" charset="0"/>
               </a:rPr>
-              <a:t> 그러고 나서 Project 폴더 아래에 있는 Model 폴더에 Rampart 모델을 월드 공간에 배치한 다음 Back Rampart 라는 이름으로 정의합니다.</a:t>
+              <a:t> </a:t>
+            </a:r>
+            <a:r>
+              <a:rPr lang="ko-KR" sz="1800">
+                <a:latin typeface="맑은 고딕" charset="0"/>
+                <a:ea typeface="맑은 고딕" charset="0"/>
+              </a:rPr>
+              <a:t>이제 </a:t>
+            </a:r>
+            <a:r>
+              <a:rPr lang="ko-KR" sz="1800">
+                <a:latin typeface="맑은 고딕" charset="0"/>
+                <a:ea typeface="맑은 고딕" charset="0"/>
+              </a:rPr>
+              <a:t>Project 폴더 아래에 있는 Model</a:t>
+            </a:r>
+            <a:r>
+              <a:rPr lang="ko-KR" sz="1800">
+                <a:latin typeface="맑은 고딕" charset="0"/>
+                <a:ea typeface="맑은 고딕" charset="0"/>
+              </a:rPr>
+              <a:t> 폴더에 </a:t>
+            </a:r>
+            <a:r>
+              <a:rPr lang="ko-KR" sz="1800">
+                <a:latin typeface="맑은 고딕" charset="0"/>
+                <a:ea typeface="맑은 고딕" charset="0"/>
+              </a:rPr>
+              <a:t>Snow Stone 이라는 오브젝트를 월드</a:t>
+            </a:r>
+            <a:r>
+              <a:rPr lang="ko-KR" sz="1800">
+                <a:latin typeface="맑은 고딕" charset="0"/>
+                <a:ea typeface="맑은 고딕" charset="0"/>
+              </a:rPr>
+              <a:t> </a:t>
+            </a:r>
+            <a:r>
+              <a:rPr lang="ko-KR" sz="1800">
+                <a:latin typeface="맑은 고딕" charset="0"/>
+                <a:ea typeface="맑은 고딕" charset="0"/>
+              </a:rPr>
+              <a:t>공간에 배치합니다.</a:t>
             </a:r>
             <a:endParaRPr lang="ko-KR" altLang="en-US" sz="1800">
               <a:latin typeface="맑은 고딕" charset="0"/>
@@ -13298,37 +13011,6 @@
           </a:p>
         </p:txBody>
       </p:sp>
-      <p:pic>
-        <p:nvPicPr>
-          <p:cNvPr id="1193" name="그림 8"/>
-          <p:cNvPicPr>
-            <a:picLocks noChangeAspect="1"/>
-          </p:cNvPicPr>
-          <p:nvPr/>
-        </p:nvPicPr>
-        <p:blipFill rotWithShape="1">
-          <a:blip r:embed="rId8" cstate="hqprint">
-            <a:extLst>
-              <a:ext uri="{28A0092B-C50C-407E-A947-70E740481C1C}">
-                <a14:useLocalDpi xmlns:a14="http://schemas.microsoft.com/office/drawing/2010/main"/>
-              </a:ext>
-            </a:extLst>
-          </a:blip>
-          <a:stretch>
-            <a:fillRect/>
-          </a:stretch>
-        </p:blipFill>
-        <p:spPr>
-          <a:xfrm rot="0">
-            <a:off x="6805930" y="3931920"/>
-            <a:ext cx="4151630" cy="1454785"/>
-          </a:xfrm>
-          <a:prstGeom prst="roundRect"/>
-          <a:solidFill>
-            <a:srgbClr val="EDEDED"/>
-          </a:solidFill>
-        </p:spPr>
-      </p:pic>
       <p:sp>
         <p:nvSpPr>
           <p:cNvPr id="1194" name="텍스트 상자 11"/>
@@ -13339,8 +13021,8 @@
         </p:nvSpPr>
         <p:spPr>
           <a:xfrm rot="0">
-            <a:off x="6807200" y="5480050"/>
-            <a:ext cx="4150995" cy="647065"/>
+            <a:off x="6807200" y="5467350"/>
+            <a:ext cx="4151630" cy="647065"/>
           </a:xfrm>
           <a:prstGeom prst="rect"/>
           <a:noFill/>
@@ -13367,7 +13049,7 @@
                 <a:latin typeface="맑은 고딕" charset="0"/>
                 <a:ea typeface="맑은 고딕" charset="0"/>
               </a:rPr>
-              <a:t>6</a:t>
+              <a:t>7</a:t>
             </a:r>
             <a:r>
               <a:rPr sz="1800" b="1">
@@ -13384,7 +13066,56 @@
                 <a:latin typeface="맑은 고딕" charset="0"/>
                 <a:ea typeface="맑은 고딕" charset="0"/>
               </a:rPr>
-              <a:t> 이제 Back Rampart 오브젝트의 회전 값을 설정합니다.</a:t>
+              <a:t> </a:t>
+            </a:r>
+            <a:r>
+              <a:rPr lang="ko-KR" sz="1800">
+                <a:latin typeface="맑은 고딕" charset="0"/>
+                <a:ea typeface="맑은 고딕" charset="0"/>
+              </a:rPr>
+              <a:t>그리고</a:t>
+            </a:r>
+            <a:r>
+              <a:rPr lang="ko-KR" sz="1800">
+                <a:latin typeface="맑은 고딕" charset="0"/>
+                <a:ea typeface="맑은 고딕" charset="0"/>
+              </a:rPr>
+              <a:t> </a:t>
+            </a:r>
+            <a:r>
+              <a:rPr lang="ko-KR" sz="1800">
+                <a:latin typeface="맑은 고딕" charset="0"/>
+                <a:ea typeface="맑은 고딕" charset="0"/>
+              </a:rPr>
+              <a:t>M</a:t>
+            </a:r>
+            <a:r>
+              <a:rPr lang="ko-KR" sz="1800">
+                <a:latin typeface="맑은 고딕" charset="0"/>
+                <a:ea typeface="맑은 고딕" charset="0"/>
+              </a:rPr>
+              <a:t>ain Camera</a:t>
+            </a:r>
+            <a:r>
+              <a:rPr lang="ko-KR" sz="1800">
+                <a:latin typeface="맑은 고딕" charset="0"/>
+                <a:ea typeface="맑은 고딕" charset="0"/>
+              </a:rPr>
+              <a:t> 오브젝트의 </a:t>
+            </a:r>
+            <a:r>
+              <a:rPr lang="ko-KR" sz="1800">
+                <a:latin typeface="맑은 고딕" charset="0"/>
+                <a:ea typeface="맑은 고딕" charset="0"/>
+              </a:rPr>
+              <a:t>위치와 </a:t>
+            </a:r>
+            <a:r>
+              <a:rPr lang="ko-KR" sz="1800">
+                <a:latin typeface="맑은 고딕" charset="0"/>
+                <a:ea typeface="맑은 고딕" charset="0"/>
+              </a:rPr>
+              <a:t>회전 값을 설정합니다.</a:t>
             </a:r>
             <a:endParaRPr lang="ko-KR" altLang="en-US" sz="1800">
               <a:latin typeface="맑은 고딕" charset="0"/>
@@ -13393,37 +13124,6 @@
           </a:p>
         </p:txBody>
       </p:sp>
-      <p:pic>
-        <p:nvPicPr>
-          <p:cNvPr id="1196" name="그림 18"/>
-          <p:cNvPicPr>
-            <a:picLocks noChangeAspect="1"/>
-          </p:cNvPicPr>
-          <p:nvPr/>
-        </p:nvPicPr>
-        <p:blipFill rotWithShape="1">
-          <a:blip r:embed="rId9" cstate="print">
-            <a:extLst>
-              <a:ext uri="{28A0092B-C50C-407E-A947-70E740481C1C}">
-                <a14:useLocalDpi xmlns:a14="http://schemas.microsoft.com/office/drawing/2010/main" val="0"/>
-              </a:ext>
-            </a:extLst>
-          </a:blip>
-          <a:stretch>
-            <a:fillRect/>
-          </a:stretch>
-        </p:blipFill>
-        <p:spPr>
-          <a:xfrm rot="0">
-            <a:off x="6804660" y="1446530"/>
-            <a:ext cx="1410335" cy="1022985"/>
-          </a:xfrm>
-          <a:prstGeom prst="roundRect"/>
-          <a:solidFill>
-            <a:srgbClr val="EDEDED"/>
-          </a:solidFill>
-        </p:spPr>
-      </p:pic>
       <p:sp>
         <p:nvSpPr>
           <p:cNvPr id="1197" name="텍스트 상자 55"/>
@@ -13433,9 +13133,9 @@
           <p:nvPr/>
         </p:nvSpPr>
         <p:spPr>
-          <a:xfrm rot="0">
+          <a:xfrm>
             <a:off x="1241425" y="5470525"/>
-            <a:ext cx="4119880" cy="647065"/>
+            <a:ext cx="4120515" cy="647065"/>
           </a:xfrm>
           <a:prstGeom prst="rect"/>
           <a:noFill/>
@@ -13462,7 +13162,17 @@
                 <a:latin typeface="맑은 고딕" charset="0"/>
                 <a:ea typeface="맑은 고딕" charset="0"/>
               </a:rPr>
-              <a:t>4.</a:t>
+              <a:t>5</a:t>
+            </a:r>
+            <a:r>
+              <a:rPr lang="ko-KR" sz="1800" b="1">
+                <a:solidFill>
+                  <a:srgbClr val="0611F2"/>
+                </a:solidFill>
+                <a:latin typeface="맑은 고딕" charset="0"/>
+                <a:ea typeface="맑은 고딕" charset="0"/>
+              </a:rPr>
+              <a:t>.</a:t>
             </a:r>
             <a:r>
               <a:rPr sz="1800">
@@ -13476,7 +13186,28 @@
                 <a:latin typeface="맑은 고딕" charset="0"/>
                 <a:ea typeface="맑은 고딕" charset="0"/>
               </a:rPr>
-              <a:t>그런 다음 Window를 선택한 다음 AI에서 Navigation을 선택합니다.</a:t>
+              <a:t>그</a:t>
+            </a:r>
+            <a:r>
+              <a:rPr lang="ko-KR" sz="1800">
+                <a:latin typeface="맑은 고딕" charset="0"/>
+                <a:ea typeface="맑은 고딕" charset="0"/>
+              </a:rPr>
+              <a:t>러고 </a:t>
+            </a:r>
+            <a:r>
+              <a:rPr lang="ko-KR" sz="1800">
+                <a:latin typeface="맑은 고딕" charset="0"/>
+                <a:ea typeface="맑은 고딕" charset="0"/>
+              </a:rPr>
+              <a:t>나서</a:t>
+            </a:r>
+            <a:r>
+              <a:rPr lang="ko-KR" sz="1800">
+                <a:latin typeface="맑은 고딕" charset="0"/>
+                <a:ea typeface="맑은 고딕" charset="0"/>
+              </a:rPr>
+              <a:t> Window를 선택한 다음 AI에서 Navigation을 선택합니다.</a:t>
             </a:r>
             <a:endParaRPr lang="ko-KR" altLang="en-US" sz="1800">
               <a:latin typeface="맑은 고딕" charset="0"/>
@@ -13487,7 +13218,7 @@
       </p:sp>
       <p:pic>
         <p:nvPicPr>
-          <p:cNvPr id="1198" name="그림 56"/>
+          <p:cNvPr id="1198" name="그림 56" descr="C:/Users/nwond/AppData/Roaming/PolarisOffice/ETemp/17856_19605744/fImage199543165705.png"/>
           <p:cNvPicPr>
             <a:picLocks noChangeAspect="1"/>
           </p:cNvPicPr>
@@ -13508,22 +13239,24 @@
         <p:spPr>
           <a:xfrm rot="0">
             <a:off x="1238250" y="1447800"/>
-            <a:ext cx="4133215" cy="3802380"/>
-          </a:xfrm>
-          <a:prstGeom prst="rect"/>
-          <a:noFill/>
+            <a:ext cx="4133850" cy="3803015"/>
+          </a:xfrm>
+          <a:prstGeom prst="roundRect"/>
+          <a:solidFill>
+            <a:srgbClr val="EDEDED"/>
+          </a:solidFill>
         </p:spPr>
       </p:pic>
       <p:pic>
         <p:nvPicPr>
-          <p:cNvPr id="1199" name="그림 2"/>
+          <p:cNvPr id="1200" name="그림 17" descr="C:/Users/nwond/AppData/Roaming/PolarisOffice/ETemp/17856_19605744/fImage98512886500.png"/>
           <p:cNvPicPr>
             <a:picLocks noChangeAspect="1"/>
           </p:cNvPicPr>
           <p:nvPr/>
         </p:nvPicPr>
         <p:blipFill rotWithShape="1">
-          <a:blip r:embed="rId13" cstate="print">
+          <a:blip r:embed="rId14" cstate="print">
             <a:extLst>
               <a:ext uri="{28A0092B-C50C-407E-A947-70E740481C1C}">
                 <a14:useLocalDpi xmlns:a14="http://schemas.microsoft.com/office/drawing/2010/main" val="0"/>
@@ -13536,8 +13269,8 @@
         </p:blipFill>
         <p:spPr>
           <a:xfrm rot="0">
-            <a:off x="8413115" y="1454785"/>
-            <a:ext cx="2552700" cy="1006475"/>
+            <a:off x="8371840" y="1447800"/>
+            <a:ext cx="2594610" cy="1085215"/>
           </a:xfrm>
           <a:prstGeom prst="roundRect"/>
           <a:solidFill>
@@ -13547,7 +13280,38 @@
       </p:pic>
       <p:pic>
         <p:nvPicPr>
-          <p:cNvPr id="1195" name="그림 17"/>
+          <p:cNvPr id="1201" name="그림 18" descr="C:/Users/nwond/AppData/Roaming/PolarisOffice/ETemp/17856_19605744/fImage66022899169.png"/>
+          <p:cNvPicPr>
+            <a:picLocks noChangeAspect="1"/>
+          </p:cNvPicPr>
+          <p:nvPr/>
+        </p:nvPicPr>
+        <p:blipFill rotWithShape="1">
+          <a:blip r:embed="rId15" cstate="print">
+            <a:extLst>
+              <a:ext uri="{28A0092B-C50C-407E-A947-70E740481C1C}">
+                <a14:useLocalDpi xmlns:a14="http://schemas.microsoft.com/office/drawing/2010/main" val="0"/>
+              </a:ext>
+            </a:extLst>
+          </a:blip>
+          <a:stretch>
+            <a:fillRect/>
+          </a:stretch>
+        </p:blipFill>
+        <p:spPr>
+          <a:xfrm rot="0">
+            <a:off x="6806565" y="1448435"/>
+            <a:ext cx="1448435" cy="1090930"/>
+          </a:xfrm>
+          <a:prstGeom prst="roundRect"/>
+          <a:solidFill>
+            <a:srgbClr val="EDEDED"/>
+          </a:solidFill>
+        </p:spPr>
+      </p:pic>
+      <p:pic>
+        <p:nvPicPr>
+          <p:cNvPr id="1195" name="그림 17" descr="C:/Users/nwond/AppData/Roaming/PolarisOffice/ETemp/17856_19605744/fImage2242172246500.png"/>
           <p:cNvPicPr>
             <a:picLocks noChangeAspect="1"/>
           </p:cNvPicPr>
@@ -13567,11 +13331,42 @@
         </p:blipFill>
         <p:spPr>
           <a:xfrm rot="10800000">
-            <a:off x="7980680" y="1753870"/>
-            <a:ext cx="708025" cy="394970"/>
+            <a:off x="7962265" y="1791335"/>
+            <a:ext cx="708660" cy="395605"/>
           </a:xfrm>
           <a:prstGeom prst="rect"/>
           <a:noFill/>
+        </p:spPr>
+      </p:pic>
+      <p:pic>
+        <p:nvPicPr>
+          <p:cNvPr id="1202" name="그림 25" descr="C:/Users/nwond/AppData/Roaming/PolarisOffice/ETemp/17856_19605744/fImage128942905724.png"/>
+          <p:cNvPicPr>
+            <a:picLocks noChangeAspect="1"/>
+          </p:cNvPicPr>
+          <p:nvPr/>
+        </p:nvPicPr>
+        <p:blipFill rotWithShape="1">
+          <a:blip r:embed="rId16" cstate="print">
+            <a:extLst>
+              <a:ext uri="{28A0092B-C50C-407E-A947-70E740481C1C}">
+                <a14:useLocalDpi xmlns:a14="http://schemas.microsoft.com/office/drawing/2010/main" val="0"/>
+              </a:ext>
+            </a:extLst>
+          </a:blip>
+          <a:stretch>
+            <a:fillRect/>
+          </a:stretch>
+        </p:blipFill>
+        <p:spPr>
+          <a:xfrm rot="0">
+            <a:off x="6807200" y="3698875"/>
+            <a:ext cx="4159250" cy="1620520"/>
+          </a:xfrm>
+          <a:prstGeom prst="roundRect"/>
+          <a:solidFill>
+            <a:srgbClr val="EDEDED"/>
+          </a:solidFill>
         </p:spPr>
       </p:pic>
     </p:spTree>
@@ -15753,7 +15548,7 @@
       </p:grpSpPr>
       <p:sp>
         <p:nvSpPr>
-          <p:cNvPr id="2" name="텍스트 상자 82"/>
+          <p:cNvPr id="1031" name="Rect 0"/>
           <p:cNvSpPr txBox="1">
             <a:spLocks/>
           </p:cNvSpPr>
@@ -15761,8 +15556,8 @@
         </p:nvSpPr>
         <p:spPr>
           <a:xfrm rot="0">
-            <a:off x="4352925" y="324485"/>
-            <a:ext cx="3487420" cy="554990"/>
+            <a:off x="4511675" y="346075"/>
+            <a:ext cx="3172460" cy="478155"/>
           </a:xfrm>
           <a:prstGeom prst="rect"/>
           <a:noFill/>
@@ -15772,38 +15567,48 @@
           </a:ln>
         </p:spPr>
         <p:txBody>
-          <a:bodyPr wrap="square" lIns="89535" tIns="46355" rIns="89535" bIns="46355" vert="horz" anchor="t">
+          <a:bodyPr wrap="square" lIns="89535" tIns="46355" rIns="89535" bIns="46355" numCol="1" vert="horz" anchor="t">
             <a:spAutoFit/>
           </a:bodyPr>
           <a:lstStyle/>
           <a:p>
-            <a:pPr marL="0" indent="0" rtl="0" algn="l" defTabSz="914400" eaLnBrk="1" latinLnBrk="0" hangingPunct="1">
-              <a:buFontTx/>
-              <a:buNone/>
-            </a:pPr>
-            <a:r>
-              <a:rPr sz="3000" b="1">
+            <a:pPr marL="0" indent="0" algn="ctr" latinLnBrk="0">
+              <a:buFontTx/>
+              <a:buNone/>
+            </a:pPr>
+            <a:r>
+              <a:rPr lang="ko-KR" altLang="en-US" sz="2500" b="1">
                 <a:solidFill>
                   <a:schemeClr val="tx1"/>
                 </a:solidFill>
-                <a:latin typeface="맑은 고딕" charset="0"/>
-                <a:ea typeface="맑은 고딕" charset="0"/>
-              </a:rPr>
-              <a:t>Navigation Object </a:t>
-            </a:r>
-            <a:endParaRPr lang="ko-KR" altLang="en-US" sz="3000" b="1">
+                <a:latin typeface="나눔바른고딕" charset="0"/>
+                <a:ea typeface="나눔바른고딕" charset="0"/>
+              </a:rPr>
+              <a:t>여섯</a:t>
+            </a:r>
+            <a:r>
+              <a:rPr lang="ko-KR" altLang="en-US" sz="2500" b="1">
+                <a:solidFill>
+                  <a:schemeClr val="tx1"/>
+                </a:solidFill>
+                <a:latin typeface="나눔바른고딕" charset="0"/>
+                <a:ea typeface="나눔바른고딕" charset="0"/>
+              </a:rPr>
+              <a:t> 번째 튜토리얼</a:t>
+            </a:r>
+            <a:endParaRPr lang="ko-KR" altLang="en-US" sz="2500" b="1">
               <a:solidFill>
                 <a:schemeClr val="tx1"/>
               </a:solidFill>
-              <a:latin typeface="맑은 고딕" charset="0"/>
-              <a:ea typeface="맑은 고딕" charset="0"/>
+              <a:latin typeface="나눔바른고딕" charset="0"/>
+              <a:ea typeface="나눔바른고딕" charset="0"/>
             </a:endParaRPr>
           </a:p>
         </p:txBody>
       </p:sp>
       <p:sp>
         <p:nvSpPr>
-          <p:cNvPr id="3" name="텍스트 상자 83"/>
+          <p:cNvPr id="1186" name="Rect 0"/>
           <p:cNvSpPr txBox="1">
             <a:spLocks/>
           </p:cNvSpPr>
@@ -15811,8 +15616,8 @@
         </p:nvSpPr>
         <p:spPr>
           <a:xfrm rot="0">
-            <a:off x="1238250" y="1445895"/>
-            <a:ext cx="4127500" cy="923925"/>
+            <a:off x="1247140" y="3044190"/>
+            <a:ext cx="4131945" cy="1201420"/>
           </a:xfrm>
           <a:prstGeom prst="rect"/>
           <a:noFill/>
@@ -15832,11 +15637,38 @@
               <a:buNone/>
             </a:pPr>
             <a:r>
+              <a:rPr lang="ko-KR" sz="1800" b="1">
+                <a:solidFill>
+                  <a:srgbClr val="0611F2"/>
+                </a:solidFill>
+                <a:latin typeface="맑은 고딕" charset="0"/>
+                <a:ea typeface="맑은 고딕" charset="0"/>
+              </a:rPr>
+              <a:t>17</a:t>
+            </a:r>
+            <a:r>
+              <a:rPr sz="1800" b="1">
+                <a:solidFill>
+                  <a:srgbClr val="0611F2"/>
+                </a:solidFill>
+                <a:latin typeface="맑은 고딕" charset="0"/>
+                <a:ea typeface="맑은 고딕" charset="0"/>
+              </a:rPr>
+              <a:t>.</a:t>
+            </a:r>
+            <a:r>
               <a:rPr sz="1800">
                 <a:latin typeface="맑은 고딕" charset="0"/>
                 <a:ea typeface="맑은 고딕" charset="0"/>
               </a:rPr>
-              <a:t>Navigation Object : 게임 오브젝트의 크기에 따라 해당 경로를 지나갈 수 있도록 설정할 수 있는 기능입니다.</a:t>
+              <a:t> </a:t>
+            </a:r>
+            <a:r>
+              <a:rPr lang="ko-KR" sz="1800">
+                <a:latin typeface="맑은 고딕" charset="0"/>
+                <a:ea typeface="맑은 고딕" charset="0"/>
+              </a:rPr>
+              <a:t>그리고 Controller 스크립트에서 int 변수와 NavMeshAgent 변수 그리고 Transform 변수를 배열로 선언합니다.</a:t>
             </a:r>
             <a:endParaRPr lang="ko-KR" altLang="en-US" sz="1800">
               <a:latin typeface="맑은 고딕" charset="0"/>
@@ -15845,114 +15677,16 @@
           </a:p>
         </p:txBody>
       </p:sp>
-      <p:sp>
-        <p:nvSpPr>
-          <p:cNvPr id="4" name="텍스트 상자 84"/>
-          <p:cNvSpPr txBox="1">
-            <a:spLocks/>
-          </p:cNvSpPr>
-          <p:nvPr/>
-        </p:nvSpPr>
-        <p:spPr>
-          <a:xfrm rot="0">
-            <a:off x="1229995" y="3686175"/>
-            <a:ext cx="4130675" cy="2585085"/>
-          </a:xfrm>
-          <a:prstGeom prst="rect"/>
-          <a:noFill/>
-          <a:ln w="0">
-            <a:noFill/>
-            <a:prstDash/>
-          </a:ln>
-        </p:spPr>
-        <p:txBody>
-          <a:bodyPr wrap="square" lIns="89535" tIns="46355" rIns="89535" bIns="46355" numCol="1" vert="horz" anchor="t">
-            <a:spAutoFit/>
-          </a:bodyPr>
-          <a:lstStyle/>
-          <a:p>
-            <a:pPr marL="0" indent="0" rtl="0" algn="l" defTabSz="914400" eaLnBrk="1" latinLnBrk="0" hangingPunct="1">
-              <a:buFontTx/>
-              <a:buNone/>
-            </a:pPr>
-            <a:r>
-              <a:rPr sz="1800">
-                <a:latin typeface="맑은 고딕" charset="0"/>
-                <a:ea typeface="맑은 고딕" charset="0"/>
-              </a:rPr>
-              <a:t>All : 게임 씬에 있는 모든 게임 오브젝트를 보여주는 필터입니다.</a:t>
-            </a:r>
-            <a:endParaRPr lang="ko-KR" altLang="en-US" sz="1800">
-              <a:latin typeface="맑은 고딕" charset="0"/>
-              <a:ea typeface="맑은 고딕" charset="0"/>
-            </a:endParaRPr>
-          </a:p>
-          <a:p>
-            <a:pPr marL="0" indent="0" rtl="0" algn="l" defTabSz="914400" eaLnBrk="1" latinLnBrk="0" hangingPunct="1">
-              <a:buFontTx/>
-              <a:buNone/>
-            </a:pPr>
-            <a:endParaRPr lang="ko-KR" altLang="en-US" sz="1800">
-              <a:latin typeface="맑은 고딕" charset="0"/>
-              <a:ea typeface="맑은 고딕" charset="0"/>
-            </a:endParaRPr>
-          </a:p>
-          <a:p>
-            <a:pPr marL="0" indent="0" rtl="0" algn="l" defTabSz="914400" eaLnBrk="1" latinLnBrk="0" hangingPunct="1">
-              <a:buFontTx/>
-              <a:buNone/>
-            </a:pPr>
-            <a:r>
-              <a:rPr sz="1800">
-                <a:latin typeface="맑은 고딕" charset="0"/>
-                <a:ea typeface="맑은 고딕" charset="0"/>
-              </a:rPr>
-              <a:t>Mesh Renderers : 게임 오브젝트에 메쉬 렌더러 컴포넌트를 가지고 있는 게임 오브젝트만 보여주는 필터입니다.</a:t>
-            </a:r>
-            <a:endParaRPr lang="ko-KR" altLang="en-US" sz="1800">
-              <a:latin typeface="맑은 고딕" charset="0"/>
-              <a:ea typeface="맑은 고딕" charset="0"/>
-            </a:endParaRPr>
-          </a:p>
-          <a:p>
-            <a:pPr marL="0" indent="0" rtl="0" algn="l" defTabSz="914400" eaLnBrk="1" latinLnBrk="0" hangingPunct="1">
-              <a:buFontTx/>
-              <a:buNone/>
-            </a:pPr>
-            <a:endParaRPr lang="ko-KR" altLang="en-US" sz="1800">
-              <a:latin typeface="맑은 고딕" charset="0"/>
-              <a:ea typeface="맑은 고딕" charset="0"/>
-            </a:endParaRPr>
-          </a:p>
-          <a:p>
-            <a:pPr marL="0" indent="0" rtl="0" algn="l" defTabSz="914400" eaLnBrk="1" latinLnBrk="0" hangingPunct="1">
-              <a:buFontTx/>
-              <a:buNone/>
-            </a:pPr>
-            <a:r>
-              <a:rPr sz="1800">
-                <a:latin typeface="맑은 고딕" charset="0"/>
-                <a:ea typeface="맑은 고딕" charset="0"/>
-              </a:rPr>
-              <a:t>Terrains : 터레인 오브젝트만 보여주는 필터입니다.</a:t>
-            </a:r>
-            <a:endParaRPr lang="ko-KR" altLang="en-US" sz="1800">
-              <a:latin typeface="맑은 고딕" charset="0"/>
-              <a:ea typeface="맑은 고딕" charset="0"/>
-            </a:endParaRPr>
-          </a:p>
-        </p:txBody>
-      </p:sp>
       <p:pic>
         <p:nvPicPr>
-          <p:cNvPr id="5" name="그림 85"/>
+          <p:cNvPr id="1187" name="그림 11"/>
           <p:cNvPicPr>
             <a:picLocks noChangeAspect="1"/>
           </p:cNvPicPr>
           <p:nvPr/>
         </p:nvPicPr>
         <p:blipFill rotWithShape="1">
-          <a:blip r:embed="rId2" cstate="hqprint">
+          <a:blip r:embed="rId7" cstate="hqprint">
             <a:extLst>
               <a:ext uri="{28A0092B-C50C-407E-A947-70E740481C1C}">
                 <a14:useLocalDpi xmlns:a14="http://schemas.microsoft.com/office/drawing/2010/main"/>
@@ -15965,8 +15699,8 @@
         </p:blipFill>
         <p:spPr>
           <a:xfrm rot="0">
-            <a:off x="1238250" y="2511425"/>
-            <a:ext cx="4127500" cy="1080135"/>
+            <a:off x="1247140" y="1454785"/>
+            <a:ext cx="4107180" cy="1461135"/>
           </a:xfrm>
           <a:prstGeom prst="roundRect"/>
           <a:solidFill>
@@ -15974,63 +15708,19 @@
           </a:solidFill>
         </p:spPr>
       </p:pic>
-      <p:sp>
-        <p:nvSpPr>
-          <p:cNvPr id="8" name="텍스트 상자 88"/>
-          <p:cNvSpPr txBox="1">
-            <a:spLocks/>
-          </p:cNvSpPr>
-          <p:nvPr/>
-        </p:nvSpPr>
-        <p:spPr>
-          <a:xfrm rot="0">
-            <a:off x="6817995" y="1434465"/>
-            <a:ext cx="4128135" cy="923925"/>
-          </a:xfrm>
-          <a:prstGeom prst="rect"/>
-          <a:noFill/>
-          <a:ln w="0">
-            <a:noFill/>
-            <a:prstDash/>
-          </a:ln>
-        </p:spPr>
-        <p:txBody>
-          <a:bodyPr wrap="square" lIns="89535" tIns="46355" rIns="89535" bIns="46355" numCol="1" vert="horz" anchor="t">
-            <a:spAutoFit/>
-          </a:bodyPr>
-          <a:lstStyle/>
-          <a:p>
-            <a:pPr marL="0" indent="0" rtl="0" algn="l" defTabSz="914400" eaLnBrk="1" latinLnBrk="0" hangingPunct="1">
-              <a:buFontTx/>
-              <a:buNone/>
-            </a:pPr>
-            <a:r>
-              <a:rPr sz="1800">
-                <a:latin typeface="맑은 고딕" charset="0"/>
-                <a:ea typeface="맑은 고딕" charset="0"/>
-              </a:rPr>
-              <a:t>메쉬 렌더러 컴포넌트가 없는 게임 오브젝트의 경우 네비게이션 영역으로 설정할 수 없습니다.</a:t>
-            </a:r>
-            <a:endParaRPr lang="ko-KR" altLang="en-US" sz="1800">
-              <a:latin typeface="맑은 고딕" charset="0"/>
-              <a:ea typeface="맑은 고딕" charset="0"/>
-            </a:endParaRPr>
-          </a:p>
-        </p:txBody>
-      </p:sp>
       <p:pic>
         <p:nvPicPr>
-          <p:cNvPr id="10" name="그림 90"/>
+          <p:cNvPr id="1188" name="그림 14"/>
           <p:cNvPicPr>
             <a:picLocks noChangeAspect="1"/>
           </p:cNvPicPr>
           <p:nvPr/>
         </p:nvPicPr>
         <p:blipFill rotWithShape="1">
-          <a:blip r:embed="rId6" cstate="hqprint">
+          <a:blip r:embed="rId8" cstate="print">
             <a:extLst>
               <a:ext uri="{28A0092B-C50C-407E-A947-70E740481C1C}">
-                <a14:useLocalDpi xmlns:a14="http://schemas.microsoft.com/office/drawing/2010/main"/>
+                <a14:useLocalDpi xmlns:a14="http://schemas.microsoft.com/office/drawing/2010/main" val="0"/>
               </a:ext>
             </a:extLst>
           </a:blip>
@@ -16040,8 +15730,8 @@
         </p:blipFill>
         <p:spPr>
           <a:xfrm rot="0">
-            <a:off x="6823710" y="2589530"/>
-            <a:ext cx="4123055" cy="1472565"/>
+            <a:off x="1238250" y="4410075"/>
+            <a:ext cx="4134485" cy="905510"/>
           </a:xfrm>
           <a:prstGeom prst="roundRect"/>
           <a:solidFill>
@@ -16051,7 +15741,7 @@
       </p:pic>
       <p:sp>
         <p:nvSpPr>
-          <p:cNvPr id="11" name="텍스트 상자 91"/>
+          <p:cNvPr id="1189" name="텍스트 상자 17"/>
           <p:cNvSpPr txBox="1">
             <a:spLocks/>
           </p:cNvSpPr>
@@ -16059,8 +15749,8 @@
         </p:nvSpPr>
         <p:spPr>
           <a:xfrm rot="0">
-            <a:off x="6823710" y="4236720"/>
-            <a:ext cx="4122420" cy="2031365"/>
+            <a:off x="1249680" y="5456555"/>
+            <a:ext cx="4123055" cy="647065"/>
           </a:xfrm>
           <a:prstGeom prst="rect"/>
           <a:noFill/>
@@ -16080,22 +15770,141 @@
               <a:buNone/>
             </a:pPr>
             <a:r>
+              <a:rPr lang="ko-KR" sz="1800" b="1">
+                <a:solidFill>
+                  <a:srgbClr val="0611F2"/>
+                </a:solidFill>
+                <a:latin typeface="맑은 고딕" charset="0"/>
+                <a:ea typeface="맑은 고딕" charset="0"/>
+              </a:rPr>
+              <a:t>18</a:t>
+            </a:r>
+            <a:r>
+              <a:rPr sz="1800" b="1">
+                <a:solidFill>
+                  <a:srgbClr val="0611F2"/>
+                </a:solidFill>
+                <a:latin typeface="맑은 고딕" charset="0"/>
+                <a:ea typeface="맑은 고딕" charset="0"/>
+              </a:rPr>
+              <a:t>.</a:t>
+            </a:r>
+            <a:r>
               <a:rPr sz="1800">
                 <a:latin typeface="맑은 고딕" charset="0"/>
                 <a:ea typeface="맑은 고딕" charset="0"/>
               </a:rPr>
-              <a:t>Navigation Static을 활성화하게 되면  캐릭터가 길을 찾을 수 있는 표면으로 설정됩니다.</a:t>
+              <a:t> </a:t>
+            </a:r>
+            <a:r>
+              <a:rPr lang="ko-KR" sz="1800">
+                <a:latin typeface="맑은 고딕" charset="0"/>
+                <a:ea typeface="맑은 고딕" charset="0"/>
+              </a:rPr>
+              <a:t>그러고 나서 Start( ) 함수에서 InvokeRepeating( ) 함수를 선언합니다.</a:t>
             </a:r>
             <a:endParaRPr lang="ko-KR" altLang="en-US" sz="1800">
               <a:latin typeface="맑은 고딕" charset="0"/>
               <a:ea typeface="맑은 고딕" charset="0"/>
             </a:endParaRPr>
           </a:p>
+        </p:txBody>
+      </p:sp>
+      <p:pic>
+        <p:nvPicPr>
+          <p:cNvPr id="1190" name="그림 18"/>
+          <p:cNvPicPr>
+            <a:picLocks noChangeAspect="1"/>
+          </p:cNvPicPr>
+          <p:nvPr/>
+        </p:nvPicPr>
+        <p:blipFill rotWithShape="1">
+          <a:blip r:embed="rId9" cstate="print">
+            <a:extLst>
+              <a:ext uri="{28A0092B-C50C-407E-A947-70E740481C1C}">
+                <a14:useLocalDpi xmlns:a14="http://schemas.microsoft.com/office/drawing/2010/main" val="0"/>
+              </a:ext>
+            </a:extLst>
+          </a:blip>
+          <a:stretch>
+            <a:fillRect/>
+          </a:stretch>
+        </p:blipFill>
+        <p:spPr>
+          <a:xfrm rot="0">
+            <a:off x="6819900" y="1452880"/>
+            <a:ext cx="4124960" cy="2151380"/>
+          </a:xfrm>
+          <a:prstGeom prst="roundRect"/>
+          <a:solidFill>
+            <a:srgbClr val="EDEDED"/>
+          </a:solidFill>
+        </p:spPr>
+      </p:pic>
+      <p:sp>
+        <p:nvSpPr>
+          <p:cNvPr id="1191" name="텍스트 상자 21"/>
+          <p:cNvSpPr txBox="1">
+            <a:spLocks/>
+          </p:cNvSpPr>
+          <p:nvPr/>
+        </p:nvSpPr>
+        <p:spPr>
+          <a:xfrm rot="0">
+            <a:off x="6810375" y="3797935"/>
+            <a:ext cx="4126865" cy="2308225"/>
+          </a:xfrm>
+          <a:prstGeom prst="rect"/>
+          <a:noFill/>
+          <a:ln w="0">
+            <a:noFill/>
+            <a:prstDash/>
+          </a:ln>
+        </p:spPr>
+        <p:txBody>
+          <a:bodyPr wrap="square" lIns="89535" tIns="46355" rIns="89535" bIns="46355" numCol="1" vert="horz" anchor="t">
+            <a:spAutoFit/>
+          </a:bodyPr>
+          <a:lstStyle/>
           <a:p>
             <a:pPr marL="0" indent="0" rtl="0" algn="l" defTabSz="914400" eaLnBrk="1" latinLnBrk="0" hangingPunct="1">
               <a:buFontTx/>
               <a:buNone/>
             </a:pPr>
+            <a:r>
+              <a:rPr lang="ko-KR" sz="1800" b="1">
+                <a:solidFill>
+                  <a:srgbClr val="0611F2"/>
+                </a:solidFill>
+                <a:latin typeface="맑은 고딕" charset="0"/>
+                <a:ea typeface="맑은 고딕" charset="0"/>
+              </a:rPr>
+              <a:t>19</a:t>
+            </a:r>
+            <a:r>
+              <a:rPr sz="1800" b="1">
+                <a:solidFill>
+                  <a:srgbClr val="0611F2"/>
+                </a:solidFill>
+                <a:latin typeface="맑은 고딕" charset="0"/>
+                <a:ea typeface="맑은 고딕" charset="0"/>
+              </a:rPr>
+              <a:t>.</a:t>
+            </a:r>
+            <a:r>
+              <a:rPr sz="1800">
+                <a:latin typeface="맑은 고딕" charset="0"/>
+                <a:ea typeface="맑은 고딕" charset="0"/>
+              </a:rPr>
+              <a:t> </a:t>
+            </a:r>
+            <a:r>
+              <a:rPr lang="ko-KR" sz="1800">
+                <a:latin typeface="맑은 고딕" charset="0"/>
+                <a:ea typeface="맑은 고딕" charset="0"/>
+              </a:rPr>
+              <a:t>그런 다음 Move( ) 함수를 선언하고 navMeshAgent의 속도가 0 과 같아졌다면 navMeshAgent 도착 지점을 설정합니다.</a:t>
+            </a:r>
             <a:endParaRPr lang="ko-KR" altLang="en-US" sz="1800">
               <a:latin typeface="맑은 고딕" charset="0"/>
               <a:ea typeface="맑은 고딕" charset="0"/>
@@ -16106,12 +15915,22 @@
               <a:buFontTx/>
               <a:buNone/>
             </a:pPr>
-            <a:r>
-              <a:rPr sz="1800">
-                <a:latin typeface="맑은 고딕" charset="0"/>
-                <a:ea typeface="맑은 고딕" charset="0"/>
-              </a:rPr>
-              <a:t>Navigation Static : 게임 오브젝트의 이동 가능한 구역을 계산하고 설정하는 데 사용합니다.</a:t>
+            <a:endParaRPr lang="ko-KR" altLang="en-US" sz="1800">
+              <a:latin typeface="맑은 고딕" charset="0"/>
+              <a:ea typeface="맑은 고딕" charset="0"/>
+            </a:endParaRPr>
+          </a:p>
+          <a:p>
+            <a:pPr marL="0" indent="0" rtl="0" algn="l" defTabSz="914400" eaLnBrk="1" latinLnBrk="0" hangingPunct="1">
+              <a:buFontTx/>
+              <a:buNone/>
+            </a:pPr>
+            <a:r>
+              <a:rPr lang="ko-KR" sz="1800">
+                <a:latin typeface="맑은 고딕" charset="0"/>
+                <a:ea typeface="맑은 고딕" charset="0"/>
+              </a:rPr>
+              <a:t>그다음 Move( ) 함수가 호출될 때 count의 값을 증가시켜 도착 위치가 계속 변경되도록 설정합니다.</a:t>
             </a:r>
             <a:endParaRPr lang="ko-KR" altLang="en-US" sz="1800">
               <a:latin typeface="맑은 고딕" charset="0"/>
@@ -16170,8 +15989,8 @@
         </p:nvSpPr>
         <p:spPr>
           <a:xfrm rot="0">
-            <a:off x="4511675" y="346075"/>
-            <a:ext cx="3172460" cy="478155"/>
+            <a:off x="4563110" y="372110"/>
+            <a:ext cx="3066415" cy="478155"/>
           </a:xfrm>
           <a:prstGeom prst="rect"/>
           <a:noFill/>
@@ -16198,7 +16017,7 @@
                 <a:latin typeface="나눔바른고딕" charset="0"/>
                 <a:ea typeface="나눔바른고딕" charset="0"/>
               </a:rPr>
-              <a:t>여섯</a:t>
+              <a:t>일곱</a:t>
             </a:r>
             <a:r>
               <a:rPr lang="ko-KR" altLang="en-US" sz="2500" b="1">
@@ -16222,7 +16041,7 @@
       </p:sp>
       <p:sp>
         <p:nvSpPr>
-          <p:cNvPr id="1186" name="Rect 0"/>
+          <p:cNvPr id="1192" name="Rect 0"/>
           <p:cNvSpPr txBox="1">
             <a:spLocks/>
           </p:cNvSpPr>
@@ -16230,8 +16049,8 @@
         </p:nvSpPr>
         <p:spPr>
           <a:xfrm rot="0">
-            <a:off x="1247140" y="3044190"/>
-            <a:ext cx="4131945" cy="1201420"/>
+            <a:off x="6823710" y="5488940"/>
+            <a:ext cx="4130675" cy="647065"/>
           </a:xfrm>
           <a:prstGeom prst="rect"/>
           <a:noFill/>
@@ -16258,7 +16077,7 @@
                 <a:latin typeface="맑은 고딕" charset="0"/>
                 <a:ea typeface="맑은 고딕" charset="0"/>
               </a:rPr>
-              <a:t>17</a:t>
+              <a:t>21</a:t>
             </a:r>
             <a:r>
               <a:rPr sz="1800" b="1">
@@ -16282,7 +16101,7 @@
                 <a:latin typeface="맑은 고딕" charset="0"/>
                 <a:ea typeface="맑은 고딕" charset="0"/>
               </a:rPr>
-              <a:t>그리고 Controller 스크립트에서 int 변수와 NavMeshAgent 변수 그리고 Transform 변수를 배열로 선언합니다.</a:t>
+              <a:t>그리고 Character 오브젝트의 Navigation Static를 설정합니다.</a:t>
             </a:r>
             <a:endParaRPr lang="ko-KR" altLang="en-US" sz="1800">
               <a:latin typeface="맑은 고딕" charset="0"/>
@@ -16293,17 +16112,17 @@
       </p:sp>
       <p:pic>
         <p:nvPicPr>
-          <p:cNvPr id="1187" name="그림 11"/>
+          <p:cNvPr id="1200" name="그림 24"/>
           <p:cNvPicPr>
             <a:picLocks noChangeAspect="1"/>
           </p:cNvPicPr>
           <p:nvPr/>
         </p:nvPicPr>
         <p:blipFill rotWithShape="1">
-          <a:blip r:embed="rId7" cstate="hqprint">
+          <a:blip r:embed="rId7" cstate="print">
             <a:extLst>
               <a:ext uri="{28A0092B-C50C-407E-A947-70E740481C1C}">
-                <a14:useLocalDpi xmlns:a14="http://schemas.microsoft.com/office/drawing/2010/main"/>
+                <a14:useLocalDpi xmlns:a14="http://schemas.microsoft.com/office/drawing/2010/main" val="0"/>
               </a:ext>
             </a:extLst>
           </a:blip>
@@ -16313,8 +16132,8 @@
         </p:blipFill>
         <p:spPr>
           <a:xfrm rot="0">
-            <a:off x="1247140" y="1454785"/>
-            <a:ext cx="4107180" cy="1461135"/>
+            <a:off x="1237615" y="2395220"/>
+            <a:ext cx="4149090" cy="767715"/>
           </a:xfrm>
           <a:prstGeom prst="roundRect"/>
           <a:solidFill>
@@ -16324,7 +16143,7 @@
       </p:pic>
       <p:pic>
         <p:nvPicPr>
-          <p:cNvPr id="1188" name="그림 14"/>
+          <p:cNvPr id="1201" name="그림 25"/>
           <p:cNvPicPr>
             <a:picLocks noChangeAspect="1"/>
           </p:cNvPicPr>
@@ -16344,8 +16163,8 @@
         </p:blipFill>
         <p:spPr>
           <a:xfrm rot="0">
-            <a:off x="1238250" y="4410075"/>
-            <a:ext cx="4134485" cy="905510"/>
+            <a:off x="1238250" y="1457325"/>
+            <a:ext cx="4140200" cy="772160"/>
           </a:xfrm>
           <a:prstGeom prst="roundRect"/>
           <a:solidFill>
@@ -16353,90 +16172,19 @@
           </a:solidFill>
         </p:spPr>
       </p:pic>
-      <p:sp>
-        <p:nvSpPr>
-          <p:cNvPr id="1189" name="텍스트 상자 17"/>
-          <p:cNvSpPr txBox="1">
-            <a:spLocks/>
-          </p:cNvSpPr>
-          <p:nvPr/>
-        </p:nvSpPr>
-        <p:spPr>
-          <a:xfrm rot="0">
-            <a:off x="1249680" y="5456555"/>
-            <a:ext cx="4123055" cy="647065"/>
-          </a:xfrm>
-          <a:prstGeom prst="rect"/>
-          <a:noFill/>
-          <a:ln w="0">
-            <a:noFill/>
-            <a:prstDash/>
-          </a:ln>
-        </p:spPr>
-        <p:txBody>
-          <a:bodyPr wrap="square" lIns="89535" tIns="46355" rIns="89535" bIns="46355" numCol="1" vert="horz" anchor="t">
-            <a:spAutoFit/>
-          </a:bodyPr>
-          <a:lstStyle/>
-          <a:p>
-            <a:pPr marL="0" indent="0" rtl="0" algn="l" defTabSz="914400" eaLnBrk="1" latinLnBrk="0" hangingPunct="1">
-              <a:buFontTx/>
-              <a:buNone/>
-            </a:pPr>
-            <a:r>
-              <a:rPr lang="ko-KR" sz="1800" b="1">
-                <a:solidFill>
-                  <a:srgbClr val="0611F2"/>
-                </a:solidFill>
-                <a:latin typeface="맑은 고딕" charset="0"/>
-                <a:ea typeface="맑은 고딕" charset="0"/>
-              </a:rPr>
-              <a:t>18</a:t>
-            </a:r>
-            <a:r>
-              <a:rPr sz="1800" b="1">
-                <a:solidFill>
-                  <a:srgbClr val="0611F2"/>
-                </a:solidFill>
-                <a:latin typeface="맑은 고딕" charset="0"/>
-                <a:ea typeface="맑은 고딕" charset="0"/>
-              </a:rPr>
-              <a:t>.</a:t>
-            </a:r>
-            <a:r>
-              <a:rPr sz="1800">
-                <a:latin typeface="맑은 고딕" charset="0"/>
-                <a:ea typeface="맑은 고딕" charset="0"/>
-              </a:rPr>
-              <a:t> </a:t>
-            </a:r>
-            <a:r>
-              <a:rPr lang="ko-KR" sz="1800">
-                <a:latin typeface="맑은 고딕" charset="0"/>
-                <a:ea typeface="맑은 고딕" charset="0"/>
-              </a:rPr>
-              <a:t>그러고 나서 Start( ) 함수에서 InvokeRepeating( ) 함수를 선언합니다.</a:t>
-            </a:r>
-            <a:endParaRPr lang="ko-KR" altLang="en-US" sz="1800">
-              <a:latin typeface="맑은 고딕" charset="0"/>
-              <a:ea typeface="맑은 고딕" charset="0"/>
-            </a:endParaRPr>
-          </a:p>
-        </p:txBody>
-      </p:sp>
       <p:pic>
         <p:nvPicPr>
-          <p:cNvPr id="1190" name="그림 18"/>
+          <p:cNvPr id="1202" name="그림 30"/>
           <p:cNvPicPr>
             <a:picLocks noChangeAspect="1"/>
           </p:cNvPicPr>
           <p:nvPr/>
         </p:nvPicPr>
         <p:blipFill rotWithShape="1">
-          <a:blip r:embed="rId9" cstate="print">
+          <a:blip r:embed="rId9" cstate="hqprint">
             <a:extLst>
               <a:ext uri="{28A0092B-C50C-407E-A947-70E740481C1C}">
-                <a14:useLocalDpi xmlns:a14="http://schemas.microsoft.com/office/drawing/2010/main" val="0"/>
+                <a14:useLocalDpi xmlns:a14="http://schemas.microsoft.com/office/drawing/2010/main"/>
               </a:ext>
             </a:extLst>
           </a:blip>
@@ -16446,8 +16194,8 @@
         </p:blipFill>
         <p:spPr>
           <a:xfrm rot="0">
-            <a:off x="6819900" y="1452880"/>
-            <a:ext cx="4124960" cy="2151380"/>
+            <a:off x="1238250" y="3324860"/>
+            <a:ext cx="4148455" cy="1762125"/>
           </a:xfrm>
           <a:prstGeom prst="roundRect"/>
           <a:solidFill>
@@ -16457,7 +16205,7 @@
       </p:pic>
       <p:sp>
         <p:nvSpPr>
-          <p:cNvPr id="1191" name="텍스트 상자 21"/>
+          <p:cNvPr id="1203" name="텍스트 상자 31"/>
           <p:cNvSpPr txBox="1">
             <a:spLocks/>
           </p:cNvSpPr>
@@ -16465,8 +16213,8 @@
         </p:nvSpPr>
         <p:spPr>
           <a:xfrm rot="0">
-            <a:off x="6810375" y="3797935"/>
-            <a:ext cx="4126865" cy="2308225"/>
+            <a:off x="1240790" y="5213985"/>
+            <a:ext cx="4154805" cy="923925"/>
           </a:xfrm>
           <a:prstGeom prst="rect"/>
           <a:noFill/>
@@ -16486,6 +16234,16 @@
               <a:buNone/>
             </a:pPr>
             <a:r>
+              <a:rPr sz="1800" b="1">
+                <a:solidFill>
+                  <a:srgbClr val="0611F2"/>
+                </a:solidFill>
+                <a:latin typeface="맑은 고딕" charset="0"/>
+                <a:ea typeface="맑은 고딕" charset="0"/>
+              </a:rPr>
+              <a:t>2</a:t>
+            </a:r>
+            <a:r>
               <a:rPr lang="ko-KR" sz="1800" b="1">
                 <a:solidFill>
                   <a:srgbClr val="0611F2"/>
@@ -16493,7 +16251,7 @@
                 <a:latin typeface="맑은 고딕" charset="0"/>
                 <a:ea typeface="맑은 고딕" charset="0"/>
               </a:rPr>
-              <a:t>19</a:t>
+              <a:t>0</a:t>
             </a:r>
             <a:r>
               <a:rPr sz="1800" b="1">
@@ -16517,42 +16275,98 @@
                 <a:latin typeface="맑은 고딕" charset="0"/>
                 <a:ea typeface="맑은 고딕" charset="0"/>
               </a:rPr>
-              <a:t>그런 다음 Move( ) 함수를 선언하고 navMeshAgent의 속도가 0 과 같아졌다면 navMeshAgent 도착 지점을 설정합니다.</a:t>
+              <a:t>이제 Right Bridge</a:t>
+            </a:r>
+            <a:r>
+              <a:rPr lang="ko-KR" sz="1800">
+                <a:latin typeface="맑은 고딕" charset="0"/>
+                <a:ea typeface="맑은 고딕" charset="0"/>
+              </a:rPr>
+              <a:t> 오브젝트와 </a:t>
+            </a:r>
+            <a:r>
+              <a:rPr lang="ko-KR" sz="1800">
+                <a:latin typeface="맑은 고딕" charset="0"/>
+                <a:ea typeface="맑은 고딕" charset="0"/>
+              </a:rPr>
+              <a:t>Left Bridge</a:t>
+            </a:r>
+            <a:r>
+              <a:rPr lang="ko-KR" sz="1800">
+                <a:latin typeface="맑은 고딕" charset="0"/>
+                <a:ea typeface="맑은 고딕" charset="0"/>
+              </a:rPr>
+              <a:t> 오브젝트에 Navigation Static을 설정합니다.</a:t>
             </a:r>
             <a:endParaRPr lang="ko-KR" altLang="en-US" sz="1800">
               <a:latin typeface="맑은 고딕" charset="0"/>
               <a:ea typeface="맑은 고딕" charset="0"/>
             </a:endParaRPr>
           </a:p>
-          <a:p>
-            <a:pPr marL="0" indent="0" rtl="0" algn="l" defTabSz="914400" eaLnBrk="1" latinLnBrk="0" hangingPunct="1">
-              <a:buFontTx/>
-              <a:buNone/>
-            </a:pPr>
-            <a:endParaRPr lang="ko-KR" altLang="en-US" sz="1800">
-              <a:latin typeface="맑은 고딕" charset="0"/>
-              <a:ea typeface="맑은 고딕" charset="0"/>
-            </a:endParaRPr>
-          </a:p>
-          <a:p>
-            <a:pPr marL="0" indent="0" rtl="0" algn="l" defTabSz="914400" eaLnBrk="1" latinLnBrk="0" hangingPunct="1">
-              <a:buFontTx/>
-              <a:buNone/>
-            </a:pPr>
-            <a:r>
-              <a:rPr lang="ko-KR" sz="1800">
-                <a:latin typeface="맑은 고딕" charset="0"/>
-                <a:ea typeface="맑은 고딕" charset="0"/>
-              </a:rPr>
-              <a:t>그다음 Move( ) 함수가 호출될 때 count의 값을 증가시켜 도착 위치가 계속 변경되도록 설정합니다.</a:t>
-            </a:r>
-            <a:endParaRPr lang="ko-KR" altLang="en-US" sz="1800">
-              <a:latin typeface="맑은 고딕" charset="0"/>
-              <a:ea typeface="맑은 고딕" charset="0"/>
-            </a:endParaRPr>
-          </a:p>
-        </p:txBody>
-      </p:sp>
+        </p:txBody>
+      </p:sp>
+      <p:pic>
+        <p:nvPicPr>
+          <p:cNvPr id="1204" name="그림 32"/>
+          <p:cNvPicPr>
+            <a:picLocks noChangeAspect="1"/>
+          </p:cNvPicPr>
+          <p:nvPr/>
+        </p:nvPicPr>
+        <p:blipFill rotWithShape="1">
+          <a:blip r:embed="rId10" cstate="hqprint">
+            <a:extLst>
+              <a:ext uri="{28A0092B-C50C-407E-A947-70E740481C1C}">
+                <a14:useLocalDpi xmlns:a14="http://schemas.microsoft.com/office/drawing/2010/main"/>
+              </a:ext>
+            </a:extLst>
+          </a:blip>
+          <a:stretch>
+            <a:fillRect/>
+          </a:stretch>
+        </p:blipFill>
+        <p:spPr>
+          <a:xfrm rot="0">
+            <a:off x="6814820" y="1463675"/>
+            <a:ext cx="4139565" cy="875030"/>
+          </a:xfrm>
+          <a:prstGeom prst="roundRect"/>
+          <a:solidFill>
+            <a:srgbClr val="EDEDED"/>
+          </a:solidFill>
+        </p:spPr>
+      </p:pic>
+      <p:pic>
+        <p:nvPicPr>
+          <p:cNvPr id="1205" name="그림 35"/>
+          <p:cNvPicPr>
+            <a:picLocks noChangeAspect="1"/>
+          </p:cNvPicPr>
+          <p:nvPr/>
+        </p:nvPicPr>
+        <p:blipFill rotWithShape="1">
+          <a:blip r:embed="rId9" cstate="hqprint">
+            <a:extLst>
+              <a:ext uri="{28A0092B-C50C-407E-A947-70E740481C1C}">
+                <a14:useLocalDpi xmlns:a14="http://schemas.microsoft.com/office/drawing/2010/main"/>
+              </a:ext>
+            </a:extLst>
+          </a:blip>
+          <a:stretch>
+            <a:fillRect/>
+          </a:stretch>
+        </p:blipFill>
+        <p:spPr>
+          <a:xfrm rot="0">
+            <a:off x="6826250" y="2553970"/>
+            <a:ext cx="4120515" cy="2781300"/>
+          </a:xfrm>
+          <a:prstGeom prst="roundRect"/>
+          <a:solidFill>
+            <a:srgbClr val="EDEDED"/>
+          </a:solidFill>
+        </p:spPr>
+      </p:pic>
     </p:spTree>
   </p:cSld>
   <p:clrMapOvr>
@@ -16595,16 +16409,16 @@
       </p:grpSpPr>
       <p:sp>
         <p:nvSpPr>
-          <p:cNvPr id="1031" name="Rect 0"/>
+          <p:cNvPr id="1032" name="텍스트 상자 98"/>
           <p:cNvSpPr txBox="1">
             <a:spLocks/>
           </p:cNvSpPr>
           <p:nvPr/>
         </p:nvSpPr>
         <p:spPr>
-          <a:xfrm rot="0">
-            <a:off x="4563110" y="372110"/>
-            <a:ext cx="3066415" cy="478155"/>
+          <a:xfrm>
+            <a:off x="4260850" y="383540"/>
+            <a:ext cx="3676015" cy="478155"/>
           </a:xfrm>
           <a:prstGeom prst="rect"/>
           <a:noFill/>
@@ -16619,29 +16433,19 @@
           </a:bodyPr>
           <a:lstStyle/>
           <a:p>
-            <a:pPr marL="0" indent="0" algn="ctr" latinLnBrk="0">
-              <a:buFontTx/>
-              <a:buNone/>
-            </a:pPr>
-            <a:r>
-              <a:rPr lang="ko-KR" altLang="en-US" sz="2500" b="1">
+            <a:pPr marL="0" indent="0" rtl="0" algn="ctr" defTabSz="914400" eaLnBrk="1" latinLnBrk="0" hangingPunct="1">
+              <a:buFontTx/>
+              <a:buNone/>
+            </a:pPr>
+            <a:r>
+              <a:rPr sz="2500" b="1">
                 <a:solidFill>
                   <a:schemeClr val="tx1"/>
                 </a:solidFill>
                 <a:latin typeface="나눔바른고딕" charset="0"/>
                 <a:ea typeface="나눔바른고딕" charset="0"/>
               </a:rPr>
-              <a:t>일곱</a:t>
-            </a:r>
-            <a:r>
-              <a:rPr lang="ko-KR" altLang="en-US" sz="2500" b="1">
-                <a:solidFill>
-                  <a:schemeClr val="tx1"/>
-                </a:solidFill>
-                <a:latin typeface="나눔바른고딕" charset="0"/>
-                <a:ea typeface="나눔바른고딕" charset="0"/>
-              </a:rPr>
-              <a:t> 번째 튜토리얼</a:t>
+              <a:t>Navigation Areas</a:t>
             </a:r>
             <a:endParaRPr lang="ko-KR" altLang="en-US" sz="2500" b="1">
               <a:solidFill>
@@ -16655,7 +16459,7 @@
       </p:sp>
       <p:sp>
         <p:nvSpPr>
-          <p:cNvPr id="1192" name="Rect 0"/>
+          <p:cNvPr id="1033" name="텍스트 상자 99"/>
           <p:cNvSpPr txBox="1">
             <a:spLocks/>
           </p:cNvSpPr>
@@ -16663,8 +16467,8 @@
         </p:nvSpPr>
         <p:spPr>
           <a:xfrm rot="0">
-            <a:off x="6823710" y="5488940"/>
-            <a:ext cx="4130675" cy="647065"/>
+            <a:off x="1247140" y="1431290"/>
+            <a:ext cx="4141470" cy="925195"/>
           </a:xfrm>
           <a:prstGeom prst="rect"/>
           <a:noFill/>
@@ -16684,38 +16488,18 @@
               <a:buNone/>
             </a:pPr>
             <a:r>
-              <a:rPr lang="ko-KR" sz="1800" b="1">
-                <a:solidFill>
-                  <a:srgbClr val="0611F2"/>
-                </a:solidFill>
-                <a:latin typeface="맑은 고딕" charset="0"/>
-                <a:ea typeface="맑은 고딕" charset="0"/>
-              </a:rPr>
-              <a:t>21</a:t>
-            </a:r>
-            <a:r>
-              <a:rPr sz="1800" b="1">
-                <a:solidFill>
-                  <a:srgbClr val="0611F2"/>
-                </a:solidFill>
-                <a:latin typeface="맑은 고딕" charset="0"/>
-                <a:ea typeface="맑은 고딕" charset="0"/>
-              </a:rPr>
-              <a:t>.</a:t>
+              <a:rPr lang="ko-KR" sz="1800">
+                <a:latin typeface="맑은 고딕" charset="0"/>
+                <a:ea typeface="맑은 고딕" charset="0"/>
+              </a:rPr>
+              <a:t>내비게이션 영역은</a:t>
             </a:r>
             <a:r>
               <a:rPr sz="1800">
                 <a:latin typeface="맑은 고딕" charset="0"/>
                 <a:ea typeface="맑은 고딕" charset="0"/>
               </a:rPr>
-              <a:t> </a:t>
-            </a:r>
-            <a:r>
-              <a:rPr lang="ko-KR" sz="1800">
-                <a:latin typeface="맑은 고딕" charset="0"/>
-                <a:ea typeface="맑은 고딕" charset="0"/>
-              </a:rPr>
-              <a:t>그리고 Character 오브젝트의 Navigation Static를 설정합니다.</a:t>
+              <a:t> 특정영역에 비용을 설정하여 경로의 순서를 설정하는 기능입니다.</a:t>
             </a:r>
             <a:endParaRPr lang="ko-KR" altLang="en-US" sz="1800">
               <a:latin typeface="맑은 고딕" charset="0"/>
@@ -16724,78 +16508,125 @@
           </a:p>
         </p:txBody>
       </p:sp>
+      <p:sp>
+        <p:nvSpPr>
+          <p:cNvPr id="1034" name="텍스트 상자 100"/>
+          <p:cNvSpPr txBox="1">
+            <a:spLocks/>
+          </p:cNvSpPr>
+          <p:nvPr/>
+        </p:nvSpPr>
+        <p:spPr>
+          <a:xfrm rot="0">
+            <a:off x="1247140" y="5320030"/>
+            <a:ext cx="4131310" cy="923925"/>
+          </a:xfrm>
+          <a:prstGeom prst="rect"/>
+          <a:noFill/>
+          <a:ln w="0">
+            <a:noFill/>
+            <a:prstDash/>
+          </a:ln>
+        </p:spPr>
+        <p:txBody>
+          <a:bodyPr wrap="square" lIns="89535" tIns="46355" rIns="89535" bIns="46355" numCol="1" vert="horz" anchor="t">
+            <a:spAutoFit/>
+          </a:bodyPr>
+          <a:lstStyle/>
+          <a:p>
+            <a:pPr marL="0" indent="0" rtl="0" algn="l" defTabSz="914400" eaLnBrk="1" latinLnBrk="0" hangingPunct="1">
+              <a:buFontTx/>
+              <a:buNone/>
+            </a:pPr>
+            <a:r>
+              <a:rPr lang="ko-KR" sz="1800">
+                <a:latin typeface="맑은 고딕" charset="0"/>
+                <a:ea typeface="맑은 고딕" charset="0"/>
+              </a:rPr>
+              <a:t>내비게이션 영역의 경우</a:t>
+            </a:r>
+            <a:r>
+              <a:rPr sz="1800">
+                <a:latin typeface="맑은 고딕" charset="0"/>
+                <a:ea typeface="맑은 고딕" charset="0"/>
+              </a:rPr>
+              <a:t> 경로를 탐색할 때 낮은 비용의 영역으로 선택됩니다.</a:t>
+            </a:r>
+            <a:endParaRPr lang="ko-KR" altLang="en-US" sz="1800">
+              <a:latin typeface="맑은 고딕" charset="0"/>
+              <a:ea typeface="맑은 고딕" charset="0"/>
+            </a:endParaRPr>
+          </a:p>
+        </p:txBody>
+      </p:sp>
+      <p:sp>
+        <p:nvSpPr>
+          <p:cNvPr id="1040" name="텍스트 상자 106"/>
+          <p:cNvSpPr txBox="1">
+            <a:spLocks/>
+          </p:cNvSpPr>
+          <p:nvPr/>
+        </p:nvSpPr>
+        <p:spPr>
+          <a:xfrm rot="0">
+            <a:off x="6814820" y="5041265"/>
+            <a:ext cx="4148455" cy="1200785"/>
+          </a:xfrm>
+          <a:prstGeom prst="rect"/>
+          <a:noFill/>
+          <a:ln w="0">
+            <a:noFill/>
+            <a:prstDash/>
+          </a:ln>
+        </p:spPr>
+        <p:txBody>
+          <a:bodyPr wrap="square" lIns="89535" tIns="46355" rIns="89535" bIns="46355" numCol="1" vert="horz" anchor="t">
+            <a:spAutoFit/>
+          </a:bodyPr>
+          <a:lstStyle/>
+          <a:p>
+            <a:pPr marL="0" indent="0" rtl="0" algn="l" defTabSz="914400" eaLnBrk="1" latinLnBrk="0" hangingPunct="1">
+              <a:buFontTx/>
+              <a:buNone/>
+            </a:pPr>
+            <a:r>
+              <a:rPr lang="ko-KR" sz="1800">
+                <a:latin typeface="맑은 고딕" charset="0"/>
+                <a:ea typeface="맑은 고딕" charset="0"/>
+              </a:rPr>
+              <a:t>이때 연결된 노드 그래프가 동작하고 경로 시작점에서 가장 가까운 노드에서부터 여러 </a:t>
+            </a:r>
+            <a:r>
+              <a:rPr lang="ko-KR" sz="1800">
+                <a:latin typeface="맑은 고딕" charset="0"/>
+                <a:ea typeface="맑은 고딕" charset="0"/>
+              </a:rPr>
+              <a:t>개의</a:t>
+            </a:r>
+            <a:r>
+              <a:rPr lang="ko-KR" sz="1800">
+                <a:latin typeface="맑은 고딕" charset="0"/>
+                <a:ea typeface="맑은 고딕" charset="0"/>
+              </a:rPr>
+              <a:t> 노드를 거쳐 목적지에 도달합니다.</a:t>
+            </a:r>
+            <a:endParaRPr lang="ko-KR" altLang="en-US" sz="1800">
+              <a:latin typeface="맑은 고딕" charset="0"/>
+              <a:ea typeface="맑은 고딕" charset="0"/>
+            </a:endParaRPr>
+          </a:p>
+        </p:txBody>
+      </p:sp>
       <p:pic>
         <p:nvPicPr>
-          <p:cNvPr id="1200" name="그림 24"/>
+          <p:cNvPr id="1041" name="그림 126"/>
           <p:cNvPicPr>
             <a:picLocks noChangeAspect="1"/>
           </p:cNvPicPr>
           <p:nvPr/>
         </p:nvPicPr>
         <p:blipFill rotWithShape="1">
-          <a:blip r:embed="rId7" cstate="print">
-            <a:extLst>
-              <a:ext uri="{28A0092B-C50C-407E-A947-70E740481C1C}">
-                <a14:useLocalDpi xmlns:a14="http://schemas.microsoft.com/office/drawing/2010/main" val="0"/>
-              </a:ext>
-            </a:extLst>
-          </a:blip>
-          <a:stretch>
-            <a:fillRect/>
-          </a:stretch>
-        </p:blipFill>
-        <p:spPr>
-          <a:xfrm rot="0">
-            <a:off x="1237615" y="2395220"/>
-            <a:ext cx="4149090" cy="767715"/>
-          </a:xfrm>
-          <a:prstGeom prst="roundRect"/>
-          <a:solidFill>
-            <a:srgbClr val="EDEDED"/>
-          </a:solidFill>
-        </p:spPr>
-      </p:pic>
-      <p:pic>
-        <p:nvPicPr>
-          <p:cNvPr id="1201" name="그림 25"/>
-          <p:cNvPicPr>
-            <a:picLocks noChangeAspect="1"/>
-          </p:cNvPicPr>
-          <p:nvPr/>
-        </p:nvPicPr>
-        <p:blipFill rotWithShape="1">
-          <a:blip r:embed="rId8" cstate="print">
-            <a:extLst>
-              <a:ext uri="{28A0092B-C50C-407E-A947-70E740481C1C}">
-                <a14:useLocalDpi xmlns:a14="http://schemas.microsoft.com/office/drawing/2010/main" val="0"/>
-              </a:ext>
-            </a:extLst>
-          </a:blip>
-          <a:stretch>
-            <a:fillRect/>
-          </a:stretch>
-        </p:blipFill>
-        <p:spPr>
-          <a:xfrm rot="0">
-            <a:off x="1238250" y="1457325"/>
-            <a:ext cx="4140200" cy="772160"/>
-          </a:xfrm>
-          <a:prstGeom prst="roundRect"/>
-          <a:solidFill>
-            <a:srgbClr val="EDEDED"/>
-          </a:solidFill>
-        </p:spPr>
-      </p:pic>
-      <p:pic>
-        <p:nvPicPr>
-          <p:cNvPr id="1202" name="그림 30"/>
-          <p:cNvPicPr>
-            <a:picLocks noChangeAspect="1"/>
-          </p:cNvPicPr>
-          <p:nvPr/>
-        </p:nvPicPr>
-        <p:blipFill rotWithShape="1">
-          <a:blip r:embed="rId9" cstate="hqprint">
+          <a:blip r:embed="rId2" cstate="hqprint">
             <a:extLst>
               <a:ext uri="{28A0092B-C50C-407E-A947-70E740481C1C}">
                 <a14:useLocalDpi xmlns:a14="http://schemas.microsoft.com/office/drawing/2010/main"/>
@@ -16808,8 +16639,8 @@
         </p:blipFill>
         <p:spPr>
           <a:xfrm rot="0">
-            <a:off x="1238250" y="3324860"/>
-            <a:ext cx="4148455" cy="1762125"/>
+            <a:off x="1247140" y="2609215"/>
+            <a:ext cx="4141470" cy="2503170"/>
           </a:xfrm>
           <a:prstGeom prst="roundRect"/>
           <a:solidFill>
@@ -16817,118 +16648,16 @@
           </a:solidFill>
         </p:spPr>
       </p:pic>
-      <p:sp>
-        <p:nvSpPr>
-          <p:cNvPr id="1203" name="텍스트 상자 31"/>
-          <p:cNvSpPr txBox="1">
-            <a:spLocks/>
-          </p:cNvSpPr>
-          <p:nvPr/>
-        </p:nvSpPr>
-        <p:spPr>
-          <a:xfrm rot="0">
-            <a:off x="1240790" y="5213985"/>
-            <a:ext cx="4154805" cy="923925"/>
-          </a:xfrm>
-          <a:prstGeom prst="rect"/>
-          <a:noFill/>
-          <a:ln w="0">
-            <a:noFill/>
-            <a:prstDash/>
-          </a:ln>
-        </p:spPr>
-        <p:txBody>
-          <a:bodyPr wrap="square" lIns="89535" tIns="46355" rIns="89535" bIns="46355" numCol="1" vert="horz" anchor="t">
-            <a:spAutoFit/>
-          </a:bodyPr>
-          <a:lstStyle/>
-          <a:p>
-            <a:pPr marL="0" indent="0" rtl="0" algn="l" defTabSz="914400" eaLnBrk="1" latinLnBrk="0" hangingPunct="1">
-              <a:buFontTx/>
-              <a:buNone/>
-            </a:pPr>
-            <a:r>
-              <a:rPr sz="1800" b="1">
-                <a:solidFill>
-                  <a:srgbClr val="0611F2"/>
-                </a:solidFill>
-                <a:latin typeface="맑은 고딕" charset="0"/>
-                <a:ea typeface="맑은 고딕" charset="0"/>
-              </a:rPr>
-              <a:t>2</a:t>
-            </a:r>
-            <a:r>
-              <a:rPr lang="ko-KR" sz="1800" b="1">
-                <a:solidFill>
-                  <a:srgbClr val="0611F2"/>
-                </a:solidFill>
-                <a:latin typeface="맑은 고딕" charset="0"/>
-                <a:ea typeface="맑은 고딕" charset="0"/>
-              </a:rPr>
-              <a:t>0</a:t>
-            </a:r>
-            <a:r>
-              <a:rPr sz="1800" b="1">
-                <a:solidFill>
-                  <a:srgbClr val="0611F2"/>
-                </a:solidFill>
-                <a:latin typeface="맑은 고딕" charset="0"/>
-                <a:ea typeface="맑은 고딕" charset="0"/>
-              </a:rPr>
-              <a:t>.</a:t>
-            </a:r>
-            <a:r>
-              <a:rPr sz="1800">
-                <a:latin typeface="맑은 고딕" charset="0"/>
-                <a:ea typeface="맑은 고딕" charset="0"/>
-              </a:rPr>
-              <a:t> </a:t>
-            </a:r>
-            <a:r>
-              <a:rPr lang="ko-KR" sz="1800">
-                <a:latin typeface="맑은 고딕" charset="0"/>
-                <a:ea typeface="맑은 고딕" charset="0"/>
-              </a:rPr>
-              <a:t>이제 Right Bridge</a:t>
-            </a:r>
-            <a:r>
-              <a:rPr lang="ko-KR" sz="1800">
-                <a:latin typeface="맑은 고딕" charset="0"/>
-                <a:ea typeface="맑은 고딕" charset="0"/>
-              </a:rPr>
-              <a:t> 오브젝트와 </a:t>
-            </a:r>
-            <a:r>
-              <a:rPr lang="ko-KR" sz="1800">
-                <a:latin typeface="맑은 고딕" charset="0"/>
-                <a:ea typeface="맑은 고딕" charset="0"/>
-              </a:rPr>
-              <a:t>Left Bridge</a:t>
-            </a:r>
-            <a:r>
-              <a:rPr lang="ko-KR" sz="1800">
-                <a:latin typeface="맑은 고딕" charset="0"/>
-                <a:ea typeface="맑은 고딕" charset="0"/>
-              </a:rPr>
-              <a:t> 오브젝트에 Navigation Static을 설정합니다.</a:t>
-            </a:r>
-            <a:endParaRPr lang="ko-KR" altLang="en-US" sz="1800">
-              <a:latin typeface="맑은 고딕" charset="0"/>
-              <a:ea typeface="맑은 고딕" charset="0"/>
-            </a:endParaRPr>
-          </a:p>
-        </p:txBody>
-      </p:sp>
       <p:pic>
         <p:nvPicPr>
-          <p:cNvPr id="1204" name="그림 32"/>
+          <p:cNvPr id="1042" name="그림 144"/>
           <p:cNvPicPr>
             <a:picLocks noChangeAspect="1"/>
           </p:cNvPicPr>
           <p:nvPr/>
         </p:nvPicPr>
         <p:blipFill rotWithShape="1">
-          <a:blip r:embed="rId10" cstate="hqprint">
+          <a:blip r:embed="rId3" cstate="hqprint">
             <a:extLst>
               <a:ext uri="{28A0092B-C50C-407E-A947-70E740481C1C}">
                 <a14:useLocalDpi xmlns:a14="http://schemas.microsoft.com/office/drawing/2010/main"/>
@@ -16941,8 +16670,8 @@
         </p:blipFill>
         <p:spPr>
           <a:xfrm rot="0">
-            <a:off x="6814820" y="1463675"/>
-            <a:ext cx="4139565" cy="875030"/>
+            <a:off x="6823710" y="2578735"/>
+            <a:ext cx="4140200" cy="2268220"/>
           </a:xfrm>
           <a:prstGeom prst="roundRect"/>
           <a:solidFill>
@@ -16950,37 +16679,50 @@
           </a:solidFill>
         </p:spPr>
       </p:pic>
-      <p:pic>
-        <p:nvPicPr>
-          <p:cNvPr id="1205" name="그림 35"/>
-          <p:cNvPicPr>
-            <a:picLocks noChangeAspect="1"/>
-          </p:cNvPicPr>
-          <p:nvPr/>
-        </p:nvPicPr>
-        <p:blipFill rotWithShape="1">
-          <a:blip r:embed="rId9" cstate="hqprint">
-            <a:extLst>
-              <a:ext uri="{28A0092B-C50C-407E-A947-70E740481C1C}">
-                <a14:useLocalDpi xmlns:a14="http://schemas.microsoft.com/office/drawing/2010/main"/>
-              </a:ext>
-            </a:extLst>
-          </a:blip>
-          <a:stretch>
-            <a:fillRect/>
-          </a:stretch>
-        </p:blipFill>
-        <p:spPr>
-          <a:xfrm rot="0">
-            <a:off x="6826250" y="2553970"/>
-            <a:ext cx="4120515" cy="2781300"/>
-          </a:xfrm>
-          <a:prstGeom prst="roundRect"/>
-          <a:solidFill>
-            <a:srgbClr val="EDEDED"/>
-          </a:solidFill>
-        </p:spPr>
-      </p:pic>
+      <p:sp>
+        <p:nvSpPr>
+          <p:cNvPr id="1043" name="텍스트 상자 57"/>
+          <p:cNvSpPr txBox="1">
+            <a:spLocks/>
+          </p:cNvSpPr>
+          <p:nvPr/>
+        </p:nvSpPr>
+        <p:spPr>
+          <a:xfrm rot="0">
+            <a:off x="6818630" y="1426210"/>
+            <a:ext cx="4131945" cy="924560"/>
+          </a:xfrm>
+          <a:prstGeom prst="rect"/>
+          <a:noFill/>
+          <a:ln w="0">
+            <a:noFill/>
+            <a:prstDash/>
+          </a:ln>
+        </p:spPr>
+        <p:txBody>
+          <a:bodyPr wrap="square" lIns="89535" tIns="46355" rIns="89535" bIns="46355" numCol="1" vert="horz" anchor="t">
+            <a:spAutoFit/>
+          </a:bodyPr>
+          <a:lstStyle/>
+          <a:p>
+            <a:pPr marL="0" indent="0" rtl="0" algn="l" defTabSz="914400" eaLnBrk="1" latinLnBrk="0" hangingPunct="1">
+              <a:buFontTx/>
+              <a:buNone/>
+            </a:pPr>
+            <a:r>
+              <a:rPr lang="ko-KR" sz="1800">
+                <a:latin typeface="맑은 고딕" charset="0"/>
+                <a:ea typeface="맑은 고딕" charset="0"/>
+              </a:rPr>
+              <a:t>내비게이션이 설정된 게임 오브젝트를 도착 지점으로 이동할 때 A star 알고리즘을 기반으로 계산합니다.</a:t>
+            </a:r>
+            <a:endParaRPr lang="ko-KR" altLang="en-US" sz="1800">
+              <a:latin typeface="맑은 고딕" charset="0"/>
+              <a:ea typeface="맑은 고딕" charset="0"/>
+            </a:endParaRPr>
+          </a:p>
+        </p:txBody>
+      </p:sp>
     </p:spTree>
   </p:cSld>
   <p:clrMapOvr>
